--- a/Hadoop/05-MapReduce.pptx
+++ b/Hadoop/05-MapReduce.pptx
@@ -8,12 +8,13 @@
     <p:sldId id="256" r:id="rId2"/>
     <p:sldId id="257" r:id="rId3"/>
     <p:sldId id="260" r:id="rId4"/>
-    <p:sldId id="259" r:id="rId5"/>
-    <p:sldId id="261" r:id="rId6"/>
-    <p:sldId id="262" r:id="rId7"/>
-    <p:sldId id="263" r:id="rId8"/>
-    <p:sldId id="264" r:id="rId9"/>
-    <p:sldId id="265" r:id="rId10"/>
+    <p:sldId id="265" r:id="rId5"/>
+    <p:sldId id="259" r:id="rId6"/>
+    <p:sldId id="261" r:id="rId7"/>
+    <p:sldId id="262" r:id="rId8"/>
+    <p:sldId id="266" r:id="rId9"/>
+    <p:sldId id="263" r:id="rId10"/>
+    <p:sldId id="264" r:id="rId11"/>
   </p:sldIdLst>
   <p:sldSz cx="12192000" cy="6858000"/>
   <p:notesSz cx="6858000" cy="9144000"/>
@@ -3398,6 +3399,95 @@
 </p:sld>
 </file>
 
+<file path=ppt/slides/slide10.xml><?xml version="1.0" encoding="utf-8"?>
+<p:sld xmlns:a="http://schemas.openxmlformats.org/drawingml/2006/main" xmlns:r="http://schemas.openxmlformats.org/officeDocument/2006/relationships" xmlns:p="http://schemas.openxmlformats.org/presentationml/2006/main">
+  <p:cSld>
+    <p:spTree>
+      <p:nvGrpSpPr>
+        <p:cNvPr id="1" name=""/>
+        <p:cNvGrpSpPr/>
+        <p:nvPr/>
+      </p:nvGrpSpPr>
+      <p:grpSpPr>
+        <a:xfrm>
+          <a:off x="0" y="0"/>
+          <a:ext cx="0" cy="0"/>
+          <a:chOff x="0" y="0"/>
+          <a:chExt cx="0" cy="0"/>
+        </a:xfrm>
+      </p:grpSpPr>
+      <p:sp>
+        <p:nvSpPr>
+          <p:cNvPr id="2" name="Title 1">
+            <a:extLst>
+              <a:ext uri="{FF2B5EF4-FFF2-40B4-BE49-F238E27FC236}">
+                <a16:creationId xmlns:a16="http://schemas.microsoft.com/office/drawing/2014/main" id="{8A5B2B03-084E-BA40-9020-213AA5730E92}"/>
+              </a:ext>
+            </a:extLst>
+          </p:cNvPr>
+          <p:cNvSpPr>
+            <a:spLocks noGrp="1"/>
+          </p:cNvSpPr>
+          <p:nvPr>
+            <p:ph type="title"/>
+          </p:nvPr>
+        </p:nvSpPr>
+        <p:spPr/>
+        <p:txBody>
+          <a:bodyPr/>
+          <a:lstStyle/>
+          <a:p>
+            <a:r>
+              <a:rPr lang="en-US" dirty="0"/>
+              <a:t>Fault Tolerance</a:t>
+            </a:r>
+          </a:p>
+        </p:txBody>
+      </p:sp>
+      <p:sp>
+        <p:nvSpPr>
+          <p:cNvPr id="3" name="Content Placeholder 2">
+            <a:extLst>
+              <a:ext uri="{FF2B5EF4-FFF2-40B4-BE49-F238E27FC236}">
+                <a16:creationId xmlns:a16="http://schemas.microsoft.com/office/drawing/2014/main" id="{7D3F88AA-3210-904A-AAB3-862390CC3285}"/>
+              </a:ext>
+            </a:extLst>
+          </p:cNvPr>
+          <p:cNvSpPr>
+            <a:spLocks noGrp="1"/>
+          </p:cNvSpPr>
+          <p:nvPr>
+            <p:ph idx="1"/>
+          </p:nvPr>
+        </p:nvSpPr>
+        <p:spPr/>
+        <p:txBody>
+          <a:bodyPr/>
+          <a:lstStyle/>
+          <a:p>
+            <a:pPr marL="0" indent="0">
+              <a:buNone/>
+            </a:pPr>
+            <a:r>
+              <a:rPr lang="en-US" dirty="0"/>
+              <a:t>If a machine goes down, simply start a new one</a:t>
+            </a:r>
+          </a:p>
+        </p:txBody>
+      </p:sp>
+    </p:spTree>
+    <p:extLst>
+      <p:ext uri="{BB962C8B-B14F-4D97-AF65-F5344CB8AC3E}">
+        <p14:creationId xmlns:p14="http://schemas.microsoft.com/office/powerpoint/2010/main" val="3561170220"/>
+      </p:ext>
+    </p:extLst>
+  </p:cSld>
+  <p:clrMapOvr>
+    <a:masterClrMapping/>
+  </p:clrMapOvr>
+</p:sld>
+</file>
+
 <file path=ppt/slides/slide2.xml><?xml version="1.0" encoding="utf-8"?>
 <p:sld xmlns:a="http://schemas.openxmlformats.org/drawingml/2006/main" xmlns:r="http://schemas.openxmlformats.org/officeDocument/2006/relationships" xmlns:p="http://schemas.openxmlformats.org/presentationml/2006/main">
   <p:cSld>
@@ -3750,7 +3840,7 @@
           <p:cNvPr id="2" name="Title 1">
             <a:extLst>
               <a:ext uri="{FF2B5EF4-FFF2-40B4-BE49-F238E27FC236}">
-                <a16:creationId xmlns:a16="http://schemas.microsoft.com/office/drawing/2014/main" id="{5C54162D-4C26-ED45-862C-C7D467648DF1}"/>
+                <a16:creationId xmlns:a16="http://schemas.microsoft.com/office/drawing/2014/main" id="{A6F5B283-C7E7-5547-B7F2-774A96193EFD}"/>
               </a:ext>
             </a:extLst>
           </p:cNvPr>
@@ -3768,94 +3858,44 @@
           <a:p>
             <a:r>
               <a:rPr lang="en-US" dirty="0"/>
-              <a:t>Computation</a:t>
-            </a:r>
-          </a:p>
-        </p:txBody>
-      </p:sp>
-      <p:sp>
-        <p:nvSpPr>
-          <p:cNvPr id="3" name="Content Placeholder 2">
-            <a:extLst>
-              <a:ext uri="{FF2B5EF4-FFF2-40B4-BE49-F238E27FC236}">
-                <a16:creationId xmlns:a16="http://schemas.microsoft.com/office/drawing/2014/main" id="{E70987E6-8AF3-9842-BD63-B8E9B284AF29}"/>
-              </a:ext>
-            </a:extLst>
-          </p:cNvPr>
-          <p:cNvSpPr>
-            <a:spLocks noGrp="1"/>
-          </p:cNvSpPr>
+              <a:t>Distributed File System</a:t>
+            </a:r>
+          </a:p>
+        </p:txBody>
+      </p:sp>
+      <p:pic>
+        <p:nvPicPr>
+          <p:cNvPr id="5" name="Content Placeholder 4">
+            <a:extLst>
+              <a:ext uri="{FF2B5EF4-FFF2-40B4-BE49-F238E27FC236}">
+                <a16:creationId xmlns:a16="http://schemas.microsoft.com/office/drawing/2014/main" id="{5BC47170-44BD-C142-BDD0-4316D16F1EFE}"/>
+              </a:ext>
+            </a:extLst>
+          </p:cNvPr>
+          <p:cNvPicPr>
+            <a:picLocks noGrp="1" noChangeAspect="1"/>
+          </p:cNvPicPr>
           <p:nvPr>
             <p:ph idx="1"/>
           </p:nvPr>
-        </p:nvSpPr>
-        <p:spPr/>
-        <p:txBody>
-          <a:bodyPr/>
-          <a:lstStyle/>
-          <a:p>
-            <a:pPr marL="0" indent="0">
-              <a:buNone/>
-            </a:pPr>
-            <a:r>
-              <a:rPr lang="en-US" dirty="0"/>
-              <a:t>Developed at Google</a:t>
-            </a:r>
-          </a:p>
-          <a:p>
-            <a:endParaRPr lang="en-US" dirty="0"/>
-          </a:p>
-          <a:p>
-            <a:r>
-              <a:rPr lang="en-US" dirty="0"/>
-              <a:t>Storage – Apache Hadoop – open source</a:t>
-            </a:r>
-          </a:p>
-          <a:p>
-            <a:r>
-              <a:rPr lang="en-US" dirty="0"/>
-              <a:t>Programming Abstraction – Map and Reduce</a:t>
-            </a:r>
-          </a:p>
-          <a:p>
-            <a:pPr lvl="1"/>
-            <a:r>
-              <a:rPr lang="en-US" dirty="0"/>
-              <a:t>  Take functions to the data</a:t>
-            </a:r>
-          </a:p>
-          <a:p>
-            <a:pPr lvl="1"/>
-            <a:r>
-              <a:rPr lang="en-US" dirty="0"/>
-              <a:t>  Limited computations - aggregations</a:t>
-            </a:r>
-          </a:p>
-          <a:p>
-            <a:pPr lvl="1"/>
-            <a:r>
-              <a:rPr lang="en-US" dirty="0"/>
-              <a:t>  Supports scalable, fault tolerant system</a:t>
-            </a:r>
-          </a:p>
-          <a:p>
-            <a:r>
-              <a:rPr lang="en-US" dirty="0"/>
-              <a:t>Fundamental Pattern - Aggregations</a:t>
-            </a:r>
-          </a:p>
-          <a:p>
-            <a:endParaRPr lang="en-US" dirty="0"/>
-          </a:p>
-          <a:p>
-            <a:endParaRPr lang="en-US" dirty="0"/>
-          </a:p>
-        </p:txBody>
-      </p:sp>
+        </p:nvPicPr>
+        <p:blipFill>
+          <a:blip r:embed="rId2"/>
+          <a:stretch>
+            <a:fillRect/>
+          </a:stretch>
+        </p:blipFill>
+        <p:spPr>
+          <a:xfrm>
+            <a:off x="1948070" y="1690688"/>
+            <a:ext cx="6546574" cy="4489079"/>
+          </a:xfrm>
+        </p:spPr>
+      </p:pic>
     </p:spTree>
     <p:extLst>
       <p:ext uri="{BB962C8B-B14F-4D97-AF65-F5344CB8AC3E}">
-        <p14:creationId xmlns:p14="http://schemas.microsoft.com/office/powerpoint/2010/main" val="2726811056"/>
+        <p14:creationId xmlns:p14="http://schemas.microsoft.com/office/powerpoint/2010/main" val="1698407971"/>
       </p:ext>
     </p:extLst>
   </p:cSld>
@@ -3887,6 +3927,143 @@
           <p:cNvPr id="2" name="Title 1">
             <a:extLst>
               <a:ext uri="{FF2B5EF4-FFF2-40B4-BE49-F238E27FC236}">
+                <a16:creationId xmlns:a16="http://schemas.microsoft.com/office/drawing/2014/main" id="{5C54162D-4C26-ED45-862C-C7D467648DF1}"/>
+              </a:ext>
+            </a:extLst>
+          </p:cNvPr>
+          <p:cNvSpPr>
+            <a:spLocks noGrp="1"/>
+          </p:cNvSpPr>
+          <p:nvPr>
+            <p:ph type="title"/>
+          </p:nvPr>
+        </p:nvSpPr>
+        <p:spPr/>
+        <p:txBody>
+          <a:bodyPr/>
+          <a:lstStyle/>
+          <a:p>
+            <a:r>
+              <a:rPr lang="en-US" dirty="0"/>
+              <a:t>Computation</a:t>
+            </a:r>
+          </a:p>
+        </p:txBody>
+      </p:sp>
+      <p:sp>
+        <p:nvSpPr>
+          <p:cNvPr id="3" name="Content Placeholder 2">
+            <a:extLst>
+              <a:ext uri="{FF2B5EF4-FFF2-40B4-BE49-F238E27FC236}">
+                <a16:creationId xmlns:a16="http://schemas.microsoft.com/office/drawing/2014/main" id="{E70987E6-8AF3-9842-BD63-B8E9B284AF29}"/>
+              </a:ext>
+            </a:extLst>
+          </p:cNvPr>
+          <p:cNvSpPr>
+            <a:spLocks noGrp="1"/>
+          </p:cNvSpPr>
+          <p:nvPr>
+            <p:ph idx="1"/>
+          </p:nvPr>
+        </p:nvSpPr>
+        <p:spPr/>
+        <p:txBody>
+          <a:bodyPr/>
+          <a:lstStyle/>
+          <a:p>
+            <a:pPr marL="0" indent="0">
+              <a:buNone/>
+            </a:pPr>
+            <a:r>
+              <a:rPr lang="en-US" dirty="0"/>
+              <a:t>Developed at Google</a:t>
+            </a:r>
+          </a:p>
+          <a:p>
+            <a:endParaRPr lang="en-US" dirty="0"/>
+          </a:p>
+          <a:p>
+            <a:r>
+              <a:rPr lang="en-US" dirty="0"/>
+              <a:t>Storage – Apache Hadoop – open source</a:t>
+            </a:r>
+          </a:p>
+          <a:p>
+            <a:r>
+              <a:rPr lang="en-US" dirty="0"/>
+              <a:t>Programming Abstraction – Map and Reduce</a:t>
+            </a:r>
+          </a:p>
+          <a:p>
+            <a:pPr lvl="1"/>
+            <a:r>
+              <a:rPr lang="en-US" dirty="0"/>
+              <a:t>  Take functions to the data</a:t>
+            </a:r>
+          </a:p>
+          <a:p>
+            <a:pPr lvl="1"/>
+            <a:r>
+              <a:rPr lang="en-US" dirty="0"/>
+              <a:t>  Limited computations - aggregations</a:t>
+            </a:r>
+          </a:p>
+          <a:p>
+            <a:pPr lvl="1"/>
+            <a:r>
+              <a:rPr lang="en-US" dirty="0"/>
+              <a:t>  Supports scalable, fault tolerant system</a:t>
+            </a:r>
+          </a:p>
+          <a:p>
+            <a:r>
+              <a:rPr lang="en-US" dirty="0"/>
+              <a:t>Fundamental Pattern - Aggregations</a:t>
+            </a:r>
+          </a:p>
+          <a:p>
+            <a:endParaRPr lang="en-US" dirty="0"/>
+          </a:p>
+          <a:p>
+            <a:endParaRPr lang="en-US" dirty="0"/>
+          </a:p>
+        </p:txBody>
+      </p:sp>
+    </p:spTree>
+    <p:extLst>
+      <p:ext uri="{BB962C8B-B14F-4D97-AF65-F5344CB8AC3E}">
+        <p14:creationId xmlns:p14="http://schemas.microsoft.com/office/powerpoint/2010/main" val="2726811056"/>
+      </p:ext>
+    </p:extLst>
+  </p:cSld>
+  <p:clrMapOvr>
+    <a:masterClrMapping/>
+  </p:clrMapOvr>
+</p:sld>
+</file>
+
+<file path=ppt/slides/slide6.xml><?xml version="1.0" encoding="utf-8"?>
+<p:sld xmlns:a="http://schemas.openxmlformats.org/drawingml/2006/main" xmlns:r="http://schemas.openxmlformats.org/officeDocument/2006/relationships" xmlns:p="http://schemas.openxmlformats.org/presentationml/2006/main">
+  <p:cSld>
+    <p:spTree>
+      <p:nvGrpSpPr>
+        <p:cNvPr id="1" name=""/>
+        <p:cNvGrpSpPr/>
+        <p:nvPr/>
+      </p:nvGrpSpPr>
+      <p:grpSpPr>
+        <a:xfrm>
+          <a:off x="0" y="0"/>
+          <a:ext cx="0" cy="0"/>
+          <a:chOff x="0" y="0"/>
+          <a:chExt cx="0" cy="0"/>
+        </a:xfrm>
+      </p:grpSpPr>
+      <p:sp>
+        <p:nvSpPr>
+          <p:cNvPr id="2" name="Title 1">
+            <a:extLst>
+              <a:ext uri="{FF2B5EF4-FFF2-40B4-BE49-F238E27FC236}">
                 <a16:creationId xmlns:a16="http://schemas.microsoft.com/office/drawing/2014/main" id="{59E664D5-BE50-A649-A915-BDA3632A64AF}"/>
               </a:ext>
             </a:extLst>
@@ -4014,7 +4191,7 @@
         </p:blipFill>
         <p:spPr>
           <a:xfrm>
-            <a:off x="0" y="0"/>
+            <a:off x="92766" y="365125"/>
             <a:ext cx="12192000" cy="6858000"/>
           </a:xfrm>
           <a:prstGeom prst="rect">
@@ -4035,7 +4212,7 @@
 </p:sld>
 </file>
 
-<file path=ppt/slides/slide6.xml><?xml version="1.0" encoding="utf-8"?>
+<file path=ppt/slides/slide7.xml><?xml version="1.0" encoding="utf-8"?>
 <p:sld xmlns:a="http://schemas.openxmlformats.org/drawingml/2006/main" xmlns:r="http://schemas.openxmlformats.org/officeDocument/2006/relationships" xmlns:p="http://schemas.openxmlformats.org/presentationml/2006/main">
   <p:cSld>
     <p:spTree>
@@ -4135,93 +4312,6 @@
 </p:sld>
 </file>
 
-<file path=ppt/slides/slide7.xml><?xml version="1.0" encoding="utf-8"?>
-<p:sld xmlns:a="http://schemas.openxmlformats.org/drawingml/2006/main" xmlns:r="http://schemas.openxmlformats.org/officeDocument/2006/relationships" xmlns:p="http://schemas.openxmlformats.org/presentationml/2006/main">
-  <p:cSld>
-    <p:spTree>
-      <p:nvGrpSpPr>
-        <p:cNvPr id="1" name=""/>
-        <p:cNvGrpSpPr/>
-        <p:nvPr/>
-      </p:nvGrpSpPr>
-      <p:grpSpPr>
-        <a:xfrm>
-          <a:off x="0" y="0"/>
-          <a:ext cx="0" cy="0"/>
-          <a:chOff x="0" y="0"/>
-          <a:chExt cx="0" cy="0"/>
-        </a:xfrm>
-      </p:grpSpPr>
-      <p:sp>
-        <p:nvSpPr>
-          <p:cNvPr id="2" name="Title 1">
-            <a:extLst>
-              <a:ext uri="{FF2B5EF4-FFF2-40B4-BE49-F238E27FC236}">
-                <a16:creationId xmlns:a16="http://schemas.microsoft.com/office/drawing/2014/main" id="{3CF19D2E-4181-8B4F-9250-8CCD41F093EA}"/>
-              </a:ext>
-            </a:extLst>
-          </p:cNvPr>
-          <p:cNvSpPr>
-            <a:spLocks noGrp="1"/>
-          </p:cNvSpPr>
-          <p:nvPr>
-            <p:ph type="title"/>
-          </p:nvPr>
-        </p:nvSpPr>
-        <p:spPr/>
-        <p:txBody>
-          <a:bodyPr/>
-          <a:lstStyle/>
-          <a:p>
-            <a:r>
-              <a:rPr lang="en-US" dirty="0"/>
-              <a:t>Mappers and Reducers</a:t>
-            </a:r>
-          </a:p>
-        </p:txBody>
-      </p:sp>
-      <p:pic>
-        <p:nvPicPr>
-          <p:cNvPr id="13" name="Content Placeholder 12" descr="A screenshot of a cell phone&#13;&#10;&#13;&#10;Description automatically generated">
-            <a:extLst>
-              <a:ext uri="{FF2B5EF4-FFF2-40B4-BE49-F238E27FC236}">
-                <a16:creationId xmlns:a16="http://schemas.microsoft.com/office/drawing/2014/main" id="{2B60AB98-63D8-CC4C-BDFB-8A78EDB76DEF}"/>
-              </a:ext>
-            </a:extLst>
-          </p:cNvPr>
-          <p:cNvPicPr>
-            <a:picLocks noGrp="1" noChangeAspect="1"/>
-          </p:cNvPicPr>
-          <p:nvPr>
-            <p:ph idx="1"/>
-          </p:nvPr>
-        </p:nvPicPr>
-        <p:blipFill>
-          <a:blip r:embed="rId2"/>
-          <a:stretch>
-            <a:fillRect/>
-          </a:stretch>
-        </p:blipFill>
-        <p:spPr>
-          <a:xfrm>
-            <a:off x="2107095" y="1690688"/>
-            <a:ext cx="5698435" cy="4910114"/>
-          </a:xfrm>
-        </p:spPr>
-      </p:pic>
-    </p:spTree>
-    <p:extLst>
-      <p:ext uri="{BB962C8B-B14F-4D97-AF65-F5344CB8AC3E}">
-        <p14:creationId xmlns:p14="http://schemas.microsoft.com/office/powerpoint/2010/main" val="2583813161"/>
-      </p:ext>
-    </p:extLst>
-  </p:cSld>
-  <p:clrMapOvr>
-    <a:masterClrMapping/>
-  </p:clrMapOvr>
-</p:sld>
-</file>
-
 <file path=ppt/slides/slide8.xml><?xml version="1.0" encoding="utf-8"?>
 <p:sld xmlns:a="http://schemas.openxmlformats.org/drawingml/2006/main" xmlns:r="http://schemas.openxmlformats.org/officeDocument/2006/relationships" xmlns:p="http://schemas.openxmlformats.org/presentationml/2006/main">
   <p:cSld>
@@ -4244,7 +4334,7 @@
           <p:cNvPr id="2" name="Title 1">
             <a:extLst>
               <a:ext uri="{FF2B5EF4-FFF2-40B4-BE49-F238E27FC236}">
-                <a16:creationId xmlns:a16="http://schemas.microsoft.com/office/drawing/2014/main" id="{8A5B2B03-084E-BA40-9020-213AA5730E92}"/>
+                <a16:creationId xmlns:a16="http://schemas.microsoft.com/office/drawing/2014/main" id="{6D036F2D-D83F-BD40-BBE0-0E174AF168FE}"/>
               </a:ext>
             </a:extLst>
           </p:cNvPr>
@@ -4262,7 +4352,7 @@
           <a:p>
             <a:r>
               <a:rPr lang="en-US" dirty="0"/>
-              <a:t>Fault Tolerance</a:t>
+              <a:t>Importance of Key Value Abstraction</a:t>
             </a:r>
           </a:p>
         </p:txBody>
@@ -4272,7 +4362,7 @@
           <p:cNvPr id="3" name="Content Placeholder 2">
             <a:extLst>
               <a:ext uri="{FF2B5EF4-FFF2-40B4-BE49-F238E27FC236}">
-                <a16:creationId xmlns:a16="http://schemas.microsoft.com/office/drawing/2014/main" id="{7D3F88AA-3210-904A-AAB3-862390CC3285}"/>
+                <a16:creationId xmlns:a16="http://schemas.microsoft.com/office/drawing/2014/main" id="{BA024ED5-7D04-7E4B-96DA-6BBCEF1B7BC9}"/>
               </a:ext>
             </a:extLst>
           </p:cNvPr>
@@ -4288,12 +4378,27 @@
           <a:bodyPr/>
           <a:lstStyle/>
           <a:p>
+            <a:r>
+              <a:rPr lang="en-US" dirty="0"/>
+              <a:t>Groups based on Key Values</a:t>
+            </a:r>
+          </a:p>
+          <a:p>
+            <a:r>
+              <a:rPr lang="en-US" dirty="0"/>
+              <a:t>Bucket determined by a hashing function:</a:t>
+            </a:r>
+          </a:p>
+          <a:p>
+            <a:endParaRPr lang="en-US" dirty="0"/>
+          </a:p>
+          <a:p>
             <a:pPr marL="0" indent="0">
               <a:buNone/>
             </a:pPr>
             <a:r>
               <a:rPr lang="en-US" dirty="0"/>
-              <a:t>If a machine goes down, simply start a new one</a:t>
+              <a:t>      hash = f(key)  - determines bucket for the shuffle</a:t>
             </a:r>
           </a:p>
         </p:txBody>
@@ -4301,7 +4406,7 @@
     </p:spTree>
     <p:extLst>
       <p:ext uri="{BB962C8B-B14F-4D97-AF65-F5344CB8AC3E}">
-        <p14:creationId xmlns:p14="http://schemas.microsoft.com/office/powerpoint/2010/main" val="3561170220"/>
+        <p14:creationId xmlns:p14="http://schemas.microsoft.com/office/powerpoint/2010/main" val="3745131997"/>
       </p:ext>
     </p:extLst>
   </p:cSld>
@@ -4333,7 +4438,7 @@
           <p:cNvPr id="2" name="Title 1">
             <a:extLst>
               <a:ext uri="{FF2B5EF4-FFF2-40B4-BE49-F238E27FC236}">
-                <a16:creationId xmlns:a16="http://schemas.microsoft.com/office/drawing/2014/main" id="{A6F5B283-C7E7-5547-B7F2-774A96193EFD}"/>
+                <a16:creationId xmlns:a16="http://schemas.microsoft.com/office/drawing/2014/main" id="{3CF19D2E-4181-8B4F-9250-8CCD41F093EA}"/>
               </a:ext>
             </a:extLst>
           </p:cNvPr>
@@ -4351,17 +4456,17 @@
           <a:p>
             <a:r>
               <a:rPr lang="en-US" dirty="0"/>
-              <a:t>Distributed File System</a:t>
+              <a:t>Mappers and Reducers</a:t>
             </a:r>
           </a:p>
         </p:txBody>
       </p:sp>
       <p:pic>
         <p:nvPicPr>
-          <p:cNvPr id="5" name="Content Placeholder 4">
-            <a:extLst>
-              <a:ext uri="{FF2B5EF4-FFF2-40B4-BE49-F238E27FC236}">
-                <a16:creationId xmlns:a16="http://schemas.microsoft.com/office/drawing/2014/main" id="{5BC47170-44BD-C142-BDD0-4316D16F1EFE}"/>
+          <p:cNvPr id="13" name="Content Placeholder 12" descr="A screenshot of a cell phone&#13;&#10;&#13;&#10;Description automatically generated">
+            <a:extLst>
+              <a:ext uri="{FF2B5EF4-FFF2-40B4-BE49-F238E27FC236}">
+                <a16:creationId xmlns:a16="http://schemas.microsoft.com/office/drawing/2014/main" id="{2B60AB98-63D8-CC4C-BDFB-8A78EDB76DEF}"/>
               </a:ext>
             </a:extLst>
           </p:cNvPr>
@@ -4380,15 +4485,15 @@
         </p:blipFill>
         <p:spPr>
           <a:xfrm>
-            <a:off x="1948070" y="1690688"/>
-            <a:ext cx="6546574" cy="4489079"/>
+            <a:off x="2107095" y="1690688"/>
+            <a:ext cx="5698435" cy="4910114"/>
           </a:xfrm>
         </p:spPr>
       </p:pic>
     </p:spTree>
     <p:extLst>
       <p:ext uri="{BB962C8B-B14F-4D97-AF65-F5344CB8AC3E}">
-        <p14:creationId xmlns:p14="http://schemas.microsoft.com/office/powerpoint/2010/main" val="1698407971"/>
+        <p14:creationId xmlns:p14="http://schemas.microsoft.com/office/powerpoint/2010/main" val="2583813161"/>
       </p:ext>
     </p:extLst>
   </p:cSld>

--- a/Hadoop/05-MapReduce.pptx
+++ b/Hadoop/05-MapReduce.pptx
@@ -2,19 +2,20 @@
 <file path=ppt/presentation.xml><?xml version="1.0" encoding="utf-8"?>
 <p:presentation xmlns:a="http://schemas.openxmlformats.org/drawingml/2006/main" xmlns:r="http://schemas.openxmlformats.org/officeDocument/2006/relationships" xmlns:p="http://schemas.openxmlformats.org/presentationml/2006/main" saveSubsetFonts="1" autoCompressPictures="0">
   <p:sldMasterIdLst>
-    <p:sldMasterId id="2147483648" r:id="rId1"/>
+    <p:sldMasterId id="2147483756" r:id="rId1"/>
   </p:sldMasterIdLst>
   <p:sldIdLst>
     <p:sldId id="256" r:id="rId2"/>
-    <p:sldId id="257" r:id="rId3"/>
-    <p:sldId id="260" r:id="rId4"/>
-    <p:sldId id="265" r:id="rId5"/>
-    <p:sldId id="259" r:id="rId6"/>
-    <p:sldId id="261" r:id="rId7"/>
-    <p:sldId id="262" r:id="rId8"/>
-    <p:sldId id="266" r:id="rId9"/>
-    <p:sldId id="263" r:id="rId10"/>
-    <p:sldId id="264" r:id="rId11"/>
+    <p:sldId id="267" r:id="rId3"/>
+    <p:sldId id="257" r:id="rId4"/>
+    <p:sldId id="260" r:id="rId5"/>
+    <p:sldId id="262" r:id="rId6"/>
+    <p:sldId id="265" r:id="rId7"/>
+    <p:sldId id="259" r:id="rId8"/>
+    <p:sldId id="268" r:id="rId9"/>
+    <p:sldId id="266" r:id="rId10"/>
+    <p:sldId id="263" r:id="rId11"/>
+    <p:sldId id="264" r:id="rId12"/>
   </p:sldIdLst>
   <p:sldSz cx="12192000" cy="6858000"/>
   <p:notesSz cx="6858000" cy="9144000"/>
@@ -22,7 +23,7 @@
     <a:defPPr>
       <a:defRPr lang="en-US"/>
     </a:defPPr>
-    <a:lvl1pPr marL="0" algn="l" defTabSz="914400" rtl="0" eaLnBrk="1" latinLnBrk="0" hangingPunct="1">
+    <a:lvl1pPr marL="0" algn="l" defTabSz="457200" rtl="0" eaLnBrk="1" latinLnBrk="0" hangingPunct="1">
       <a:defRPr sz="1800" kern="1200">
         <a:solidFill>
           <a:schemeClr val="tx1"/>
@@ -32,7 +33,7 @@
         <a:cs typeface="+mn-cs"/>
       </a:defRPr>
     </a:lvl1pPr>
-    <a:lvl2pPr marL="457200" algn="l" defTabSz="914400" rtl="0" eaLnBrk="1" latinLnBrk="0" hangingPunct="1">
+    <a:lvl2pPr marL="457200" algn="l" defTabSz="457200" rtl="0" eaLnBrk="1" latinLnBrk="0" hangingPunct="1">
       <a:defRPr sz="1800" kern="1200">
         <a:solidFill>
           <a:schemeClr val="tx1"/>
@@ -42,7 +43,7 @@
         <a:cs typeface="+mn-cs"/>
       </a:defRPr>
     </a:lvl2pPr>
-    <a:lvl3pPr marL="914400" algn="l" defTabSz="914400" rtl="0" eaLnBrk="1" latinLnBrk="0" hangingPunct="1">
+    <a:lvl3pPr marL="914400" algn="l" defTabSz="457200" rtl="0" eaLnBrk="1" latinLnBrk="0" hangingPunct="1">
       <a:defRPr sz="1800" kern="1200">
         <a:solidFill>
           <a:schemeClr val="tx1"/>
@@ -52,7 +53,7 @@
         <a:cs typeface="+mn-cs"/>
       </a:defRPr>
     </a:lvl3pPr>
-    <a:lvl4pPr marL="1371600" algn="l" defTabSz="914400" rtl="0" eaLnBrk="1" latinLnBrk="0" hangingPunct="1">
+    <a:lvl4pPr marL="1371600" algn="l" defTabSz="457200" rtl="0" eaLnBrk="1" latinLnBrk="0" hangingPunct="1">
       <a:defRPr sz="1800" kern="1200">
         <a:solidFill>
           <a:schemeClr val="tx1"/>
@@ -62,7 +63,7 @@
         <a:cs typeface="+mn-cs"/>
       </a:defRPr>
     </a:lvl4pPr>
-    <a:lvl5pPr marL="1828800" algn="l" defTabSz="914400" rtl="0" eaLnBrk="1" latinLnBrk="0" hangingPunct="1">
+    <a:lvl5pPr marL="1828800" algn="l" defTabSz="457200" rtl="0" eaLnBrk="1" latinLnBrk="0" hangingPunct="1">
       <a:defRPr sz="1800" kern="1200">
         <a:solidFill>
           <a:schemeClr val="tx1"/>
@@ -72,7 +73,7 @@
         <a:cs typeface="+mn-cs"/>
       </a:defRPr>
     </a:lvl5pPr>
-    <a:lvl6pPr marL="2286000" algn="l" defTabSz="914400" rtl="0" eaLnBrk="1" latinLnBrk="0" hangingPunct="1">
+    <a:lvl6pPr marL="2286000" algn="l" defTabSz="457200" rtl="0" eaLnBrk="1" latinLnBrk="0" hangingPunct="1">
       <a:defRPr sz="1800" kern="1200">
         <a:solidFill>
           <a:schemeClr val="tx1"/>
@@ -82,7 +83,7 @@
         <a:cs typeface="+mn-cs"/>
       </a:defRPr>
     </a:lvl6pPr>
-    <a:lvl7pPr marL="2743200" algn="l" defTabSz="914400" rtl="0" eaLnBrk="1" latinLnBrk="0" hangingPunct="1">
+    <a:lvl7pPr marL="2743200" algn="l" defTabSz="457200" rtl="0" eaLnBrk="1" latinLnBrk="0" hangingPunct="1">
       <a:defRPr sz="1800" kern="1200">
         <a:solidFill>
           <a:schemeClr val="tx1"/>
@@ -92,7 +93,7 @@
         <a:cs typeface="+mn-cs"/>
       </a:defRPr>
     </a:lvl7pPr>
-    <a:lvl8pPr marL="3200400" algn="l" defTabSz="914400" rtl="0" eaLnBrk="1" latinLnBrk="0" hangingPunct="1">
+    <a:lvl8pPr marL="3200400" algn="l" defTabSz="457200" rtl="0" eaLnBrk="1" latinLnBrk="0" hangingPunct="1">
       <a:defRPr sz="1800" kern="1200">
         <a:solidFill>
           <a:schemeClr val="tx1"/>
@@ -102,7 +103,7 @@
         <a:cs typeface="+mn-cs"/>
       </a:defRPr>
     </a:lvl8pPr>
-    <a:lvl9pPr marL="3657600" algn="l" defTabSz="914400" rtl="0" eaLnBrk="1" latinLnBrk="0" hangingPunct="1">
+    <a:lvl9pPr marL="3657600" algn="l" defTabSz="457200" rtl="0" eaLnBrk="1" latinLnBrk="0" hangingPunct="1">
       <a:defRPr sz="1800" kern="1200">
         <a:solidFill>
           <a:schemeClr val="tx1"/>
@@ -113,7 +114,2777 @@
       </a:defRPr>
     </a:lvl9pPr>
   </p:defaultTextStyle>
+  <p:extLst>
+    <p:ext uri="{EFAFB233-063F-42B5-8137-9DF3F51BA10A}">
+      <p15:sldGuideLst xmlns:p15="http://schemas.microsoft.com/office/powerpoint/2012/main"/>
+    </p:ext>
+  </p:extLst>
 </p:presentation>
+</file>
+
+<file path=ppt/diagrams/colors1.xml><?xml version="1.0" encoding="utf-8"?>
+<dgm:colorsDef xmlns:dgm="http://schemas.openxmlformats.org/drawingml/2006/diagram" xmlns:a="http://schemas.openxmlformats.org/drawingml/2006/main" uniqueId="urn:microsoft.com/office/officeart/2005/8/colors/colorful5">
+  <dgm:title val=""/>
+  <dgm:desc val=""/>
+  <dgm:catLst>
+    <dgm:cat type="colorful" pri="10500"/>
+  </dgm:catLst>
+  <dgm:styleLbl name="node0">
+    <dgm:fillClrLst meth="repeat">
+      <a:schemeClr val="accent4"/>
+    </dgm:fillClrLst>
+    <dgm:linClrLst meth="repeat">
+      <a:schemeClr val="lt1"/>
+    </dgm:linClrLst>
+    <dgm:effectClrLst/>
+    <dgm:txLinClrLst/>
+    <dgm:txFillClrLst/>
+    <dgm:txEffectClrLst/>
+  </dgm:styleLbl>
+  <dgm:styleLbl name="node1">
+    <dgm:fillClrLst>
+      <a:schemeClr val="accent5"/>
+      <a:schemeClr val="accent6"/>
+    </dgm:fillClrLst>
+    <dgm:linClrLst meth="repeat">
+      <a:schemeClr val="lt1"/>
+    </dgm:linClrLst>
+    <dgm:effectClrLst/>
+    <dgm:txLinClrLst/>
+    <dgm:txFillClrLst/>
+    <dgm:txEffectClrLst/>
+  </dgm:styleLbl>
+  <dgm:styleLbl name="alignNode1">
+    <dgm:fillClrLst>
+      <a:schemeClr val="accent5"/>
+      <a:schemeClr val="accent6"/>
+    </dgm:fillClrLst>
+    <dgm:linClrLst>
+      <a:schemeClr val="accent5"/>
+      <a:schemeClr val="accent6"/>
+    </dgm:linClrLst>
+    <dgm:effectClrLst/>
+    <dgm:txLinClrLst/>
+    <dgm:txFillClrLst/>
+    <dgm:txEffectClrLst/>
+  </dgm:styleLbl>
+  <dgm:styleLbl name="lnNode1">
+    <dgm:fillClrLst>
+      <a:schemeClr val="accent5"/>
+      <a:schemeClr val="accent6"/>
+    </dgm:fillClrLst>
+    <dgm:linClrLst meth="repeat">
+      <a:schemeClr val="lt1"/>
+    </dgm:linClrLst>
+    <dgm:effectClrLst/>
+    <dgm:txLinClrLst/>
+    <dgm:txFillClrLst/>
+    <dgm:txEffectClrLst/>
+  </dgm:styleLbl>
+  <dgm:styleLbl name="vennNode1">
+    <dgm:fillClrLst>
+      <a:schemeClr val="accent5">
+        <a:alpha val="50000"/>
+      </a:schemeClr>
+      <a:schemeClr val="accent6">
+        <a:alpha val="50000"/>
+      </a:schemeClr>
+    </dgm:fillClrLst>
+    <dgm:linClrLst meth="repeat">
+      <a:schemeClr val="lt1"/>
+    </dgm:linClrLst>
+    <dgm:effectClrLst/>
+    <dgm:txLinClrLst/>
+    <dgm:txFillClrLst/>
+    <dgm:txEffectClrLst/>
+  </dgm:styleLbl>
+  <dgm:styleLbl name="node2">
+    <dgm:fillClrLst>
+      <a:schemeClr val="accent6"/>
+    </dgm:fillClrLst>
+    <dgm:linClrLst meth="repeat">
+      <a:schemeClr val="lt1"/>
+    </dgm:linClrLst>
+    <dgm:effectClrLst/>
+    <dgm:txLinClrLst/>
+    <dgm:txFillClrLst/>
+    <dgm:txEffectClrLst/>
+  </dgm:styleLbl>
+  <dgm:styleLbl name="node3">
+    <dgm:fillClrLst>
+      <a:schemeClr val="accent1"/>
+    </dgm:fillClrLst>
+    <dgm:linClrLst meth="repeat">
+      <a:schemeClr val="lt1"/>
+    </dgm:linClrLst>
+    <dgm:effectClrLst/>
+    <dgm:txLinClrLst/>
+    <dgm:txFillClrLst/>
+    <dgm:txEffectClrLst/>
+  </dgm:styleLbl>
+  <dgm:styleLbl name="node4">
+    <dgm:fillClrLst>
+      <a:schemeClr val="accent2"/>
+    </dgm:fillClrLst>
+    <dgm:linClrLst meth="repeat">
+      <a:schemeClr val="lt1"/>
+    </dgm:linClrLst>
+    <dgm:effectClrLst/>
+    <dgm:txLinClrLst/>
+    <dgm:txFillClrLst/>
+    <dgm:txEffectClrLst/>
+  </dgm:styleLbl>
+  <dgm:styleLbl name="fgImgPlace1">
+    <dgm:fillClrLst>
+      <a:schemeClr val="accent5">
+        <a:tint val="50000"/>
+      </a:schemeClr>
+      <a:schemeClr val="accent6">
+        <a:tint val="50000"/>
+      </a:schemeClr>
+    </dgm:fillClrLst>
+    <dgm:linClrLst meth="repeat">
+      <a:schemeClr val="lt1"/>
+    </dgm:linClrLst>
+    <dgm:effectClrLst/>
+    <dgm:txLinClrLst/>
+    <dgm:txFillClrLst meth="repeat">
+      <a:schemeClr val="lt1"/>
+    </dgm:txFillClrLst>
+    <dgm:txEffectClrLst/>
+  </dgm:styleLbl>
+  <dgm:styleLbl name="alignImgPlace1">
+    <dgm:fillClrLst>
+      <a:schemeClr val="accent5">
+        <a:tint val="50000"/>
+      </a:schemeClr>
+      <a:schemeClr val="accent6">
+        <a:tint val="20000"/>
+      </a:schemeClr>
+    </dgm:fillClrLst>
+    <dgm:linClrLst meth="repeat">
+      <a:schemeClr val="lt1"/>
+    </dgm:linClrLst>
+    <dgm:effectClrLst/>
+    <dgm:txLinClrLst/>
+    <dgm:txFillClrLst meth="repeat">
+      <a:schemeClr val="lt1"/>
+    </dgm:txFillClrLst>
+    <dgm:txEffectClrLst/>
+  </dgm:styleLbl>
+  <dgm:styleLbl name="bgImgPlace1">
+    <dgm:fillClrLst>
+      <a:schemeClr val="accent5">
+        <a:tint val="50000"/>
+      </a:schemeClr>
+      <a:schemeClr val="accent6">
+        <a:tint val="20000"/>
+      </a:schemeClr>
+    </dgm:fillClrLst>
+    <dgm:linClrLst meth="repeat">
+      <a:schemeClr val="lt1"/>
+    </dgm:linClrLst>
+    <dgm:effectClrLst/>
+    <dgm:txLinClrLst/>
+    <dgm:txFillClrLst meth="repeat">
+      <a:schemeClr val="lt1"/>
+    </dgm:txFillClrLst>
+    <dgm:txEffectClrLst/>
+  </dgm:styleLbl>
+  <dgm:styleLbl name="sibTrans2D1">
+    <dgm:fillClrLst>
+      <a:schemeClr val="accent5"/>
+      <a:schemeClr val="accent6"/>
+    </dgm:fillClrLst>
+    <dgm:linClrLst meth="repeat">
+      <a:schemeClr val="lt1"/>
+    </dgm:linClrLst>
+    <dgm:effectClrLst/>
+    <dgm:txLinClrLst/>
+    <dgm:txFillClrLst/>
+    <dgm:txEffectClrLst/>
+  </dgm:styleLbl>
+  <dgm:styleLbl name="fgSibTrans2D1">
+    <dgm:fillClrLst>
+      <a:schemeClr val="accent5"/>
+      <a:schemeClr val="accent6"/>
+    </dgm:fillClrLst>
+    <dgm:linClrLst meth="repeat">
+      <a:schemeClr val="lt1"/>
+    </dgm:linClrLst>
+    <dgm:effectClrLst/>
+    <dgm:txLinClrLst/>
+    <dgm:txFillClrLst meth="repeat">
+      <a:schemeClr val="lt1"/>
+    </dgm:txFillClrLst>
+    <dgm:txEffectClrLst/>
+  </dgm:styleLbl>
+  <dgm:styleLbl name="bgSibTrans2D1">
+    <dgm:fillClrLst>
+      <a:schemeClr val="accent5"/>
+      <a:schemeClr val="accent6"/>
+    </dgm:fillClrLst>
+    <dgm:linClrLst meth="repeat">
+      <a:schemeClr val="lt1"/>
+    </dgm:linClrLst>
+    <dgm:effectClrLst/>
+    <dgm:txLinClrLst/>
+    <dgm:txFillClrLst meth="repeat">
+      <a:schemeClr val="lt1"/>
+    </dgm:txFillClrLst>
+    <dgm:txEffectClrLst/>
+  </dgm:styleLbl>
+  <dgm:styleLbl name="sibTrans1D1">
+    <dgm:fillClrLst/>
+    <dgm:linClrLst>
+      <a:schemeClr val="accent5"/>
+      <a:schemeClr val="accent6"/>
+    </dgm:linClrLst>
+    <dgm:effectClrLst/>
+    <dgm:txLinClrLst/>
+    <dgm:txFillClrLst meth="repeat">
+      <a:schemeClr val="tx1"/>
+    </dgm:txFillClrLst>
+    <dgm:txEffectClrLst/>
+  </dgm:styleLbl>
+  <dgm:styleLbl name="callout">
+    <dgm:fillClrLst meth="repeat">
+      <a:schemeClr val="accent5"/>
+    </dgm:fillClrLst>
+    <dgm:linClrLst meth="repeat">
+      <a:schemeClr val="accent5">
+        <a:tint val="50000"/>
+      </a:schemeClr>
+    </dgm:linClrLst>
+    <dgm:effectClrLst/>
+    <dgm:txLinClrLst/>
+    <dgm:txFillClrLst meth="repeat">
+      <a:schemeClr val="tx1"/>
+    </dgm:txFillClrLst>
+    <dgm:txEffectClrLst/>
+  </dgm:styleLbl>
+  <dgm:styleLbl name="asst0">
+    <dgm:fillClrLst meth="repeat">
+      <a:schemeClr val="accent5"/>
+    </dgm:fillClrLst>
+    <dgm:linClrLst meth="repeat">
+      <a:schemeClr val="lt1">
+        <a:shade val="80000"/>
+      </a:schemeClr>
+    </dgm:linClrLst>
+    <dgm:effectClrLst/>
+    <dgm:txLinClrLst/>
+    <dgm:txFillClrLst/>
+    <dgm:txEffectClrLst/>
+  </dgm:styleLbl>
+  <dgm:styleLbl name="asst1">
+    <dgm:fillClrLst meth="repeat">
+      <a:schemeClr val="accent6"/>
+    </dgm:fillClrLst>
+    <dgm:linClrLst meth="repeat">
+      <a:schemeClr val="lt1">
+        <a:shade val="80000"/>
+      </a:schemeClr>
+    </dgm:linClrLst>
+    <dgm:effectClrLst/>
+    <dgm:txLinClrLst/>
+    <dgm:txFillClrLst/>
+    <dgm:txEffectClrLst/>
+  </dgm:styleLbl>
+  <dgm:styleLbl name="asst2">
+    <dgm:fillClrLst>
+      <a:schemeClr val="accent1"/>
+    </dgm:fillClrLst>
+    <dgm:linClrLst meth="repeat">
+      <a:schemeClr val="lt1"/>
+    </dgm:linClrLst>
+    <dgm:effectClrLst/>
+    <dgm:txLinClrLst/>
+    <dgm:txFillClrLst/>
+    <dgm:txEffectClrLst/>
+  </dgm:styleLbl>
+  <dgm:styleLbl name="asst3">
+    <dgm:fillClrLst>
+      <a:schemeClr val="accent2"/>
+    </dgm:fillClrLst>
+    <dgm:linClrLst meth="repeat">
+      <a:schemeClr val="lt1"/>
+    </dgm:linClrLst>
+    <dgm:effectClrLst/>
+    <dgm:txLinClrLst/>
+    <dgm:txFillClrLst/>
+    <dgm:txEffectClrLst/>
+  </dgm:styleLbl>
+  <dgm:styleLbl name="asst4">
+    <dgm:fillClrLst>
+      <a:schemeClr val="accent3"/>
+    </dgm:fillClrLst>
+    <dgm:linClrLst meth="repeat">
+      <a:schemeClr val="lt1"/>
+    </dgm:linClrLst>
+    <dgm:effectClrLst/>
+    <dgm:txLinClrLst/>
+    <dgm:txFillClrLst/>
+    <dgm:txEffectClrLst/>
+  </dgm:styleLbl>
+  <dgm:styleLbl name="parChTrans2D1">
+    <dgm:fillClrLst meth="repeat">
+      <a:schemeClr val="accent5"/>
+    </dgm:fillClrLst>
+    <dgm:linClrLst meth="repeat">
+      <a:schemeClr val="lt1"/>
+    </dgm:linClrLst>
+    <dgm:effectClrLst/>
+    <dgm:txLinClrLst/>
+    <dgm:txFillClrLst meth="repeat">
+      <a:schemeClr val="lt1"/>
+    </dgm:txFillClrLst>
+    <dgm:txEffectClrLst/>
+  </dgm:styleLbl>
+  <dgm:styleLbl name="parChTrans2D2">
+    <dgm:fillClrLst meth="repeat">
+      <a:schemeClr val="accent6"/>
+    </dgm:fillClrLst>
+    <dgm:linClrLst meth="repeat">
+      <a:schemeClr val="lt1"/>
+    </dgm:linClrLst>
+    <dgm:effectClrLst/>
+    <dgm:txLinClrLst/>
+    <dgm:txFillClrLst/>
+    <dgm:txEffectClrLst/>
+  </dgm:styleLbl>
+  <dgm:styleLbl name="parChTrans2D3">
+    <dgm:fillClrLst meth="repeat">
+      <a:schemeClr val="accent6"/>
+    </dgm:fillClrLst>
+    <dgm:linClrLst meth="repeat">
+      <a:schemeClr val="lt1"/>
+    </dgm:linClrLst>
+    <dgm:effectClrLst/>
+    <dgm:txLinClrLst/>
+    <dgm:txFillClrLst/>
+    <dgm:txEffectClrLst/>
+  </dgm:styleLbl>
+  <dgm:styleLbl name="parChTrans2D4">
+    <dgm:fillClrLst meth="repeat">
+      <a:schemeClr val="accent1"/>
+    </dgm:fillClrLst>
+    <dgm:linClrLst meth="repeat">
+      <a:schemeClr val="lt1"/>
+    </dgm:linClrLst>
+    <dgm:effectClrLst/>
+    <dgm:txLinClrLst/>
+    <dgm:txFillClrLst meth="repeat">
+      <a:schemeClr val="lt1"/>
+    </dgm:txFillClrLst>
+    <dgm:txEffectClrLst/>
+  </dgm:styleLbl>
+  <dgm:styleLbl name="parChTrans1D1">
+    <dgm:fillClrLst meth="repeat">
+      <a:schemeClr val="accent5"/>
+    </dgm:fillClrLst>
+    <dgm:linClrLst meth="repeat">
+      <a:schemeClr val="accent5"/>
+    </dgm:linClrLst>
+    <dgm:effectClrLst/>
+    <dgm:txLinClrLst/>
+    <dgm:txFillClrLst meth="repeat">
+      <a:schemeClr val="tx1"/>
+    </dgm:txFillClrLst>
+    <dgm:txEffectClrLst/>
+  </dgm:styleLbl>
+  <dgm:styleLbl name="parChTrans1D2">
+    <dgm:fillClrLst meth="repeat">
+      <a:schemeClr val="accent6">
+        <a:tint val="90000"/>
+      </a:schemeClr>
+    </dgm:fillClrLst>
+    <dgm:linClrLst meth="repeat">
+      <a:schemeClr val="accent6"/>
+    </dgm:linClrLst>
+    <dgm:effectClrLst/>
+    <dgm:txLinClrLst/>
+    <dgm:txFillClrLst meth="repeat">
+      <a:schemeClr val="tx1"/>
+    </dgm:txFillClrLst>
+    <dgm:txEffectClrLst/>
+  </dgm:styleLbl>
+  <dgm:styleLbl name="parChTrans1D3">
+    <dgm:fillClrLst meth="repeat">
+      <a:schemeClr val="accent6">
+        <a:tint val="70000"/>
+      </a:schemeClr>
+    </dgm:fillClrLst>
+    <dgm:linClrLst meth="repeat">
+      <a:schemeClr val="accent1"/>
+    </dgm:linClrLst>
+    <dgm:effectClrLst/>
+    <dgm:txLinClrLst/>
+    <dgm:txFillClrLst meth="repeat">
+      <a:schemeClr val="tx1"/>
+    </dgm:txFillClrLst>
+    <dgm:txEffectClrLst/>
+  </dgm:styleLbl>
+  <dgm:styleLbl name="parChTrans1D4">
+    <dgm:fillClrLst meth="repeat">
+      <a:schemeClr val="accent6">
+        <a:tint val="50000"/>
+      </a:schemeClr>
+    </dgm:fillClrLst>
+    <dgm:linClrLst meth="repeat">
+      <a:schemeClr val="accent2"/>
+    </dgm:linClrLst>
+    <dgm:effectClrLst/>
+    <dgm:txLinClrLst/>
+    <dgm:txFillClrLst meth="repeat">
+      <a:schemeClr val="tx1"/>
+    </dgm:txFillClrLst>
+    <dgm:txEffectClrLst/>
+  </dgm:styleLbl>
+  <dgm:styleLbl name="fgAcc1">
+    <dgm:fillClrLst meth="repeat">
+      <a:schemeClr val="lt1">
+        <a:alpha val="90000"/>
+      </a:schemeClr>
+    </dgm:fillClrLst>
+    <dgm:linClrLst>
+      <a:schemeClr val="accent5"/>
+      <a:schemeClr val="accent6"/>
+    </dgm:linClrLst>
+    <dgm:effectClrLst/>
+    <dgm:txLinClrLst/>
+    <dgm:txFillClrLst meth="repeat">
+      <a:schemeClr val="dk1"/>
+    </dgm:txFillClrLst>
+    <dgm:txEffectClrLst/>
+  </dgm:styleLbl>
+  <dgm:styleLbl name="conFgAcc1">
+    <dgm:fillClrLst meth="repeat">
+      <a:schemeClr val="lt1">
+        <a:alpha val="90000"/>
+      </a:schemeClr>
+    </dgm:fillClrLst>
+    <dgm:linClrLst>
+      <a:schemeClr val="accent5"/>
+      <a:schemeClr val="accent6"/>
+    </dgm:linClrLst>
+    <dgm:effectClrLst/>
+    <dgm:txLinClrLst/>
+    <dgm:txFillClrLst meth="repeat">
+      <a:schemeClr val="dk1"/>
+    </dgm:txFillClrLst>
+    <dgm:txEffectClrLst/>
+  </dgm:styleLbl>
+  <dgm:styleLbl name="alignAcc1">
+    <dgm:fillClrLst meth="repeat">
+      <a:schemeClr val="lt1">
+        <a:alpha val="90000"/>
+      </a:schemeClr>
+    </dgm:fillClrLst>
+    <dgm:linClrLst>
+      <a:schemeClr val="accent5"/>
+      <a:schemeClr val="accent6"/>
+    </dgm:linClrLst>
+    <dgm:effectClrLst/>
+    <dgm:txLinClrLst/>
+    <dgm:txFillClrLst meth="repeat">
+      <a:schemeClr val="dk1"/>
+    </dgm:txFillClrLst>
+    <dgm:txEffectClrLst/>
+  </dgm:styleLbl>
+  <dgm:styleLbl name="trAlignAcc1">
+    <dgm:fillClrLst meth="repeat">
+      <a:schemeClr val="lt1">
+        <a:alpha val="40000"/>
+      </a:schemeClr>
+    </dgm:fillClrLst>
+    <dgm:linClrLst meth="repeat">
+      <a:schemeClr val="accent5"/>
+    </dgm:linClrLst>
+    <dgm:effectClrLst/>
+    <dgm:txLinClrLst/>
+    <dgm:txFillClrLst meth="repeat">
+      <a:schemeClr val="dk1"/>
+    </dgm:txFillClrLst>
+    <dgm:txEffectClrLst/>
+  </dgm:styleLbl>
+  <dgm:styleLbl name="bgAcc1">
+    <dgm:fillClrLst meth="repeat">
+      <a:schemeClr val="lt1">
+        <a:alpha val="90000"/>
+      </a:schemeClr>
+    </dgm:fillClrLst>
+    <dgm:linClrLst>
+      <a:schemeClr val="accent5"/>
+      <a:schemeClr val="accent6"/>
+    </dgm:linClrLst>
+    <dgm:effectClrLst/>
+    <dgm:txLinClrLst/>
+    <dgm:txFillClrLst meth="repeat">
+      <a:schemeClr val="dk1"/>
+    </dgm:txFillClrLst>
+    <dgm:txEffectClrLst/>
+  </dgm:styleLbl>
+  <dgm:styleLbl name="solidFgAcc1">
+    <dgm:fillClrLst meth="repeat">
+      <a:schemeClr val="lt1"/>
+    </dgm:fillClrLst>
+    <dgm:linClrLst>
+      <a:schemeClr val="accent5"/>
+      <a:schemeClr val="accent6"/>
+    </dgm:linClrLst>
+    <dgm:effectClrLst/>
+    <dgm:txLinClrLst/>
+    <dgm:txFillClrLst meth="repeat">
+      <a:schemeClr val="dk1"/>
+    </dgm:txFillClrLst>
+    <dgm:txEffectClrLst/>
+  </dgm:styleLbl>
+  <dgm:styleLbl name="solidAlignAcc1">
+    <dgm:fillClrLst meth="repeat">
+      <a:schemeClr val="lt1"/>
+    </dgm:fillClrLst>
+    <dgm:linClrLst>
+      <a:schemeClr val="accent5"/>
+      <a:schemeClr val="accent6"/>
+    </dgm:linClrLst>
+    <dgm:effectClrLst/>
+    <dgm:txLinClrLst/>
+    <dgm:txFillClrLst meth="repeat">
+      <a:schemeClr val="dk1"/>
+    </dgm:txFillClrLst>
+    <dgm:txEffectClrLst/>
+  </dgm:styleLbl>
+  <dgm:styleLbl name="solidBgAcc1">
+    <dgm:fillClrLst meth="repeat">
+      <a:schemeClr val="lt1"/>
+    </dgm:fillClrLst>
+    <dgm:linClrLst>
+      <a:schemeClr val="accent5"/>
+      <a:schemeClr val="accent6"/>
+    </dgm:linClrLst>
+    <dgm:effectClrLst/>
+    <dgm:txLinClrLst/>
+    <dgm:txFillClrLst meth="repeat">
+      <a:schemeClr val="dk1"/>
+    </dgm:txFillClrLst>
+    <dgm:txEffectClrLst/>
+  </dgm:styleLbl>
+  <dgm:styleLbl name="fgAccFollowNode1">
+    <dgm:fillClrLst>
+      <a:schemeClr val="accent5">
+        <a:tint val="40000"/>
+        <a:alpha val="90000"/>
+      </a:schemeClr>
+      <a:schemeClr val="accent6">
+        <a:tint val="40000"/>
+        <a:alpha val="90000"/>
+      </a:schemeClr>
+    </dgm:fillClrLst>
+    <dgm:linClrLst>
+      <a:schemeClr val="accent5">
+        <a:tint val="40000"/>
+        <a:alpha val="90000"/>
+      </a:schemeClr>
+      <a:schemeClr val="accent5">
+        <a:tint val="40000"/>
+        <a:alpha val="90000"/>
+      </a:schemeClr>
+    </dgm:linClrLst>
+    <dgm:effectClrLst/>
+    <dgm:txLinClrLst/>
+    <dgm:txFillClrLst meth="repeat">
+      <a:schemeClr val="dk1"/>
+    </dgm:txFillClrLst>
+    <dgm:txEffectClrLst/>
+  </dgm:styleLbl>
+  <dgm:styleLbl name="alignAccFollowNode1">
+    <dgm:fillClrLst>
+      <a:schemeClr val="accent5">
+        <a:tint val="40000"/>
+        <a:alpha val="90000"/>
+      </a:schemeClr>
+      <a:schemeClr val="accent6">
+        <a:tint val="40000"/>
+        <a:alpha val="90000"/>
+      </a:schemeClr>
+    </dgm:fillClrLst>
+    <dgm:linClrLst>
+      <a:schemeClr val="accent5">
+        <a:tint val="40000"/>
+        <a:alpha val="90000"/>
+      </a:schemeClr>
+      <a:schemeClr val="accent6">
+        <a:tint val="40000"/>
+        <a:alpha val="90000"/>
+      </a:schemeClr>
+    </dgm:linClrLst>
+    <dgm:effectClrLst/>
+    <dgm:txLinClrLst/>
+    <dgm:txFillClrLst meth="repeat">
+      <a:schemeClr val="dk1"/>
+    </dgm:txFillClrLst>
+    <dgm:txEffectClrLst/>
+  </dgm:styleLbl>
+  <dgm:styleLbl name="bgAccFollowNode1">
+    <dgm:fillClrLst>
+      <a:schemeClr val="accent5">
+        <a:tint val="40000"/>
+        <a:alpha val="90000"/>
+      </a:schemeClr>
+      <a:schemeClr val="accent6">
+        <a:tint val="40000"/>
+        <a:alpha val="90000"/>
+      </a:schemeClr>
+    </dgm:fillClrLst>
+    <dgm:linClrLst>
+      <a:schemeClr val="accent5">
+        <a:tint val="40000"/>
+        <a:alpha val="90000"/>
+      </a:schemeClr>
+      <a:schemeClr val="accent6">
+        <a:tint val="40000"/>
+        <a:alpha val="90000"/>
+      </a:schemeClr>
+    </dgm:linClrLst>
+    <dgm:effectClrLst/>
+    <dgm:txLinClrLst/>
+    <dgm:txFillClrLst meth="repeat">
+      <a:schemeClr val="dk1"/>
+    </dgm:txFillClrLst>
+    <dgm:txEffectClrLst/>
+  </dgm:styleLbl>
+  <dgm:styleLbl name="fgAcc0">
+    <dgm:fillClrLst meth="repeat">
+      <a:schemeClr val="lt1">
+        <a:alpha val="90000"/>
+      </a:schemeClr>
+    </dgm:fillClrLst>
+    <dgm:linClrLst>
+      <a:schemeClr val="accent4"/>
+    </dgm:linClrLst>
+    <dgm:effectClrLst/>
+    <dgm:txLinClrLst/>
+    <dgm:txFillClrLst meth="repeat">
+      <a:schemeClr val="dk1"/>
+    </dgm:txFillClrLst>
+    <dgm:txEffectClrLst/>
+  </dgm:styleLbl>
+  <dgm:styleLbl name="fgAcc2">
+    <dgm:fillClrLst meth="repeat">
+      <a:schemeClr val="lt1">
+        <a:alpha val="90000"/>
+      </a:schemeClr>
+    </dgm:fillClrLst>
+    <dgm:linClrLst>
+      <a:schemeClr val="accent6"/>
+    </dgm:linClrLst>
+    <dgm:effectClrLst/>
+    <dgm:txLinClrLst/>
+    <dgm:txFillClrLst meth="repeat">
+      <a:schemeClr val="dk1"/>
+    </dgm:txFillClrLst>
+    <dgm:txEffectClrLst/>
+  </dgm:styleLbl>
+  <dgm:styleLbl name="fgAcc3">
+    <dgm:fillClrLst meth="repeat">
+      <a:schemeClr val="lt1">
+        <a:alpha val="90000"/>
+      </a:schemeClr>
+    </dgm:fillClrLst>
+    <dgm:linClrLst>
+      <a:schemeClr val="accent1"/>
+    </dgm:linClrLst>
+    <dgm:effectClrLst/>
+    <dgm:txLinClrLst/>
+    <dgm:txFillClrLst meth="repeat">
+      <a:schemeClr val="dk1"/>
+    </dgm:txFillClrLst>
+    <dgm:txEffectClrLst/>
+  </dgm:styleLbl>
+  <dgm:styleLbl name="fgAcc4">
+    <dgm:fillClrLst meth="repeat">
+      <a:schemeClr val="lt1">
+        <a:alpha val="90000"/>
+      </a:schemeClr>
+    </dgm:fillClrLst>
+    <dgm:linClrLst>
+      <a:schemeClr val="accent2"/>
+    </dgm:linClrLst>
+    <dgm:effectClrLst/>
+    <dgm:txLinClrLst/>
+    <dgm:txFillClrLst meth="repeat">
+      <a:schemeClr val="dk1"/>
+    </dgm:txFillClrLst>
+    <dgm:txEffectClrLst/>
+  </dgm:styleLbl>
+  <dgm:styleLbl name="bgShp">
+    <dgm:fillClrLst meth="repeat">
+      <a:schemeClr val="accent5">
+        <a:tint val="40000"/>
+      </a:schemeClr>
+    </dgm:fillClrLst>
+    <dgm:linClrLst meth="repeat">
+      <a:schemeClr val="dk1"/>
+    </dgm:linClrLst>
+    <dgm:effectClrLst/>
+    <dgm:txLinClrLst/>
+    <dgm:txFillClrLst meth="repeat">
+      <a:schemeClr val="dk1"/>
+    </dgm:txFillClrLst>
+    <dgm:txEffectClrLst/>
+  </dgm:styleLbl>
+  <dgm:styleLbl name="dkBgShp">
+    <dgm:fillClrLst meth="repeat">
+      <a:schemeClr val="accent5">
+        <a:shade val="90000"/>
+      </a:schemeClr>
+    </dgm:fillClrLst>
+    <dgm:linClrLst meth="repeat">
+      <a:schemeClr val="dk1"/>
+    </dgm:linClrLst>
+    <dgm:effectClrLst/>
+    <dgm:txLinClrLst/>
+    <dgm:txFillClrLst meth="repeat">
+      <a:schemeClr val="lt1"/>
+    </dgm:txFillClrLst>
+    <dgm:txEffectClrLst/>
+  </dgm:styleLbl>
+  <dgm:styleLbl name="trBgShp">
+    <dgm:fillClrLst meth="repeat">
+      <a:schemeClr val="accent5">
+        <a:tint val="50000"/>
+        <a:alpha val="40000"/>
+      </a:schemeClr>
+    </dgm:fillClrLst>
+    <dgm:linClrLst meth="repeat">
+      <a:schemeClr val="accent5"/>
+    </dgm:linClrLst>
+    <dgm:effectClrLst/>
+    <dgm:txLinClrLst/>
+    <dgm:txFillClrLst meth="repeat">
+      <a:schemeClr val="lt1"/>
+    </dgm:txFillClrLst>
+    <dgm:txEffectClrLst/>
+  </dgm:styleLbl>
+  <dgm:styleLbl name="fgShp">
+    <dgm:fillClrLst meth="repeat">
+      <a:schemeClr val="accent5">
+        <a:tint val="40000"/>
+      </a:schemeClr>
+    </dgm:fillClrLst>
+    <dgm:linClrLst meth="repeat">
+      <a:schemeClr val="lt1"/>
+    </dgm:linClrLst>
+    <dgm:effectClrLst/>
+    <dgm:txLinClrLst/>
+    <dgm:txFillClrLst meth="repeat">
+      <a:schemeClr val="dk1"/>
+    </dgm:txFillClrLst>
+    <dgm:txEffectClrLst/>
+  </dgm:styleLbl>
+  <dgm:styleLbl name="revTx">
+    <dgm:fillClrLst meth="repeat">
+      <a:schemeClr val="lt1">
+        <a:alpha val="0"/>
+      </a:schemeClr>
+    </dgm:fillClrLst>
+    <dgm:linClrLst meth="repeat">
+      <a:schemeClr val="dk1">
+        <a:alpha val="0"/>
+      </a:schemeClr>
+    </dgm:linClrLst>
+    <dgm:effectClrLst/>
+    <dgm:txLinClrLst/>
+    <dgm:txFillClrLst meth="repeat">
+      <a:schemeClr val="tx1"/>
+    </dgm:txFillClrLst>
+    <dgm:txEffectClrLst/>
+  </dgm:styleLbl>
+</dgm:colorsDef>
+</file>
+
+<file path=ppt/diagrams/data1.xml><?xml version="1.0" encoding="utf-8"?>
+<dgm:dataModel xmlns:dgm="http://schemas.openxmlformats.org/drawingml/2006/diagram" xmlns:a="http://schemas.openxmlformats.org/drawingml/2006/main">
+  <dgm:ptLst>
+    <dgm:pt modelId="{D195E906-8B6F-43B3-A4F6-C2A8D2D2D292}" type="doc">
+      <dgm:prSet loTypeId="urn:microsoft.com/office/officeart/2005/8/layout/vList2" loCatId="list" qsTypeId="urn:microsoft.com/office/officeart/2005/8/quickstyle/simple1" qsCatId="simple" csTypeId="urn:microsoft.com/office/officeart/2005/8/colors/colorful5" csCatId="colorful"/>
+      <dgm:spPr/>
+      <dgm:t>
+        <a:bodyPr/>
+        <a:lstStyle/>
+        <a:p>
+          <a:endParaRPr lang="en-US"/>
+        </a:p>
+      </dgm:t>
+    </dgm:pt>
+    <dgm:pt modelId="{CA7473B4-CCD5-479E-A33F-44D9BC8BC906}">
+      <dgm:prSet/>
+      <dgm:spPr/>
+      <dgm:t>
+        <a:bodyPr/>
+        <a:lstStyle/>
+        <a:p>
+          <a:r>
+            <a:rPr lang="en-US"/>
+            <a:t>Developed at Google</a:t>
+          </a:r>
+        </a:p>
+      </dgm:t>
+    </dgm:pt>
+    <dgm:pt modelId="{855A954F-B8D5-4AA7-89D5-08C60DEA4EC5}" type="parTrans" cxnId="{A9CA75A4-9B74-4399-BBBB-08A1C85E0925}">
+      <dgm:prSet/>
+      <dgm:spPr/>
+      <dgm:t>
+        <a:bodyPr/>
+        <a:lstStyle/>
+        <a:p>
+          <a:endParaRPr lang="en-US"/>
+        </a:p>
+      </dgm:t>
+    </dgm:pt>
+    <dgm:pt modelId="{093C141B-89A8-4CA7-86AA-9121072A4F15}" type="sibTrans" cxnId="{A9CA75A4-9B74-4399-BBBB-08A1C85E0925}">
+      <dgm:prSet/>
+      <dgm:spPr/>
+      <dgm:t>
+        <a:bodyPr/>
+        <a:lstStyle/>
+        <a:p>
+          <a:endParaRPr lang="en-US"/>
+        </a:p>
+      </dgm:t>
+    </dgm:pt>
+    <dgm:pt modelId="{FB3EE560-053F-48A6-BD7D-6EAC3A6DD4F7}">
+      <dgm:prSet/>
+      <dgm:spPr/>
+      <dgm:t>
+        <a:bodyPr/>
+        <a:lstStyle/>
+        <a:p>
+          <a:r>
+            <a:rPr lang="en-US"/>
+            <a:t>Storage – Apache Hadoop – open source</a:t>
+          </a:r>
+        </a:p>
+      </dgm:t>
+    </dgm:pt>
+    <dgm:pt modelId="{84D2DA10-4EA6-49E1-9EDA-9EF0DEFDE5D2}" type="parTrans" cxnId="{0B75F23E-2BAF-4529-9BDB-936F15002D11}">
+      <dgm:prSet/>
+      <dgm:spPr/>
+      <dgm:t>
+        <a:bodyPr/>
+        <a:lstStyle/>
+        <a:p>
+          <a:endParaRPr lang="en-US"/>
+        </a:p>
+      </dgm:t>
+    </dgm:pt>
+    <dgm:pt modelId="{51CAD0A8-E6E2-4D0F-8C2C-C04A7988AA6C}" type="sibTrans" cxnId="{0B75F23E-2BAF-4529-9BDB-936F15002D11}">
+      <dgm:prSet/>
+      <dgm:spPr/>
+      <dgm:t>
+        <a:bodyPr/>
+        <a:lstStyle/>
+        <a:p>
+          <a:endParaRPr lang="en-US"/>
+        </a:p>
+      </dgm:t>
+    </dgm:pt>
+    <dgm:pt modelId="{1D4EF72B-7848-4B1E-921B-084B670626A1}">
+      <dgm:prSet/>
+      <dgm:spPr/>
+      <dgm:t>
+        <a:bodyPr/>
+        <a:lstStyle/>
+        <a:p>
+          <a:r>
+            <a:rPr lang="en-US"/>
+            <a:t>Programming Abstraction – Map and Reduce</a:t>
+          </a:r>
+        </a:p>
+      </dgm:t>
+    </dgm:pt>
+    <dgm:pt modelId="{3FE631A8-F567-4BF1-AC60-A0006A639722}" type="parTrans" cxnId="{BE6723BD-C70E-4990-B618-AD22FFBF89A9}">
+      <dgm:prSet/>
+      <dgm:spPr/>
+      <dgm:t>
+        <a:bodyPr/>
+        <a:lstStyle/>
+        <a:p>
+          <a:endParaRPr lang="en-US"/>
+        </a:p>
+      </dgm:t>
+    </dgm:pt>
+    <dgm:pt modelId="{E04DA86E-963D-4D64-989B-9717C67AC65C}" type="sibTrans" cxnId="{BE6723BD-C70E-4990-B618-AD22FFBF89A9}">
+      <dgm:prSet/>
+      <dgm:spPr/>
+      <dgm:t>
+        <a:bodyPr/>
+        <a:lstStyle/>
+        <a:p>
+          <a:endParaRPr lang="en-US"/>
+        </a:p>
+      </dgm:t>
+    </dgm:pt>
+    <dgm:pt modelId="{FC7CD0E6-921A-4D01-9F52-779275432B3E}">
+      <dgm:prSet/>
+      <dgm:spPr/>
+      <dgm:t>
+        <a:bodyPr/>
+        <a:lstStyle/>
+        <a:p>
+          <a:r>
+            <a:rPr lang="en-US"/>
+            <a:t>Take functions to the data</a:t>
+          </a:r>
+        </a:p>
+      </dgm:t>
+    </dgm:pt>
+    <dgm:pt modelId="{E2A88B15-A5DA-4BC3-BDE9-26A8D20232B6}" type="parTrans" cxnId="{80E388D4-A539-4521-AE6C-5FA87726218D}">
+      <dgm:prSet/>
+      <dgm:spPr/>
+      <dgm:t>
+        <a:bodyPr/>
+        <a:lstStyle/>
+        <a:p>
+          <a:endParaRPr lang="en-US"/>
+        </a:p>
+      </dgm:t>
+    </dgm:pt>
+    <dgm:pt modelId="{837E4564-6766-485B-945D-50E3C3E8AE01}" type="sibTrans" cxnId="{80E388D4-A539-4521-AE6C-5FA87726218D}">
+      <dgm:prSet/>
+      <dgm:spPr/>
+      <dgm:t>
+        <a:bodyPr/>
+        <a:lstStyle/>
+        <a:p>
+          <a:endParaRPr lang="en-US"/>
+        </a:p>
+      </dgm:t>
+    </dgm:pt>
+    <dgm:pt modelId="{79133ED2-C4FE-47E3-9B54-EA0F5F9B8435}">
+      <dgm:prSet/>
+      <dgm:spPr/>
+      <dgm:t>
+        <a:bodyPr/>
+        <a:lstStyle/>
+        <a:p>
+          <a:r>
+            <a:rPr lang="en-US"/>
+            <a:t>Limited computations - aggregations</a:t>
+          </a:r>
+        </a:p>
+      </dgm:t>
+    </dgm:pt>
+    <dgm:pt modelId="{DF93E7F5-DDD5-4BD3-83A3-94802539EFDD}" type="parTrans" cxnId="{E841BE08-80F7-4D3C-8F26-5195F8DB70F4}">
+      <dgm:prSet/>
+      <dgm:spPr/>
+      <dgm:t>
+        <a:bodyPr/>
+        <a:lstStyle/>
+        <a:p>
+          <a:endParaRPr lang="en-US"/>
+        </a:p>
+      </dgm:t>
+    </dgm:pt>
+    <dgm:pt modelId="{0ECA9439-BFFD-4F3E-9F12-031C5A6CF1D7}" type="sibTrans" cxnId="{E841BE08-80F7-4D3C-8F26-5195F8DB70F4}">
+      <dgm:prSet/>
+      <dgm:spPr/>
+      <dgm:t>
+        <a:bodyPr/>
+        <a:lstStyle/>
+        <a:p>
+          <a:endParaRPr lang="en-US"/>
+        </a:p>
+      </dgm:t>
+    </dgm:pt>
+    <dgm:pt modelId="{5841845E-B790-4E5E-95F8-B42CED6E1D73}">
+      <dgm:prSet/>
+      <dgm:spPr/>
+      <dgm:t>
+        <a:bodyPr/>
+        <a:lstStyle/>
+        <a:p>
+          <a:r>
+            <a:rPr lang="en-US"/>
+            <a:t>Supports scalable, fault tolerant system</a:t>
+          </a:r>
+        </a:p>
+      </dgm:t>
+    </dgm:pt>
+    <dgm:pt modelId="{E56587F4-F1D5-42D6-8C64-57BC4495B61F}" type="parTrans" cxnId="{91752D8E-7C87-4B2D-A718-9C22C4DBE514}">
+      <dgm:prSet/>
+      <dgm:spPr/>
+      <dgm:t>
+        <a:bodyPr/>
+        <a:lstStyle/>
+        <a:p>
+          <a:endParaRPr lang="en-US"/>
+        </a:p>
+      </dgm:t>
+    </dgm:pt>
+    <dgm:pt modelId="{B034B464-AC66-4672-96EA-DF1FD422ED11}" type="sibTrans" cxnId="{91752D8E-7C87-4B2D-A718-9C22C4DBE514}">
+      <dgm:prSet/>
+      <dgm:spPr/>
+      <dgm:t>
+        <a:bodyPr/>
+        <a:lstStyle/>
+        <a:p>
+          <a:endParaRPr lang="en-US"/>
+        </a:p>
+      </dgm:t>
+    </dgm:pt>
+    <dgm:pt modelId="{0789D332-782F-426E-9A99-D4744A3929EB}">
+      <dgm:prSet/>
+      <dgm:spPr/>
+      <dgm:t>
+        <a:bodyPr/>
+        <a:lstStyle/>
+        <a:p>
+          <a:r>
+            <a:rPr lang="en-US"/>
+            <a:t>Fundamental Pattern - Aggregations</a:t>
+          </a:r>
+        </a:p>
+      </dgm:t>
+    </dgm:pt>
+    <dgm:pt modelId="{8DE93D12-66B1-4522-9EC4-378D82E8A8B6}" type="parTrans" cxnId="{D6440511-BB99-4B3A-AB53-4D90EB901928}">
+      <dgm:prSet/>
+      <dgm:spPr/>
+      <dgm:t>
+        <a:bodyPr/>
+        <a:lstStyle/>
+        <a:p>
+          <a:endParaRPr lang="en-US"/>
+        </a:p>
+      </dgm:t>
+    </dgm:pt>
+    <dgm:pt modelId="{83A22C53-6D17-497F-BEF3-03FDC727BB7F}" type="sibTrans" cxnId="{D6440511-BB99-4B3A-AB53-4D90EB901928}">
+      <dgm:prSet/>
+      <dgm:spPr/>
+      <dgm:t>
+        <a:bodyPr/>
+        <a:lstStyle/>
+        <a:p>
+          <a:endParaRPr lang="en-US"/>
+        </a:p>
+      </dgm:t>
+    </dgm:pt>
+    <dgm:pt modelId="{8F50C921-E9E9-7A46-BE8A-D6549E1E2177}" type="pres">
+      <dgm:prSet presAssocID="{D195E906-8B6F-43B3-A4F6-C2A8D2D2D292}" presName="linear" presStyleCnt="0">
+        <dgm:presLayoutVars>
+          <dgm:animLvl val="lvl"/>
+          <dgm:resizeHandles val="exact"/>
+        </dgm:presLayoutVars>
+      </dgm:prSet>
+      <dgm:spPr/>
+    </dgm:pt>
+    <dgm:pt modelId="{90BCDEE6-D5D6-CD4D-B6D8-77B96996FE50}" type="pres">
+      <dgm:prSet presAssocID="{CA7473B4-CCD5-479E-A33F-44D9BC8BC906}" presName="parentText" presStyleLbl="node1" presStyleIdx="0" presStyleCnt="4">
+        <dgm:presLayoutVars>
+          <dgm:chMax val="0"/>
+          <dgm:bulletEnabled val="1"/>
+        </dgm:presLayoutVars>
+      </dgm:prSet>
+      <dgm:spPr/>
+    </dgm:pt>
+    <dgm:pt modelId="{8DE36900-B699-0246-9707-A829121B9710}" type="pres">
+      <dgm:prSet presAssocID="{093C141B-89A8-4CA7-86AA-9121072A4F15}" presName="spacer" presStyleCnt="0"/>
+      <dgm:spPr/>
+    </dgm:pt>
+    <dgm:pt modelId="{D62232BC-E983-B942-91E4-0AEA0F7793EA}" type="pres">
+      <dgm:prSet presAssocID="{FB3EE560-053F-48A6-BD7D-6EAC3A6DD4F7}" presName="parentText" presStyleLbl="node1" presStyleIdx="1" presStyleCnt="4">
+        <dgm:presLayoutVars>
+          <dgm:chMax val="0"/>
+          <dgm:bulletEnabled val="1"/>
+        </dgm:presLayoutVars>
+      </dgm:prSet>
+      <dgm:spPr/>
+    </dgm:pt>
+    <dgm:pt modelId="{43DA0A12-A691-0844-8AEB-C52D5B9E1B6D}" type="pres">
+      <dgm:prSet presAssocID="{51CAD0A8-E6E2-4D0F-8C2C-C04A7988AA6C}" presName="spacer" presStyleCnt="0"/>
+      <dgm:spPr/>
+    </dgm:pt>
+    <dgm:pt modelId="{96C9E664-1820-EC4E-91EE-99113CFE9267}" type="pres">
+      <dgm:prSet presAssocID="{1D4EF72B-7848-4B1E-921B-084B670626A1}" presName="parentText" presStyleLbl="node1" presStyleIdx="2" presStyleCnt="4">
+        <dgm:presLayoutVars>
+          <dgm:chMax val="0"/>
+          <dgm:bulletEnabled val="1"/>
+        </dgm:presLayoutVars>
+      </dgm:prSet>
+      <dgm:spPr/>
+    </dgm:pt>
+    <dgm:pt modelId="{4B34FEAA-09D8-6949-8CD3-4CBD1F9807E2}" type="pres">
+      <dgm:prSet presAssocID="{1D4EF72B-7848-4B1E-921B-084B670626A1}" presName="childText" presStyleLbl="revTx" presStyleIdx="0" presStyleCnt="1">
+        <dgm:presLayoutVars>
+          <dgm:bulletEnabled val="1"/>
+        </dgm:presLayoutVars>
+      </dgm:prSet>
+      <dgm:spPr/>
+    </dgm:pt>
+    <dgm:pt modelId="{F5D2C2BC-78A8-CF4F-8AD3-1BD6889D62B8}" type="pres">
+      <dgm:prSet presAssocID="{0789D332-782F-426E-9A99-D4744A3929EB}" presName="parentText" presStyleLbl="node1" presStyleIdx="3" presStyleCnt="4">
+        <dgm:presLayoutVars>
+          <dgm:chMax val="0"/>
+          <dgm:bulletEnabled val="1"/>
+        </dgm:presLayoutVars>
+      </dgm:prSet>
+      <dgm:spPr/>
+    </dgm:pt>
+  </dgm:ptLst>
+  <dgm:cxnLst>
+    <dgm:cxn modelId="{E841BE08-80F7-4D3C-8F26-5195F8DB70F4}" srcId="{1D4EF72B-7848-4B1E-921B-084B670626A1}" destId="{79133ED2-C4FE-47E3-9B54-EA0F5F9B8435}" srcOrd="1" destOrd="0" parTransId="{DF93E7F5-DDD5-4BD3-83A3-94802539EFDD}" sibTransId="{0ECA9439-BFFD-4F3E-9F12-031C5A6CF1D7}"/>
+    <dgm:cxn modelId="{D6440511-BB99-4B3A-AB53-4D90EB901928}" srcId="{D195E906-8B6F-43B3-A4F6-C2A8D2D2D292}" destId="{0789D332-782F-426E-9A99-D4744A3929EB}" srcOrd="3" destOrd="0" parTransId="{8DE93D12-66B1-4522-9EC4-378D82E8A8B6}" sibTransId="{83A22C53-6D17-497F-BEF3-03FDC727BB7F}"/>
+    <dgm:cxn modelId="{5B997320-8131-7746-BD77-B9B177E546FA}" type="presOf" srcId="{79133ED2-C4FE-47E3-9B54-EA0F5F9B8435}" destId="{4B34FEAA-09D8-6949-8CD3-4CBD1F9807E2}" srcOrd="0" destOrd="1" presId="urn:microsoft.com/office/officeart/2005/8/layout/vList2"/>
+    <dgm:cxn modelId="{7AD6F222-6ECE-244A-BEF2-B82C5BABE53D}" type="presOf" srcId="{5841845E-B790-4E5E-95F8-B42CED6E1D73}" destId="{4B34FEAA-09D8-6949-8CD3-4CBD1F9807E2}" srcOrd="0" destOrd="2" presId="urn:microsoft.com/office/officeart/2005/8/layout/vList2"/>
+    <dgm:cxn modelId="{0B75F23E-2BAF-4529-9BDB-936F15002D11}" srcId="{D195E906-8B6F-43B3-A4F6-C2A8D2D2D292}" destId="{FB3EE560-053F-48A6-BD7D-6EAC3A6DD4F7}" srcOrd="1" destOrd="0" parTransId="{84D2DA10-4EA6-49E1-9EDA-9EF0DEFDE5D2}" sibTransId="{51CAD0A8-E6E2-4D0F-8C2C-C04A7988AA6C}"/>
+    <dgm:cxn modelId="{4CFC6654-2FA4-3D4E-98D0-DEFD8CE96C1A}" type="presOf" srcId="{D195E906-8B6F-43B3-A4F6-C2A8D2D2D292}" destId="{8F50C921-E9E9-7A46-BE8A-D6549E1E2177}" srcOrd="0" destOrd="0" presId="urn:microsoft.com/office/officeart/2005/8/layout/vList2"/>
+    <dgm:cxn modelId="{8A3E5769-AB1D-F245-B740-8554CB7D778F}" type="presOf" srcId="{CA7473B4-CCD5-479E-A33F-44D9BC8BC906}" destId="{90BCDEE6-D5D6-CD4D-B6D8-77B96996FE50}" srcOrd="0" destOrd="0" presId="urn:microsoft.com/office/officeart/2005/8/layout/vList2"/>
+    <dgm:cxn modelId="{91752D8E-7C87-4B2D-A718-9C22C4DBE514}" srcId="{1D4EF72B-7848-4B1E-921B-084B670626A1}" destId="{5841845E-B790-4E5E-95F8-B42CED6E1D73}" srcOrd="2" destOrd="0" parTransId="{E56587F4-F1D5-42D6-8C64-57BC4495B61F}" sibTransId="{B034B464-AC66-4672-96EA-DF1FD422ED11}"/>
+    <dgm:cxn modelId="{A9CA75A4-9B74-4399-BBBB-08A1C85E0925}" srcId="{D195E906-8B6F-43B3-A4F6-C2A8D2D2D292}" destId="{CA7473B4-CCD5-479E-A33F-44D9BC8BC906}" srcOrd="0" destOrd="0" parTransId="{855A954F-B8D5-4AA7-89D5-08C60DEA4EC5}" sibTransId="{093C141B-89A8-4CA7-86AA-9121072A4F15}"/>
+    <dgm:cxn modelId="{BE6723BD-C70E-4990-B618-AD22FFBF89A9}" srcId="{D195E906-8B6F-43B3-A4F6-C2A8D2D2D292}" destId="{1D4EF72B-7848-4B1E-921B-084B670626A1}" srcOrd="2" destOrd="0" parTransId="{3FE631A8-F567-4BF1-AC60-A0006A639722}" sibTransId="{E04DA86E-963D-4D64-989B-9717C67AC65C}"/>
+    <dgm:cxn modelId="{92097BC6-3896-694C-B1C6-706422C1F212}" type="presOf" srcId="{0789D332-782F-426E-9A99-D4744A3929EB}" destId="{F5D2C2BC-78A8-CF4F-8AD3-1BD6889D62B8}" srcOrd="0" destOrd="0" presId="urn:microsoft.com/office/officeart/2005/8/layout/vList2"/>
+    <dgm:cxn modelId="{80E388D4-A539-4521-AE6C-5FA87726218D}" srcId="{1D4EF72B-7848-4B1E-921B-084B670626A1}" destId="{FC7CD0E6-921A-4D01-9F52-779275432B3E}" srcOrd="0" destOrd="0" parTransId="{E2A88B15-A5DA-4BC3-BDE9-26A8D20232B6}" sibTransId="{837E4564-6766-485B-945D-50E3C3E8AE01}"/>
+    <dgm:cxn modelId="{25F28AD8-1EF2-DA42-BAE2-F930053EE093}" type="presOf" srcId="{1D4EF72B-7848-4B1E-921B-084B670626A1}" destId="{96C9E664-1820-EC4E-91EE-99113CFE9267}" srcOrd="0" destOrd="0" presId="urn:microsoft.com/office/officeart/2005/8/layout/vList2"/>
+    <dgm:cxn modelId="{AA6F81DD-4C67-084D-A013-BB8095A5D5E3}" type="presOf" srcId="{FC7CD0E6-921A-4D01-9F52-779275432B3E}" destId="{4B34FEAA-09D8-6949-8CD3-4CBD1F9807E2}" srcOrd="0" destOrd="0" presId="urn:microsoft.com/office/officeart/2005/8/layout/vList2"/>
+    <dgm:cxn modelId="{D14995FF-E19F-A14C-A145-92147BA84CAA}" type="presOf" srcId="{FB3EE560-053F-48A6-BD7D-6EAC3A6DD4F7}" destId="{D62232BC-E983-B942-91E4-0AEA0F7793EA}" srcOrd="0" destOrd="0" presId="urn:microsoft.com/office/officeart/2005/8/layout/vList2"/>
+    <dgm:cxn modelId="{19AAC401-2AD2-2A4D-B8E0-98D137D1C79E}" type="presParOf" srcId="{8F50C921-E9E9-7A46-BE8A-D6549E1E2177}" destId="{90BCDEE6-D5D6-CD4D-B6D8-77B96996FE50}" srcOrd="0" destOrd="0" presId="urn:microsoft.com/office/officeart/2005/8/layout/vList2"/>
+    <dgm:cxn modelId="{F3C7123D-F800-AD4B-907F-4FD8E6DCCD38}" type="presParOf" srcId="{8F50C921-E9E9-7A46-BE8A-D6549E1E2177}" destId="{8DE36900-B699-0246-9707-A829121B9710}" srcOrd="1" destOrd="0" presId="urn:microsoft.com/office/officeart/2005/8/layout/vList2"/>
+    <dgm:cxn modelId="{DDBAB590-7444-9742-BEA4-7470FDCE5AA8}" type="presParOf" srcId="{8F50C921-E9E9-7A46-BE8A-D6549E1E2177}" destId="{D62232BC-E983-B942-91E4-0AEA0F7793EA}" srcOrd="2" destOrd="0" presId="urn:microsoft.com/office/officeart/2005/8/layout/vList2"/>
+    <dgm:cxn modelId="{C94D5991-6F96-AD46-A3FC-97BF58726FD5}" type="presParOf" srcId="{8F50C921-E9E9-7A46-BE8A-D6549E1E2177}" destId="{43DA0A12-A691-0844-8AEB-C52D5B9E1B6D}" srcOrd="3" destOrd="0" presId="urn:microsoft.com/office/officeart/2005/8/layout/vList2"/>
+    <dgm:cxn modelId="{9FDDABE1-0482-E74C-81F6-E26F303DF0C7}" type="presParOf" srcId="{8F50C921-E9E9-7A46-BE8A-D6549E1E2177}" destId="{96C9E664-1820-EC4E-91EE-99113CFE9267}" srcOrd="4" destOrd="0" presId="urn:microsoft.com/office/officeart/2005/8/layout/vList2"/>
+    <dgm:cxn modelId="{61C1E875-A6E6-6449-A099-1485A68E2C1C}" type="presParOf" srcId="{8F50C921-E9E9-7A46-BE8A-D6549E1E2177}" destId="{4B34FEAA-09D8-6949-8CD3-4CBD1F9807E2}" srcOrd="5" destOrd="0" presId="urn:microsoft.com/office/officeart/2005/8/layout/vList2"/>
+    <dgm:cxn modelId="{C2791037-E8B5-DE41-B96D-76ED1064CFE9}" type="presParOf" srcId="{8F50C921-E9E9-7A46-BE8A-D6549E1E2177}" destId="{F5D2C2BC-78A8-CF4F-8AD3-1BD6889D62B8}" srcOrd="6" destOrd="0" presId="urn:microsoft.com/office/officeart/2005/8/layout/vList2"/>
+  </dgm:cxnLst>
+  <dgm:bg/>
+  <dgm:whole/>
+  <dgm:extLst>
+    <a:ext uri="http://schemas.microsoft.com/office/drawing/2008/diagram">
+      <dsp:dataModelExt xmlns:dsp="http://schemas.microsoft.com/office/drawing/2008/diagram" relId="rId6" minVer="http://schemas.openxmlformats.org/drawingml/2006/diagram"/>
+    </a:ext>
+  </dgm:extLst>
+</dgm:dataModel>
+</file>
+
+<file path=ppt/diagrams/drawing1.xml><?xml version="1.0" encoding="utf-8"?>
+<dsp:drawing xmlns:dgm="http://schemas.openxmlformats.org/drawingml/2006/diagram" xmlns:dsp="http://schemas.microsoft.com/office/drawing/2008/diagram" xmlns:a="http://schemas.openxmlformats.org/drawingml/2006/main">
+  <dsp:spTree>
+    <dsp:nvGrpSpPr>
+      <dsp:cNvPr id="0" name=""/>
+      <dsp:cNvGrpSpPr/>
+    </dsp:nvGrpSpPr>
+    <dsp:grpSpPr/>
+    <dsp:sp modelId="{90BCDEE6-D5D6-CD4D-B6D8-77B96996FE50}">
+      <dsp:nvSpPr>
+        <dsp:cNvPr id="0" name=""/>
+        <dsp:cNvSpPr/>
+      </dsp:nvSpPr>
+      <dsp:spPr>
+        <a:xfrm>
+          <a:off x="0" y="72354"/>
+          <a:ext cx="6513603" cy="1112304"/>
+        </a:xfrm>
+        <a:prstGeom prst="roundRect">
+          <a:avLst/>
+        </a:prstGeom>
+        <a:solidFill>
+          <a:schemeClr val="accent5">
+            <a:hueOff val="0"/>
+            <a:satOff val="0"/>
+            <a:lumOff val="0"/>
+            <a:alphaOff val="0"/>
+          </a:schemeClr>
+        </a:solidFill>
+        <a:ln w="12700" cap="flat" cmpd="sng" algn="ctr">
+          <a:solidFill>
+            <a:schemeClr val="lt1">
+              <a:hueOff val="0"/>
+              <a:satOff val="0"/>
+              <a:lumOff val="0"/>
+              <a:alphaOff val="0"/>
+            </a:schemeClr>
+          </a:solidFill>
+          <a:prstDash val="solid"/>
+          <a:miter lim="800000"/>
+        </a:ln>
+        <a:effectLst/>
+      </dsp:spPr>
+      <dsp:style>
+        <a:lnRef idx="2">
+          <a:scrgbClr r="0" g="0" b="0"/>
+        </a:lnRef>
+        <a:fillRef idx="1">
+          <a:scrgbClr r="0" g="0" b="0"/>
+        </a:fillRef>
+        <a:effectRef idx="0">
+          <a:scrgbClr r="0" g="0" b="0"/>
+        </a:effectRef>
+        <a:fontRef idx="minor">
+          <a:schemeClr val="lt1"/>
+        </a:fontRef>
+      </dsp:style>
+      <dsp:txBody>
+        <a:bodyPr spcFirstLastPara="0" vert="horz" wrap="square" lIns="106680" tIns="106680" rIns="106680" bIns="106680" numCol="1" spcCol="1270" anchor="ctr" anchorCtr="0">
+          <a:noAutofit/>
+        </a:bodyPr>
+        <a:lstStyle/>
+        <a:p>
+          <a:pPr marL="0" lvl="0" indent="0" algn="l" defTabSz="1244600">
+            <a:lnSpc>
+              <a:spcPct val="90000"/>
+            </a:lnSpc>
+            <a:spcBef>
+              <a:spcPct val="0"/>
+            </a:spcBef>
+            <a:spcAft>
+              <a:spcPct val="35000"/>
+            </a:spcAft>
+            <a:buNone/>
+          </a:pPr>
+          <a:r>
+            <a:rPr lang="en-US" sz="2800" kern="1200"/>
+            <a:t>Developed at Google</a:t>
+          </a:r>
+        </a:p>
+      </dsp:txBody>
+      <dsp:txXfrm>
+        <a:off x="54298" y="126652"/>
+        <a:ext cx="6405007" cy="1003708"/>
+      </dsp:txXfrm>
+    </dsp:sp>
+    <dsp:sp modelId="{D62232BC-E983-B942-91E4-0AEA0F7793EA}">
+      <dsp:nvSpPr>
+        <dsp:cNvPr id="0" name=""/>
+        <dsp:cNvSpPr/>
+      </dsp:nvSpPr>
+      <dsp:spPr>
+        <a:xfrm>
+          <a:off x="0" y="1265298"/>
+          <a:ext cx="6513603" cy="1112304"/>
+        </a:xfrm>
+        <a:prstGeom prst="roundRect">
+          <a:avLst/>
+        </a:prstGeom>
+        <a:solidFill>
+          <a:schemeClr val="accent5">
+            <a:hueOff val="-2252848"/>
+            <a:satOff val="-5806"/>
+            <a:lumOff val="-3922"/>
+            <a:alphaOff val="0"/>
+          </a:schemeClr>
+        </a:solidFill>
+        <a:ln w="12700" cap="flat" cmpd="sng" algn="ctr">
+          <a:solidFill>
+            <a:schemeClr val="lt1">
+              <a:hueOff val="0"/>
+              <a:satOff val="0"/>
+              <a:lumOff val="0"/>
+              <a:alphaOff val="0"/>
+            </a:schemeClr>
+          </a:solidFill>
+          <a:prstDash val="solid"/>
+          <a:miter lim="800000"/>
+        </a:ln>
+        <a:effectLst/>
+      </dsp:spPr>
+      <dsp:style>
+        <a:lnRef idx="2">
+          <a:scrgbClr r="0" g="0" b="0"/>
+        </a:lnRef>
+        <a:fillRef idx="1">
+          <a:scrgbClr r="0" g="0" b="0"/>
+        </a:fillRef>
+        <a:effectRef idx="0">
+          <a:scrgbClr r="0" g="0" b="0"/>
+        </a:effectRef>
+        <a:fontRef idx="minor">
+          <a:schemeClr val="lt1"/>
+        </a:fontRef>
+      </dsp:style>
+      <dsp:txBody>
+        <a:bodyPr spcFirstLastPara="0" vert="horz" wrap="square" lIns="106680" tIns="106680" rIns="106680" bIns="106680" numCol="1" spcCol="1270" anchor="ctr" anchorCtr="0">
+          <a:noAutofit/>
+        </a:bodyPr>
+        <a:lstStyle/>
+        <a:p>
+          <a:pPr marL="0" lvl="0" indent="0" algn="l" defTabSz="1244600">
+            <a:lnSpc>
+              <a:spcPct val="90000"/>
+            </a:lnSpc>
+            <a:spcBef>
+              <a:spcPct val="0"/>
+            </a:spcBef>
+            <a:spcAft>
+              <a:spcPct val="35000"/>
+            </a:spcAft>
+            <a:buNone/>
+          </a:pPr>
+          <a:r>
+            <a:rPr lang="en-US" sz="2800" kern="1200"/>
+            <a:t>Storage – Apache Hadoop – open source</a:t>
+          </a:r>
+        </a:p>
+      </dsp:txBody>
+      <dsp:txXfrm>
+        <a:off x="54298" y="1319596"/>
+        <a:ext cx="6405007" cy="1003708"/>
+      </dsp:txXfrm>
+    </dsp:sp>
+    <dsp:sp modelId="{96C9E664-1820-EC4E-91EE-99113CFE9267}">
+      <dsp:nvSpPr>
+        <dsp:cNvPr id="0" name=""/>
+        <dsp:cNvSpPr/>
+      </dsp:nvSpPr>
+      <dsp:spPr>
+        <a:xfrm>
+          <a:off x="0" y="2458243"/>
+          <a:ext cx="6513603" cy="1112304"/>
+        </a:xfrm>
+        <a:prstGeom prst="roundRect">
+          <a:avLst/>
+        </a:prstGeom>
+        <a:solidFill>
+          <a:schemeClr val="accent5">
+            <a:hueOff val="-4505695"/>
+            <a:satOff val="-11613"/>
+            <a:lumOff val="-7843"/>
+            <a:alphaOff val="0"/>
+          </a:schemeClr>
+        </a:solidFill>
+        <a:ln w="12700" cap="flat" cmpd="sng" algn="ctr">
+          <a:solidFill>
+            <a:schemeClr val="lt1">
+              <a:hueOff val="0"/>
+              <a:satOff val="0"/>
+              <a:lumOff val="0"/>
+              <a:alphaOff val="0"/>
+            </a:schemeClr>
+          </a:solidFill>
+          <a:prstDash val="solid"/>
+          <a:miter lim="800000"/>
+        </a:ln>
+        <a:effectLst/>
+      </dsp:spPr>
+      <dsp:style>
+        <a:lnRef idx="2">
+          <a:scrgbClr r="0" g="0" b="0"/>
+        </a:lnRef>
+        <a:fillRef idx="1">
+          <a:scrgbClr r="0" g="0" b="0"/>
+        </a:fillRef>
+        <a:effectRef idx="0">
+          <a:scrgbClr r="0" g="0" b="0"/>
+        </a:effectRef>
+        <a:fontRef idx="minor">
+          <a:schemeClr val="lt1"/>
+        </a:fontRef>
+      </dsp:style>
+      <dsp:txBody>
+        <a:bodyPr spcFirstLastPara="0" vert="horz" wrap="square" lIns="106680" tIns="106680" rIns="106680" bIns="106680" numCol="1" spcCol="1270" anchor="ctr" anchorCtr="0">
+          <a:noAutofit/>
+        </a:bodyPr>
+        <a:lstStyle/>
+        <a:p>
+          <a:pPr marL="0" lvl="0" indent="0" algn="l" defTabSz="1244600">
+            <a:lnSpc>
+              <a:spcPct val="90000"/>
+            </a:lnSpc>
+            <a:spcBef>
+              <a:spcPct val="0"/>
+            </a:spcBef>
+            <a:spcAft>
+              <a:spcPct val="35000"/>
+            </a:spcAft>
+            <a:buNone/>
+          </a:pPr>
+          <a:r>
+            <a:rPr lang="en-US" sz="2800" kern="1200"/>
+            <a:t>Programming Abstraction – Map and Reduce</a:t>
+          </a:r>
+        </a:p>
+      </dsp:txBody>
+      <dsp:txXfrm>
+        <a:off x="54298" y="2512541"/>
+        <a:ext cx="6405007" cy="1003708"/>
+      </dsp:txXfrm>
+    </dsp:sp>
+    <dsp:sp modelId="{4B34FEAA-09D8-6949-8CD3-4CBD1F9807E2}">
+      <dsp:nvSpPr>
+        <dsp:cNvPr id="0" name=""/>
+        <dsp:cNvSpPr/>
+      </dsp:nvSpPr>
+      <dsp:spPr>
+        <a:xfrm>
+          <a:off x="0" y="3570547"/>
+          <a:ext cx="6513603" cy="1130220"/>
+        </a:xfrm>
+        <a:prstGeom prst="rect">
+          <a:avLst/>
+        </a:prstGeom>
+        <a:noFill/>
+        <a:ln>
+          <a:noFill/>
+        </a:ln>
+        <a:effectLst/>
+      </dsp:spPr>
+      <dsp:style>
+        <a:lnRef idx="0">
+          <a:scrgbClr r="0" g="0" b="0"/>
+        </a:lnRef>
+        <a:fillRef idx="0">
+          <a:scrgbClr r="0" g="0" b="0"/>
+        </a:fillRef>
+        <a:effectRef idx="0">
+          <a:scrgbClr r="0" g="0" b="0"/>
+        </a:effectRef>
+        <a:fontRef idx="minor"/>
+      </dsp:style>
+      <dsp:txBody>
+        <a:bodyPr spcFirstLastPara="0" vert="horz" wrap="square" lIns="206807" tIns="35560" rIns="199136" bIns="35560" numCol="1" spcCol="1270" anchor="t" anchorCtr="0">
+          <a:noAutofit/>
+        </a:bodyPr>
+        <a:lstStyle/>
+        <a:p>
+          <a:pPr marL="228600" lvl="1" indent="-228600" algn="l" defTabSz="977900">
+            <a:lnSpc>
+              <a:spcPct val="90000"/>
+            </a:lnSpc>
+            <a:spcBef>
+              <a:spcPct val="0"/>
+            </a:spcBef>
+            <a:spcAft>
+              <a:spcPct val="20000"/>
+            </a:spcAft>
+            <a:buChar char="•"/>
+          </a:pPr>
+          <a:r>
+            <a:rPr lang="en-US" sz="2200" kern="1200"/>
+            <a:t>Take functions to the data</a:t>
+          </a:r>
+        </a:p>
+        <a:p>
+          <a:pPr marL="228600" lvl="1" indent="-228600" algn="l" defTabSz="977900">
+            <a:lnSpc>
+              <a:spcPct val="90000"/>
+            </a:lnSpc>
+            <a:spcBef>
+              <a:spcPct val="0"/>
+            </a:spcBef>
+            <a:spcAft>
+              <a:spcPct val="20000"/>
+            </a:spcAft>
+            <a:buChar char="•"/>
+          </a:pPr>
+          <a:r>
+            <a:rPr lang="en-US" sz="2200" kern="1200"/>
+            <a:t>Limited computations - aggregations</a:t>
+          </a:r>
+        </a:p>
+        <a:p>
+          <a:pPr marL="228600" lvl="1" indent="-228600" algn="l" defTabSz="977900">
+            <a:lnSpc>
+              <a:spcPct val="90000"/>
+            </a:lnSpc>
+            <a:spcBef>
+              <a:spcPct val="0"/>
+            </a:spcBef>
+            <a:spcAft>
+              <a:spcPct val="20000"/>
+            </a:spcAft>
+            <a:buChar char="•"/>
+          </a:pPr>
+          <a:r>
+            <a:rPr lang="en-US" sz="2200" kern="1200"/>
+            <a:t>Supports scalable, fault tolerant system</a:t>
+          </a:r>
+        </a:p>
+      </dsp:txBody>
+      <dsp:txXfrm>
+        <a:off x="0" y="3570547"/>
+        <a:ext cx="6513603" cy="1130220"/>
+      </dsp:txXfrm>
+    </dsp:sp>
+    <dsp:sp modelId="{F5D2C2BC-78A8-CF4F-8AD3-1BD6889D62B8}">
+      <dsp:nvSpPr>
+        <dsp:cNvPr id="0" name=""/>
+        <dsp:cNvSpPr/>
+      </dsp:nvSpPr>
+      <dsp:spPr>
+        <a:xfrm>
+          <a:off x="0" y="4700767"/>
+          <a:ext cx="6513603" cy="1112304"/>
+        </a:xfrm>
+        <a:prstGeom prst="roundRect">
+          <a:avLst/>
+        </a:prstGeom>
+        <a:solidFill>
+          <a:schemeClr val="accent5">
+            <a:hueOff val="-6758543"/>
+            <a:satOff val="-17419"/>
+            <a:lumOff val="-11765"/>
+            <a:alphaOff val="0"/>
+          </a:schemeClr>
+        </a:solidFill>
+        <a:ln w="12700" cap="flat" cmpd="sng" algn="ctr">
+          <a:solidFill>
+            <a:schemeClr val="lt1">
+              <a:hueOff val="0"/>
+              <a:satOff val="0"/>
+              <a:lumOff val="0"/>
+              <a:alphaOff val="0"/>
+            </a:schemeClr>
+          </a:solidFill>
+          <a:prstDash val="solid"/>
+          <a:miter lim="800000"/>
+        </a:ln>
+        <a:effectLst/>
+      </dsp:spPr>
+      <dsp:style>
+        <a:lnRef idx="2">
+          <a:scrgbClr r="0" g="0" b="0"/>
+        </a:lnRef>
+        <a:fillRef idx="1">
+          <a:scrgbClr r="0" g="0" b="0"/>
+        </a:fillRef>
+        <a:effectRef idx="0">
+          <a:scrgbClr r="0" g="0" b="0"/>
+        </a:effectRef>
+        <a:fontRef idx="minor">
+          <a:schemeClr val="lt1"/>
+        </a:fontRef>
+      </dsp:style>
+      <dsp:txBody>
+        <a:bodyPr spcFirstLastPara="0" vert="horz" wrap="square" lIns="106680" tIns="106680" rIns="106680" bIns="106680" numCol="1" spcCol="1270" anchor="ctr" anchorCtr="0">
+          <a:noAutofit/>
+        </a:bodyPr>
+        <a:lstStyle/>
+        <a:p>
+          <a:pPr marL="0" lvl="0" indent="0" algn="l" defTabSz="1244600">
+            <a:lnSpc>
+              <a:spcPct val="90000"/>
+            </a:lnSpc>
+            <a:spcBef>
+              <a:spcPct val="0"/>
+            </a:spcBef>
+            <a:spcAft>
+              <a:spcPct val="35000"/>
+            </a:spcAft>
+            <a:buNone/>
+          </a:pPr>
+          <a:r>
+            <a:rPr lang="en-US" sz="2800" kern="1200"/>
+            <a:t>Fundamental Pattern - Aggregations</a:t>
+          </a:r>
+        </a:p>
+      </dsp:txBody>
+      <dsp:txXfrm>
+        <a:off x="54298" y="4755065"/>
+        <a:ext cx="6405007" cy="1003708"/>
+      </dsp:txXfrm>
+    </dsp:sp>
+  </dsp:spTree>
+</dsp:drawing>
+</file>
+
+<file path=ppt/diagrams/layout1.xml><?xml version="1.0" encoding="utf-8"?>
+<dgm:layoutDef xmlns:dgm="http://schemas.openxmlformats.org/drawingml/2006/diagram" xmlns:a="http://schemas.openxmlformats.org/drawingml/2006/main" uniqueId="urn:microsoft.com/office/officeart/2005/8/layout/vList2">
+  <dgm:title val=""/>
+  <dgm:desc val=""/>
+  <dgm:catLst>
+    <dgm:cat type="list" pri="3000"/>
+    <dgm:cat type="convert" pri="1000"/>
+  </dgm:catLst>
+  <dgm:sampData>
+    <dgm:dataModel>
+      <dgm:ptLst>
+        <dgm:pt modelId="0" type="doc"/>
+        <dgm:pt modelId="1">
+          <dgm:prSet phldr="1"/>
+        </dgm:pt>
+        <dgm:pt modelId="11">
+          <dgm:prSet phldr="1"/>
+        </dgm:pt>
+        <dgm:pt modelId="2">
+          <dgm:prSet phldr="1"/>
+        </dgm:pt>
+        <dgm:pt modelId="21">
+          <dgm:prSet phldr="1"/>
+        </dgm:pt>
+      </dgm:ptLst>
+      <dgm:cxnLst>
+        <dgm:cxn modelId="4" srcId="0" destId="1" srcOrd="0" destOrd="0"/>
+        <dgm:cxn modelId="5" srcId="0" destId="2" srcOrd="1" destOrd="0"/>
+        <dgm:cxn modelId="12" srcId="1" destId="11" srcOrd="0" destOrd="0"/>
+        <dgm:cxn modelId="23" srcId="2" destId="21" srcOrd="0" destOrd="0"/>
+      </dgm:cxnLst>
+      <dgm:bg/>
+      <dgm:whole/>
+    </dgm:dataModel>
+  </dgm:sampData>
+  <dgm:styleData>
+    <dgm:dataModel>
+      <dgm:ptLst>
+        <dgm:pt modelId="0" type="doc"/>
+        <dgm:pt modelId="1"/>
+        <dgm:pt modelId="2"/>
+      </dgm:ptLst>
+      <dgm:cxnLst>
+        <dgm:cxn modelId="3" srcId="0" destId="1" srcOrd="0" destOrd="0"/>
+        <dgm:cxn modelId="4" srcId="0" destId="2" srcOrd="1" destOrd="0"/>
+      </dgm:cxnLst>
+      <dgm:bg/>
+      <dgm:whole/>
+    </dgm:dataModel>
+  </dgm:styleData>
+  <dgm:clrData>
+    <dgm:dataModel>
+      <dgm:ptLst>
+        <dgm:pt modelId="0" type="doc"/>
+        <dgm:pt modelId="1"/>
+        <dgm:pt modelId="2"/>
+        <dgm:pt modelId="3"/>
+        <dgm:pt modelId="4"/>
+      </dgm:ptLst>
+      <dgm:cxnLst>
+        <dgm:cxn modelId="5" srcId="0" destId="1" srcOrd="0" destOrd="0"/>
+        <dgm:cxn modelId="6" srcId="0" destId="2" srcOrd="1" destOrd="0"/>
+        <dgm:cxn modelId="7" srcId="0" destId="3" srcOrd="2" destOrd="0"/>
+        <dgm:cxn modelId="8" srcId="0" destId="4" srcOrd="3" destOrd="0"/>
+      </dgm:cxnLst>
+      <dgm:bg/>
+      <dgm:whole/>
+    </dgm:dataModel>
+  </dgm:clrData>
+  <dgm:layoutNode name="linear">
+    <dgm:varLst>
+      <dgm:animLvl val="lvl"/>
+      <dgm:resizeHandles val="exact"/>
+    </dgm:varLst>
+    <dgm:alg type="lin">
+      <dgm:param type="linDir" val="fromT"/>
+      <dgm:param type="vertAlign" val="mid"/>
+    </dgm:alg>
+    <dgm:shape xmlns:r="http://schemas.openxmlformats.org/officeDocument/2006/relationships" r:blip="">
+      <dgm:adjLst/>
+    </dgm:shape>
+    <dgm:presOf/>
+    <dgm:constrLst>
+      <dgm:constr type="w" for="ch" forName="parentText" refType="w"/>
+      <dgm:constr type="h" for="ch" forName="parentText" refType="primFontSz" refFor="ch" refForName="parentText" fact="0.52"/>
+      <dgm:constr type="w" for="ch" forName="childText" refType="w"/>
+      <dgm:constr type="h" for="ch" forName="childText" refType="primFontSz" refFor="ch" refForName="parentText" fact="0.46"/>
+      <dgm:constr type="h" for="ch" forName="parentText" op="equ"/>
+      <dgm:constr type="primFontSz" for="ch" forName="parentText" op="equ" val="65"/>
+      <dgm:constr type="primFontSz" for="ch" forName="childText" refType="primFontSz" refFor="ch" refForName="parentText" op="equ"/>
+      <dgm:constr type="h" for="ch" forName="spacer" refType="primFontSz" refFor="ch" refForName="parentText" fact="0.08"/>
+    </dgm:constrLst>
+    <dgm:ruleLst>
+      <dgm:rule type="primFontSz" for="ch" forName="parentText" val="5" fact="NaN" max="NaN"/>
+    </dgm:ruleLst>
+    <dgm:forEach name="Name0" axis="ch" ptType="node">
+      <dgm:layoutNode name="parentText" styleLbl="node1">
+        <dgm:varLst>
+          <dgm:chMax val="0"/>
+          <dgm:bulletEnabled val="1"/>
+        </dgm:varLst>
+        <dgm:alg type="tx">
+          <dgm:param type="parTxLTRAlign" val="l"/>
+          <dgm:param type="parTxRTLAlign" val="r"/>
+        </dgm:alg>
+        <dgm:shape xmlns:r="http://schemas.openxmlformats.org/officeDocument/2006/relationships" type="roundRect" r:blip="">
+          <dgm:adjLst/>
+        </dgm:shape>
+        <dgm:presOf axis="self"/>
+        <dgm:constrLst>
+          <dgm:constr type="tMarg" refType="primFontSz" fact="0.3"/>
+          <dgm:constr type="bMarg" refType="primFontSz" fact="0.3"/>
+          <dgm:constr type="lMarg" refType="primFontSz" fact="0.3"/>
+          <dgm:constr type="rMarg" refType="primFontSz" fact="0.3"/>
+        </dgm:constrLst>
+        <dgm:ruleLst>
+          <dgm:rule type="h" val="INF" fact="NaN" max="NaN"/>
+        </dgm:ruleLst>
+      </dgm:layoutNode>
+      <dgm:choose name="Name1">
+        <dgm:if name="Name2" axis="ch" ptType="node" func="cnt" op="gte" val="1">
+          <dgm:layoutNode name="childText" styleLbl="revTx">
+            <dgm:varLst>
+              <dgm:bulletEnabled val="1"/>
+            </dgm:varLst>
+            <dgm:alg type="tx">
+              <dgm:param type="stBulletLvl" val="1"/>
+              <dgm:param type="lnSpAfChP" val="20"/>
+            </dgm:alg>
+            <dgm:shape xmlns:r="http://schemas.openxmlformats.org/officeDocument/2006/relationships" type="rect" r:blip="">
+              <dgm:adjLst/>
+            </dgm:shape>
+            <dgm:presOf axis="des" ptType="node"/>
+            <dgm:constrLst>
+              <dgm:constr type="tMarg" refType="primFontSz" fact="0.1"/>
+              <dgm:constr type="bMarg" refType="primFontSz" fact="0.1"/>
+              <dgm:constr type="lMarg" refType="w" fact="0.09"/>
+            </dgm:constrLst>
+            <dgm:ruleLst>
+              <dgm:rule type="h" val="INF" fact="NaN" max="NaN"/>
+            </dgm:ruleLst>
+          </dgm:layoutNode>
+        </dgm:if>
+        <dgm:else name="Name3">
+          <dgm:choose name="Name4">
+            <dgm:if name="Name5" axis="par ch" ptType="doc node" func="cnt" op="gte" val="2">
+              <dgm:forEach name="Name6" axis="followSib" ptType="sibTrans" cnt="1">
+                <dgm:layoutNode name="spacer">
+                  <dgm:alg type="sp"/>
+                  <dgm:shape xmlns:r="http://schemas.openxmlformats.org/officeDocument/2006/relationships" r:blip="">
+                    <dgm:adjLst/>
+                  </dgm:shape>
+                  <dgm:presOf/>
+                  <dgm:constrLst/>
+                  <dgm:ruleLst/>
+                </dgm:layoutNode>
+              </dgm:forEach>
+            </dgm:if>
+            <dgm:else name="Name7"/>
+          </dgm:choose>
+        </dgm:else>
+      </dgm:choose>
+    </dgm:forEach>
+  </dgm:layoutNode>
+</dgm:layoutDef>
+</file>
+
+<file path=ppt/diagrams/quickStyle1.xml><?xml version="1.0" encoding="utf-8"?>
+<dgm:styleDef xmlns:dgm="http://schemas.openxmlformats.org/drawingml/2006/diagram" xmlns:a="http://schemas.openxmlformats.org/drawingml/2006/main" uniqueId="urn:microsoft.com/office/officeart/2005/8/quickstyle/simple1">
+  <dgm:title val=""/>
+  <dgm:desc val=""/>
+  <dgm:catLst>
+    <dgm:cat type="simple" pri="10100"/>
+  </dgm:catLst>
+  <dgm:scene3d>
+    <a:camera prst="orthographicFront"/>
+    <a:lightRig rig="threePt" dir="t"/>
+  </dgm:scene3d>
+  <dgm:styleLbl name="node0">
+    <dgm:scene3d>
+      <a:camera prst="orthographicFront"/>
+      <a:lightRig rig="threePt" dir="t"/>
+    </dgm:scene3d>
+    <dgm:sp3d/>
+    <dgm:txPr/>
+    <dgm:style>
+      <a:lnRef idx="2">
+        <a:scrgbClr r="0" g="0" b="0"/>
+      </a:lnRef>
+      <a:fillRef idx="1">
+        <a:scrgbClr r="0" g="0" b="0"/>
+      </a:fillRef>
+      <a:effectRef idx="0">
+        <a:scrgbClr r="0" g="0" b="0"/>
+      </a:effectRef>
+      <a:fontRef idx="minor">
+        <a:schemeClr val="lt1"/>
+      </a:fontRef>
+    </dgm:style>
+  </dgm:styleLbl>
+  <dgm:styleLbl name="lnNode1">
+    <dgm:scene3d>
+      <a:camera prst="orthographicFront"/>
+      <a:lightRig rig="threePt" dir="t"/>
+    </dgm:scene3d>
+    <dgm:sp3d/>
+    <dgm:txPr/>
+    <dgm:style>
+      <a:lnRef idx="2">
+        <a:scrgbClr r="0" g="0" b="0"/>
+      </a:lnRef>
+      <a:fillRef idx="1">
+        <a:scrgbClr r="0" g="0" b="0"/>
+      </a:fillRef>
+      <a:effectRef idx="0">
+        <a:scrgbClr r="0" g="0" b="0"/>
+      </a:effectRef>
+      <a:fontRef idx="minor">
+        <a:schemeClr val="lt1"/>
+      </a:fontRef>
+    </dgm:style>
+  </dgm:styleLbl>
+  <dgm:styleLbl name="vennNode1">
+    <dgm:scene3d>
+      <a:camera prst="orthographicFront"/>
+      <a:lightRig rig="threePt" dir="t"/>
+    </dgm:scene3d>
+    <dgm:sp3d/>
+    <dgm:txPr/>
+    <dgm:style>
+      <a:lnRef idx="2">
+        <a:scrgbClr r="0" g="0" b="0"/>
+      </a:lnRef>
+      <a:fillRef idx="1">
+        <a:scrgbClr r="0" g="0" b="0"/>
+      </a:fillRef>
+      <a:effectRef idx="0">
+        <a:scrgbClr r="0" g="0" b="0"/>
+      </a:effectRef>
+      <a:fontRef idx="minor">
+        <a:schemeClr val="tx1"/>
+      </a:fontRef>
+    </dgm:style>
+  </dgm:styleLbl>
+  <dgm:styleLbl name="alignNode1">
+    <dgm:scene3d>
+      <a:camera prst="orthographicFront"/>
+      <a:lightRig rig="threePt" dir="t"/>
+    </dgm:scene3d>
+    <dgm:sp3d/>
+    <dgm:txPr/>
+    <dgm:style>
+      <a:lnRef idx="2">
+        <a:scrgbClr r="0" g="0" b="0"/>
+      </a:lnRef>
+      <a:fillRef idx="1">
+        <a:scrgbClr r="0" g="0" b="0"/>
+      </a:fillRef>
+      <a:effectRef idx="0">
+        <a:scrgbClr r="0" g="0" b="0"/>
+      </a:effectRef>
+      <a:fontRef idx="minor">
+        <a:schemeClr val="lt1"/>
+      </a:fontRef>
+    </dgm:style>
+  </dgm:styleLbl>
+  <dgm:styleLbl name="node1">
+    <dgm:scene3d>
+      <a:camera prst="orthographicFront"/>
+      <a:lightRig rig="threePt" dir="t"/>
+    </dgm:scene3d>
+    <dgm:sp3d/>
+    <dgm:txPr/>
+    <dgm:style>
+      <a:lnRef idx="2">
+        <a:scrgbClr r="0" g="0" b="0"/>
+      </a:lnRef>
+      <a:fillRef idx="1">
+        <a:scrgbClr r="0" g="0" b="0"/>
+      </a:fillRef>
+      <a:effectRef idx="0">
+        <a:scrgbClr r="0" g="0" b="0"/>
+      </a:effectRef>
+      <a:fontRef idx="minor">
+        <a:schemeClr val="lt1"/>
+      </a:fontRef>
+    </dgm:style>
+  </dgm:styleLbl>
+  <dgm:styleLbl name="node2">
+    <dgm:scene3d>
+      <a:camera prst="orthographicFront"/>
+      <a:lightRig rig="threePt" dir="t"/>
+    </dgm:scene3d>
+    <dgm:sp3d/>
+    <dgm:txPr/>
+    <dgm:style>
+      <a:lnRef idx="2">
+        <a:scrgbClr r="0" g="0" b="0"/>
+      </a:lnRef>
+      <a:fillRef idx="1">
+        <a:scrgbClr r="0" g="0" b="0"/>
+      </a:fillRef>
+      <a:effectRef idx="0">
+        <a:scrgbClr r="0" g="0" b="0"/>
+      </a:effectRef>
+      <a:fontRef idx="minor">
+        <a:schemeClr val="lt1"/>
+      </a:fontRef>
+    </dgm:style>
+  </dgm:styleLbl>
+  <dgm:styleLbl name="node3">
+    <dgm:scene3d>
+      <a:camera prst="orthographicFront"/>
+      <a:lightRig rig="threePt" dir="t"/>
+    </dgm:scene3d>
+    <dgm:sp3d/>
+    <dgm:txPr/>
+    <dgm:style>
+      <a:lnRef idx="2">
+        <a:scrgbClr r="0" g="0" b="0"/>
+      </a:lnRef>
+      <a:fillRef idx="1">
+        <a:scrgbClr r="0" g="0" b="0"/>
+      </a:fillRef>
+      <a:effectRef idx="0">
+        <a:scrgbClr r="0" g="0" b="0"/>
+      </a:effectRef>
+      <a:fontRef idx="minor">
+        <a:schemeClr val="lt1"/>
+      </a:fontRef>
+    </dgm:style>
+  </dgm:styleLbl>
+  <dgm:styleLbl name="node4">
+    <dgm:scene3d>
+      <a:camera prst="orthographicFront"/>
+      <a:lightRig rig="threePt" dir="t"/>
+    </dgm:scene3d>
+    <dgm:sp3d/>
+    <dgm:txPr/>
+    <dgm:style>
+      <a:lnRef idx="2">
+        <a:scrgbClr r="0" g="0" b="0"/>
+      </a:lnRef>
+      <a:fillRef idx="1">
+        <a:scrgbClr r="0" g="0" b="0"/>
+      </a:fillRef>
+      <a:effectRef idx="0">
+        <a:scrgbClr r="0" g="0" b="0"/>
+      </a:effectRef>
+      <a:fontRef idx="minor">
+        <a:schemeClr val="lt1"/>
+      </a:fontRef>
+    </dgm:style>
+  </dgm:styleLbl>
+  <dgm:styleLbl name="fgImgPlace1">
+    <dgm:scene3d>
+      <a:camera prst="orthographicFront"/>
+      <a:lightRig rig="threePt" dir="t"/>
+    </dgm:scene3d>
+    <dgm:sp3d/>
+    <dgm:txPr/>
+    <dgm:style>
+      <a:lnRef idx="2">
+        <a:scrgbClr r="0" g="0" b="0"/>
+      </a:lnRef>
+      <a:fillRef idx="1">
+        <a:scrgbClr r="0" g="0" b="0"/>
+      </a:fillRef>
+      <a:effectRef idx="0">
+        <a:scrgbClr r="0" g="0" b="0"/>
+      </a:effectRef>
+      <a:fontRef idx="minor"/>
+    </dgm:style>
+  </dgm:styleLbl>
+  <dgm:styleLbl name="alignImgPlace1">
+    <dgm:scene3d>
+      <a:camera prst="orthographicFront"/>
+      <a:lightRig rig="threePt" dir="t"/>
+    </dgm:scene3d>
+    <dgm:sp3d/>
+    <dgm:txPr/>
+    <dgm:style>
+      <a:lnRef idx="2">
+        <a:scrgbClr r="0" g="0" b="0"/>
+      </a:lnRef>
+      <a:fillRef idx="1">
+        <a:scrgbClr r="0" g="0" b="0"/>
+      </a:fillRef>
+      <a:effectRef idx="0">
+        <a:scrgbClr r="0" g="0" b="0"/>
+      </a:effectRef>
+      <a:fontRef idx="minor"/>
+    </dgm:style>
+  </dgm:styleLbl>
+  <dgm:styleLbl name="bgImgPlace1">
+    <dgm:scene3d>
+      <a:camera prst="orthographicFront"/>
+      <a:lightRig rig="threePt" dir="t"/>
+    </dgm:scene3d>
+    <dgm:sp3d/>
+    <dgm:txPr/>
+    <dgm:style>
+      <a:lnRef idx="2">
+        <a:scrgbClr r="0" g="0" b="0"/>
+      </a:lnRef>
+      <a:fillRef idx="1">
+        <a:scrgbClr r="0" g="0" b="0"/>
+      </a:fillRef>
+      <a:effectRef idx="0">
+        <a:scrgbClr r="0" g="0" b="0"/>
+      </a:effectRef>
+      <a:fontRef idx="minor"/>
+    </dgm:style>
+  </dgm:styleLbl>
+  <dgm:styleLbl name="sibTrans2D1">
+    <dgm:scene3d>
+      <a:camera prst="orthographicFront"/>
+      <a:lightRig rig="threePt" dir="t"/>
+    </dgm:scene3d>
+    <dgm:sp3d/>
+    <dgm:txPr/>
+    <dgm:style>
+      <a:lnRef idx="0">
+        <a:scrgbClr r="0" g="0" b="0"/>
+      </a:lnRef>
+      <a:fillRef idx="1">
+        <a:scrgbClr r="0" g="0" b="0"/>
+      </a:fillRef>
+      <a:effectRef idx="0">
+        <a:scrgbClr r="0" g="0" b="0"/>
+      </a:effectRef>
+      <a:fontRef idx="minor">
+        <a:schemeClr val="lt1"/>
+      </a:fontRef>
+    </dgm:style>
+  </dgm:styleLbl>
+  <dgm:styleLbl name="fgSibTrans2D1">
+    <dgm:scene3d>
+      <a:camera prst="orthographicFront"/>
+      <a:lightRig rig="threePt" dir="t"/>
+    </dgm:scene3d>
+    <dgm:sp3d/>
+    <dgm:txPr/>
+    <dgm:style>
+      <a:lnRef idx="0">
+        <a:scrgbClr r="0" g="0" b="0"/>
+      </a:lnRef>
+      <a:fillRef idx="1">
+        <a:scrgbClr r="0" g="0" b="0"/>
+      </a:fillRef>
+      <a:effectRef idx="0">
+        <a:scrgbClr r="0" g="0" b="0"/>
+      </a:effectRef>
+      <a:fontRef idx="minor">
+        <a:schemeClr val="lt1"/>
+      </a:fontRef>
+    </dgm:style>
+  </dgm:styleLbl>
+  <dgm:styleLbl name="bgSibTrans2D1">
+    <dgm:scene3d>
+      <a:camera prst="orthographicFront"/>
+      <a:lightRig rig="threePt" dir="t"/>
+    </dgm:scene3d>
+    <dgm:sp3d/>
+    <dgm:txPr/>
+    <dgm:style>
+      <a:lnRef idx="0">
+        <a:scrgbClr r="0" g="0" b="0"/>
+      </a:lnRef>
+      <a:fillRef idx="1">
+        <a:scrgbClr r="0" g="0" b="0"/>
+      </a:fillRef>
+      <a:effectRef idx="0">
+        <a:scrgbClr r="0" g="0" b="0"/>
+      </a:effectRef>
+      <a:fontRef idx="minor">
+        <a:schemeClr val="lt1"/>
+      </a:fontRef>
+    </dgm:style>
+  </dgm:styleLbl>
+  <dgm:styleLbl name="sibTrans1D1">
+    <dgm:scene3d>
+      <a:camera prst="orthographicFront"/>
+      <a:lightRig rig="threePt" dir="t"/>
+    </dgm:scene3d>
+    <dgm:sp3d/>
+    <dgm:txPr/>
+    <dgm:style>
+      <a:lnRef idx="1">
+        <a:scrgbClr r="0" g="0" b="0"/>
+      </a:lnRef>
+      <a:fillRef idx="0">
+        <a:scrgbClr r="0" g="0" b="0"/>
+      </a:fillRef>
+      <a:effectRef idx="0">
+        <a:scrgbClr r="0" g="0" b="0"/>
+      </a:effectRef>
+      <a:fontRef idx="minor"/>
+    </dgm:style>
+  </dgm:styleLbl>
+  <dgm:styleLbl name="callout">
+    <dgm:scene3d>
+      <a:camera prst="orthographicFront"/>
+      <a:lightRig rig="threePt" dir="t"/>
+    </dgm:scene3d>
+    <dgm:sp3d/>
+    <dgm:txPr/>
+    <dgm:style>
+      <a:lnRef idx="2">
+        <a:scrgbClr r="0" g="0" b="0"/>
+      </a:lnRef>
+      <a:fillRef idx="1">
+        <a:scrgbClr r="0" g="0" b="0"/>
+      </a:fillRef>
+      <a:effectRef idx="0">
+        <a:scrgbClr r="0" g="0" b="0"/>
+      </a:effectRef>
+      <a:fontRef idx="minor"/>
+    </dgm:style>
+  </dgm:styleLbl>
+  <dgm:styleLbl name="asst0">
+    <dgm:scene3d>
+      <a:camera prst="orthographicFront"/>
+      <a:lightRig rig="threePt" dir="t"/>
+    </dgm:scene3d>
+    <dgm:sp3d/>
+    <dgm:txPr/>
+    <dgm:style>
+      <a:lnRef idx="2">
+        <a:scrgbClr r="0" g="0" b="0"/>
+      </a:lnRef>
+      <a:fillRef idx="1">
+        <a:scrgbClr r="0" g="0" b="0"/>
+      </a:fillRef>
+      <a:effectRef idx="0">
+        <a:scrgbClr r="0" g="0" b="0"/>
+      </a:effectRef>
+      <a:fontRef idx="minor">
+        <a:schemeClr val="lt1"/>
+      </a:fontRef>
+    </dgm:style>
+  </dgm:styleLbl>
+  <dgm:styleLbl name="asst1">
+    <dgm:scene3d>
+      <a:camera prst="orthographicFront"/>
+      <a:lightRig rig="threePt" dir="t"/>
+    </dgm:scene3d>
+    <dgm:sp3d/>
+    <dgm:txPr/>
+    <dgm:style>
+      <a:lnRef idx="2">
+        <a:scrgbClr r="0" g="0" b="0"/>
+      </a:lnRef>
+      <a:fillRef idx="1">
+        <a:scrgbClr r="0" g="0" b="0"/>
+      </a:fillRef>
+      <a:effectRef idx="0">
+        <a:scrgbClr r="0" g="0" b="0"/>
+      </a:effectRef>
+      <a:fontRef idx="minor">
+        <a:schemeClr val="lt1"/>
+      </a:fontRef>
+    </dgm:style>
+  </dgm:styleLbl>
+  <dgm:styleLbl name="asst2">
+    <dgm:scene3d>
+      <a:camera prst="orthographicFront"/>
+      <a:lightRig rig="threePt" dir="t"/>
+    </dgm:scene3d>
+    <dgm:sp3d/>
+    <dgm:txPr/>
+    <dgm:style>
+      <a:lnRef idx="2">
+        <a:scrgbClr r="0" g="0" b="0"/>
+      </a:lnRef>
+      <a:fillRef idx="1">
+        <a:scrgbClr r="0" g="0" b="0"/>
+      </a:fillRef>
+      <a:effectRef idx="0">
+        <a:scrgbClr r="0" g="0" b="0"/>
+      </a:effectRef>
+      <a:fontRef idx="minor">
+        <a:schemeClr val="lt1"/>
+      </a:fontRef>
+    </dgm:style>
+  </dgm:styleLbl>
+  <dgm:styleLbl name="asst3">
+    <dgm:scene3d>
+      <a:camera prst="orthographicFront"/>
+      <a:lightRig rig="threePt" dir="t"/>
+    </dgm:scene3d>
+    <dgm:sp3d/>
+    <dgm:txPr/>
+    <dgm:style>
+      <a:lnRef idx="2">
+        <a:scrgbClr r="0" g="0" b="0"/>
+      </a:lnRef>
+      <a:fillRef idx="1">
+        <a:scrgbClr r="0" g="0" b="0"/>
+      </a:fillRef>
+      <a:effectRef idx="0">
+        <a:scrgbClr r="0" g="0" b="0"/>
+      </a:effectRef>
+      <a:fontRef idx="minor">
+        <a:schemeClr val="lt1"/>
+      </a:fontRef>
+    </dgm:style>
+  </dgm:styleLbl>
+  <dgm:styleLbl name="asst4">
+    <dgm:scene3d>
+      <a:camera prst="orthographicFront"/>
+      <a:lightRig rig="threePt" dir="t"/>
+    </dgm:scene3d>
+    <dgm:sp3d/>
+    <dgm:txPr/>
+    <dgm:style>
+      <a:lnRef idx="2">
+        <a:scrgbClr r="0" g="0" b="0"/>
+      </a:lnRef>
+      <a:fillRef idx="1">
+        <a:scrgbClr r="0" g="0" b="0"/>
+      </a:fillRef>
+      <a:effectRef idx="0">
+        <a:scrgbClr r="0" g="0" b="0"/>
+      </a:effectRef>
+      <a:fontRef idx="minor">
+        <a:schemeClr val="lt1"/>
+      </a:fontRef>
+    </dgm:style>
+  </dgm:styleLbl>
+  <dgm:styleLbl name="parChTrans2D1">
+    <dgm:scene3d>
+      <a:camera prst="orthographicFront"/>
+      <a:lightRig rig="threePt" dir="t"/>
+    </dgm:scene3d>
+    <dgm:sp3d/>
+    <dgm:txPr/>
+    <dgm:style>
+      <a:lnRef idx="2">
+        <a:scrgbClr r="0" g="0" b="0"/>
+      </a:lnRef>
+      <a:fillRef idx="1">
+        <a:scrgbClr r="0" g="0" b="0"/>
+      </a:fillRef>
+      <a:effectRef idx="0">
+        <a:scrgbClr r="0" g="0" b="0"/>
+      </a:effectRef>
+      <a:fontRef idx="minor">
+        <a:schemeClr val="lt1"/>
+      </a:fontRef>
+    </dgm:style>
+  </dgm:styleLbl>
+  <dgm:styleLbl name="parChTrans2D2">
+    <dgm:scene3d>
+      <a:camera prst="orthographicFront"/>
+      <a:lightRig rig="threePt" dir="t"/>
+    </dgm:scene3d>
+    <dgm:sp3d/>
+    <dgm:txPr/>
+    <dgm:style>
+      <a:lnRef idx="2">
+        <a:scrgbClr r="0" g="0" b="0"/>
+      </a:lnRef>
+      <a:fillRef idx="1">
+        <a:scrgbClr r="0" g="0" b="0"/>
+      </a:fillRef>
+      <a:effectRef idx="0">
+        <a:scrgbClr r="0" g="0" b="0"/>
+      </a:effectRef>
+      <a:fontRef idx="minor">
+        <a:schemeClr val="lt1"/>
+      </a:fontRef>
+    </dgm:style>
+  </dgm:styleLbl>
+  <dgm:styleLbl name="parChTrans2D3">
+    <dgm:scene3d>
+      <a:camera prst="orthographicFront"/>
+      <a:lightRig rig="threePt" dir="t"/>
+    </dgm:scene3d>
+    <dgm:sp3d/>
+    <dgm:txPr/>
+    <dgm:style>
+      <a:lnRef idx="2">
+        <a:scrgbClr r="0" g="0" b="0"/>
+      </a:lnRef>
+      <a:fillRef idx="1">
+        <a:scrgbClr r="0" g="0" b="0"/>
+      </a:fillRef>
+      <a:effectRef idx="0">
+        <a:scrgbClr r="0" g="0" b="0"/>
+      </a:effectRef>
+      <a:fontRef idx="minor">
+        <a:schemeClr val="lt1"/>
+      </a:fontRef>
+    </dgm:style>
+  </dgm:styleLbl>
+  <dgm:styleLbl name="parChTrans2D4">
+    <dgm:scene3d>
+      <a:camera prst="orthographicFront"/>
+      <a:lightRig rig="threePt" dir="t"/>
+    </dgm:scene3d>
+    <dgm:sp3d/>
+    <dgm:txPr/>
+    <dgm:style>
+      <a:lnRef idx="2">
+        <a:scrgbClr r="0" g="0" b="0"/>
+      </a:lnRef>
+      <a:fillRef idx="1">
+        <a:scrgbClr r="0" g="0" b="0"/>
+      </a:fillRef>
+      <a:effectRef idx="0">
+        <a:scrgbClr r="0" g="0" b="0"/>
+      </a:effectRef>
+      <a:fontRef idx="minor">
+        <a:schemeClr val="lt1"/>
+      </a:fontRef>
+    </dgm:style>
+  </dgm:styleLbl>
+  <dgm:styleLbl name="parChTrans1D1">
+    <dgm:scene3d>
+      <a:camera prst="orthographicFront"/>
+      <a:lightRig rig="threePt" dir="t"/>
+    </dgm:scene3d>
+    <dgm:sp3d/>
+    <dgm:txPr/>
+    <dgm:style>
+      <a:lnRef idx="2">
+        <a:scrgbClr r="0" g="0" b="0"/>
+      </a:lnRef>
+      <a:fillRef idx="0">
+        <a:scrgbClr r="0" g="0" b="0"/>
+      </a:fillRef>
+      <a:effectRef idx="0">
+        <a:scrgbClr r="0" g="0" b="0"/>
+      </a:effectRef>
+      <a:fontRef idx="minor"/>
+    </dgm:style>
+  </dgm:styleLbl>
+  <dgm:styleLbl name="parChTrans1D2">
+    <dgm:scene3d>
+      <a:camera prst="orthographicFront"/>
+      <a:lightRig rig="threePt" dir="t"/>
+    </dgm:scene3d>
+    <dgm:sp3d/>
+    <dgm:txPr/>
+    <dgm:style>
+      <a:lnRef idx="2">
+        <a:scrgbClr r="0" g="0" b="0"/>
+      </a:lnRef>
+      <a:fillRef idx="0">
+        <a:scrgbClr r="0" g="0" b="0"/>
+      </a:fillRef>
+      <a:effectRef idx="0">
+        <a:scrgbClr r="0" g="0" b="0"/>
+      </a:effectRef>
+      <a:fontRef idx="minor"/>
+    </dgm:style>
+  </dgm:styleLbl>
+  <dgm:styleLbl name="parChTrans1D3">
+    <dgm:scene3d>
+      <a:camera prst="orthographicFront"/>
+      <a:lightRig rig="threePt" dir="t"/>
+    </dgm:scene3d>
+    <dgm:sp3d/>
+    <dgm:txPr/>
+    <dgm:style>
+      <a:lnRef idx="2">
+        <a:scrgbClr r="0" g="0" b="0"/>
+      </a:lnRef>
+      <a:fillRef idx="0">
+        <a:scrgbClr r="0" g="0" b="0"/>
+      </a:fillRef>
+      <a:effectRef idx="0">
+        <a:scrgbClr r="0" g="0" b="0"/>
+      </a:effectRef>
+      <a:fontRef idx="minor"/>
+    </dgm:style>
+  </dgm:styleLbl>
+  <dgm:styleLbl name="parChTrans1D4">
+    <dgm:scene3d>
+      <a:camera prst="orthographicFront"/>
+      <a:lightRig rig="threePt" dir="t"/>
+    </dgm:scene3d>
+    <dgm:sp3d/>
+    <dgm:txPr/>
+    <dgm:style>
+      <a:lnRef idx="2">
+        <a:scrgbClr r="0" g="0" b="0"/>
+      </a:lnRef>
+      <a:fillRef idx="0">
+        <a:scrgbClr r="0" g="0" b="0"/>
+      </a:fillRef>
+      <a:effectRef idx="0">
+        <a:scrgbClr r="0" g="0" b="0"/>
+      </a:effectRef>
+      <a:fontRef idx="minor"/>
+    </dgm:style>
+  </dgm:styleLbl>
+  <dgm:styleLbl name="fgAcc1">
+    <dgm:scene3d>
+      <a:camera prst="orthographicFront"/>
+      <a:lightRig rig="threePt" dir="t"/>
+    </dgm:scene3d>
+    <dgm:sp3d/>
+    <dgm:txPr/>
+    <dgm:style>
+      <a:lnRef idx="2">
+        <a:scrgbClr r="0" g="0" b="0"/>
+      </a:lnRef>
+      <a:fillRef idx="1">
+        <a:scrgbClr r="0" g="0" b="0"/>
+      </a:fillRef>
+      <a:effectRef idx="0">
+        <a:scrgbClr r="0" g="0" b="0"/>
+      </a:effectRef>
+      <a:fontRef idx="minor"/>
+    </dgm:style>
+  </dgm:styleLbl>
+  <dgm:styleLbl name="conFgAcc1">
+    <dgm:scene3d>
+      <a:camera prst="orthographicFront"/>
+      <a:lightRig rig="threePt" dir="t"/>
+    </dgm:scene3d>
+    <dgm:sp3d/>
+    <dgm:txPr/>
+    <dgm:style>
+      <a:lnRef idx="2">
+        <a:scrgbClr r="0" g="0" b="0"/>
+      </a:lnRef>
+      <a:fillRef idx="1">
+        <a:scrgbClr r="0" g="0" b="0"/>
+      </a:fillRef>
+      <a:effectRef idx="0">
+        <a:scrgbClr r="0" g="0" b="0"/>
+      </a:effectRef>
+      <a:fontRef idx="minor"/>
+    </dgm:style>
+  </dgm:styleLbl>
+  <dgm:styleLbl name="alignAcc1">
+    <dgm:scene3d>
+      <a:camera prst="orthographicFront"/>
+      <a:lightRig rig="threePt" dir="t"/>
+    </dgm:scene3d>
+    <dgm:sp3d/>
+    <dgm:txPr/>
+    <dgm:style>
+      <a:lnRef idx="2">
+        <a:scrgbClr r="0" g="0" b="0"/>
+      </a:lnRef>
+      <a:fillRef idx="1">
+        <a:scrgbClr r="0" g="0" b="0"/>
+      </a:fillRef>
+      <a:effectRef idx="0">
+        <a:scrgbClr r="0" g="0" b="0"/>
+      </a:effectRef>
+      <a:fontRef idx="minor"/>
+    </dgm:style>
+  </dgm:styleLbl>
+  <dgm:styleLbl name="trAlignAcc1">
+    <dgm:scene3d>
+      <a:camera prst="orthographicFront"/>
+      <a:lightRig rig="threePt" dir="t"/>
+    </dgm:scene3d>
+    <dgm:sp3d/>
+    <dgm:txPr/>
+    <dgm:style>
+      <a:lnRef idx="1">
+        <a:scrgbClr r="0" g="0" b="0"/>
+      </a:lnRef>
+      <a:fillRef idx="1">
+        <a:scrgbClr r="0" g="0" b="0"/>
+      </a:fillRef>
+      <a:effectRef idx="0">
+        <a:scrgbClr r="0" g="0" b="0"/>
+      </a:effectRef>
+      <a:fontRef idx="minor"/>
+    </dgm:style>
+  </dgm:styleLbl>
+  <dgm:styleLbl name="bgAcc1">
+    <dgm:scene3d>
+      <a:camera prst="orthographicFront"/>
+      <a:lightRig rig="threePt" dir="t"/>
+    </dgm:scene3d>
+    <dgm:sp3d/>
+    <dgm:txPr/>
+    <dgm:style>
+      <a:lnRef idx="2">
+        <a:scrgbClr r="0" g="0" b="0"/>
+      </a:lnRef>
+      <a:fillRef idx="1">
+        <a:scrgbClr r="0" g="0" b="0"/>
+      </a:fillRef>
+      <a:effectRef idx="0">
+        <a:scrgbClr r="0" g="0" b="0"/>
+      </a:effectRef>
+      <a:fontRef idx="minor"/>
+    </dgm:style>
+  </dgm:styleLbl>
+  <dgm:styleLbl name="solidFgAcc1">
+    <dgm:scene3d>
+      <a:camera prst="orthographicFront"/>
+      <a:lightRig rig="threePt" dir="t"/>
+    </dgm:scene3d>
+    <dgm:sp3d/>
+    <dgm:txPr/>
+    <dgm:style>
+      <a:lnRef idx="2">
+        <a:scrgbClr r="0" g="0" b="0"/>
+      </a:lnRef>
+      <a:fillRef idx="1">
+        <a:scrgbClr r="0" g="0" b="0"/>
+      </a:fillRef>
+      <a:effectRef idx="0">
+        <a:scrgbClr r="0" g="0" b="0"/>
+      </a:effectRef>
+      <a:fontRef idx="minor"/>
+    </dgm:style>
+  </dgm:styleLbl>
+  <dgm:styleLbl name="solidAlignAcc1">
+    <dgm:scene3d>
+      <a:camera prst="orthographicFront"/>
+      <a:lightRig rig="threePt" dir="t"/>
+    </dgm:scene3d>
+    <dgm:sp3d/>
+    <dgm:txPr/>
+    <dgm:style>
+      <a:lnRef idx="2">
+        <a:scrgbClr r="0" g="0" b="0"/>
+      </a:lnRef>
+      <a:fillRef idx="1">
+        <a:scrgbClr r="0" g="0" b="0"/>
+      </a:fillRef>
+      <a:effectRef idx="0">
+        <a:scrgbClr r="0" g="0" b="0"/>
+      </a:effectRef>
+      <a:fontRef idx="minor"/>
+    </dgm:style>
+  </dgm:styleLbl>
+  <dgm:styleLbl name="solidBgAcc1">
+    <dgm:scene3d>
+      <a:camera prst="orthographicFront"/>
+      <a:lightRig rig="threePt" dir="t"/>
+    </dgm:scene3d>
+    <dgm:sp3d/>
+    <dgm:txPr/>
+    <dgm:style>
+      <a:lnRef idx="2">
+        <a:scrgbClr r="0" g="0" b="0"/>
+      </a:lnRef>
+      <a:fillRef idx="1">
+        <a:scrgbClr r="0" g="0" b="0"/>
+      </a:fillRef>
+      <a:effectRef idx="0">
+        <a:scrgbClr r="0" g="0" b="0"/>
+      </a:effectRef>
+      <a:fontRef idx="minor"/>
+    </dgm:style>
+  </dgm:styleLbl>
+  <dgm:styleLbl name="fgAccFollowNode1">
+    <dgm:scene3d>
+      <a:camera prst="orthographicFront"/>
+      <a:lightRig rig="threePt" dir="t"/>
+    </dgm:scene3d>
+    <dgm:sp3d/>
+    <dgm:txPr/>
+    <dgm:style>
+      <a:lnRef idx="2">
+        <a:scrgbClr r="0" g="0" b="0"/>
+      </a:lnRef>
+      <a:fillRef idx="1">
+        <a:scrgbClr r="0" g="0" b="0"/>
+      </a:fillRef>
+      <a:effectRef idx="0">
+        <a:scrgbClr r="0" g="0" b="0"/>
+      </a:effectRef>
+      <a:fontRef idx="minor"/>
+    </dgm:style>
+  </dgm:styleLbl>
+  <dgm:styleLbl name="alignAccFollowNode1">
+    <dgm:scene3d>
+      <a:camera prst="orthographicFront"/>
+      <a:lightRig rig="threePt" dir="t"/>
+    </dgm:scene3d>
+    <dgm:sp3d/>
+    <dgm:txPr/>
+    <dgm:style>
+      <a:lnRef idx="2">
+        <a:scrgbClr r="0" g="0" b="0"/>
+      </a:lnRef>
+      <a:fillRef idx="1">
+        <a:scrgbClr r="0" g="0" b="0"/>
+      </a:fillRef>
+      <a:effectRef idx="0">
+        <a:scrgbClr r="0" g="0" b="0"/>
+      </a:effectRef>
+      <a:fontRef idx="minor"/>
+    </dgm:style>
+  </dgm:styleLbl>
+  <dgm:styleLbl name="bgAccFollowNode1">
+    <dgm:scene3d>
+      <a:camera prst="orthographicFront"/>
+      <a:lightRig rig="threePt" dir="t"/>
+    </dgm:scene3d>
+    <dgm:sp3d/>
+    <dgm:txPr/>
+    <dgm:style>
+      <a:lnRef idx="2">
+        <a:scrgbClr r="0" g="0" b="0"/>
+      </a:lnRef>
+      <a:fillRef idx="1">
+        <a:scrgbClr r="0" g="0" b="0"/>
+      </a:fillRef>
+      <a:effectRef idx="0">
+        <a:scrgbClr r="0" g="0" b="0"/>
+      </a:effectRef>
+      <a:fontRef idx="minor"/>
+    </dgm:style>
+  </dgm:styleLbl>
+  <dgm:styleLbl name="fgAcc0">
+    <dgm:scene3d>
+      <a:camera prst="orthographicFront"/>
+      <a:lightRig rig="threePt" dir="t"/>
+    </dgm:scene3d>
+    <dgm:sp3d/>
+    <dgm:txPr/>
+    <dgm:style>
+      <a:lnRef idx="2">
+        <a:scrgbClr r="0" g="0" b="0"/>
+      </a:lnRef>
+      <a:fillRef idx="1">
+        <a:scrgbClr r="0" g="0" b="0"/>
+      </a:fillRef>
+      <a:effectRef idx="0">
+        <a:scrgbClr r="0" g="0" b="0"/>
+      </a:effectRef>
+      <a:fontRef idx="minor"/>
+    </dgm:style>
+  </dgm:styleLbl>
+  <dgm:styleLbl name="fgAcc2">
+    <dgm:scene3d>
+      <a:camera prst="orthographicFront"/>
+      <a:lightRig rig="threePt" dir="t"/>
+    </dgm:scene3d>
+    <dgm:sp3d/>
+    <dgm:txPr/>
+    <dgm:style>
+      <a:lnRef idx="2">
+        <a:scrgbClr r="0" g="0" b="0"/>
+      </a:lnRef>
+      <a:fillRef idx="1">
+        <a:scrgbClr r="0" g="0" b="0"/>
+      </a:fillRef>
+      <a:effectRef idx="0">
+        <a:scrgbClr r="0" g="0" b="0"/>
+      </a:effectRef>
+      <a:fontRef idx="minor"/>
+    </dgm:style>
+  </dgm:styleLbl>
+  <dgm:styleLbl name="fgAcc3">
+    <dgm:scene3d>
+      <a:camera prst="orthographicFront"/>
+      <a:lightRig rig="threePt" dir="t"/>
+    </dgm:scene3d>
+    <dgm:sp3d/>
+    <dgm:txPr/>
+    <dgm:style>
+      <a:lnRef idx="2">
+        <a:scrgbClr r="0" g="0" b="0"/>
+      </a:lnRef>
+      <a:fillRef idx="1">
+        <a:scrgbClr r="0" g="0" b="0"/>
+      </a:fillRef>
+      <a:effectRef idx="0">
+        <a:scrgbClr r="0" g="0" b="0"/>
+      </a:effectRef>
+      <a:fontRef idx="minor"/>
+    </dgm:style>
+  </dgm:styleLbl>
+  <dgm:styleLbl name="fgAcc4">
+    <dgm:scene3d>
+      <a:camera prst="orthographicFront"/>
+      <a:lightRig rig="threePt" dir="t"/>
+    </dgm:scene3d>
+    <dgm:sp3d/>
+    <dgm:txPr/>
+    <dgm:style>
+      <a:lnRef idx="2">
+        <a:scrgbClr r="0" g="0" b="0"/>
+      </a:lnRef>
+      <a:fillRef idx="1">
+        <a:scrgbClr r="0" g="0" b="0"/>
+      </a:fillRef>
+      <a:effectRef idx="0">
+        <a:scrgbClr r="0" g="0" b="0"/>
+      </a:effectRef>
+      <a:fontRef idx="minor"/>
+    </dgm:style>
+  </dgm:styleLbl>
+  <dgm:styleLbl name="bgShp">
+    <dgm:scene3d>
+      <a:camera prst="orthographicFront"/>
+      <a:lightRig rig="threePt" dir="t"/>
+    </dgm:scene3d>
+    <dgm:sp3d/>
+    <dgm:txPr/>
+    <dgm:style>
+      <a:lnRef idx="0">
+        <a:scrgbClr r="0" g="0" b="0"/>
+      </a:lnRef>
+      <a:fillRef idx="1">
+        <a:scrgbClr r="0" g="0" b="0"/>
+      </a:fillRef>
+      <a:effectRef idx="0">
+        <a:scrgbClr r="0" g="0" b="0"/>
+      </a:effectRef>
+      <a:fontRef idx="minor"/>
+    </dgm:style>
+  </dgm:styleLbl>
+  <dgm:styleLbl name="dkBgShp">
+    <dgm:scene3d>
+      <a:camera prst="orthographicFront"/>
+      <a:lightRig rig="threePt" dir="t"/>
+    </dgm:scene3d>
+    <dgm:sp3d/>
+    <dgm:txPr/>
+    <dgm:style>
+      <a:lnRef idx="0">
+        <a:scrgbClr r="0" g="0" b="0"/>
+      </a:lnRef>
+      <a:fillRef idx="1">
+        <a:scrgbClr r="0" g="0" b="0"/>
+      </a:fillRef>
+      <a:effectRef idx="0">
+        <a:scrgbClr r="0" g="0" b="0"/>
+      </a:effectRef>
+      <a:fontRef idx="minor"/>
+    </dgm:style>
+  </dgm:styleLbl>
+  <dgm:styleLbl name="trBgShp">
+    <dgm:scene3d>
+      <a:camera prst="orthographicFront"/>
+      <a:lightRig rig="threePt" dir="t"/>
+    </dgm:scene3d>
+    <dgm:sp3d/>
+    <dgm:txPr/>
+    <dgm:style>
+      <a:lnRef idx="0">
+        <a:scrgbClr r="0" g="0" b="0"/>
+      </a:lnRef>
+      <a:fillRef idx="1">
+        <a:scrgbClr r="0" g="0" b="0"/>
+      </a:fillRef>
+      <a:effectRef idx="0">
+        <a:scrgbClr r="0" g="0" b="0"/>
+      </a:effectRef>
+      <a:fontRef idx="minor"/>
+    </dgm:style>
+  </dgm:styleLbl>
+  <dgm:styleLbl name="fgShp">
+    <dgm:scene3d>
+      <a:camera prst="orthographicFront"/>
+      <a:lightRig rig="threePt" dir="t"/>
+    </dgm:scene3d>
+    <dgm:sp3d/>
+    <dgm:txPr/>
+    <dgm:style>
+      <a:lnRef idx="2">
+        <a:scrgbClr r="0" g="0" b="0"/>
+      </a:lnRef>
+      <a:fillRef idx="1">
+        <a:scrgbClr r="0" g="0" b="0"/>
+      </a:fillRef>
+      <a:effectRef idx="0">
+        <a:scrgbClr r="0" g="0" b="0"/>
+      </a:effectRef>
+      <a:fontRef idx="minor"/>
+    </dgm:style>
+  </dgm:styleLbl>
+  <dgm:styleLbl name="revTx">
+    <dgm:scene3d>
+      <a:camera prst="orthographicFront"/>
+      <a:lightRig rig="threePt" dir="t"/>
+    </dgm:scene3d>
+    <dgm:sp3d/>
+    <dgm:txPr/>
+    <dgm:style>
+      <a:lnRef idx="0">
+        <a:scrgbClr r="0" g="0" b="0"/>
+      </a:lnRef>
+      <a:fillRef idx="0">
+        <a:scrgbClr r="0" g="0" b="0"/>
+      </a:fillRef>
+      <a:effectRef idx="0">
+        <a:scrgbClr r="0" g="0" b="0"/>
+      </a:effectRef>
+      <a:fontRef idx="minor"/>
+    </dgm:style>
+  </dgm:styleLbl>
+</dgm:styleDef>
 </file>
 
 <file path=ppt/slideLayouts/slideLayout1.xml><?xml version="1.0" encoding="utf-8"?>
@@ -135,13 +2906,7 @@
       </p:grpSpPr>
       <p:sp>
         <p:nvSpPr>
-          <p:cNvPr id="2" name="Title 1">
-            <a:extLst>
-              <a:ext uri="{FF2B5EF4-FFF2-40B4-BE49-F238E27FC236}">
-                <a16:creationId xmlns:a16="http://schemas.microsoft.com/office/drawing/2014/main" id="{BA42C3CA-4F60-5E4D-9CF8-58F0D977C6F5}"/>
-              </a:ext>
-            </a:extLst>
-          </p:cNvPr>
+          <p:cNvPr id="2" name="Title 1"/>
           <p:cNvSpPr>
             <a:spLocks noGrp="1"/>
           </p:cNvSpPr>
@@ -167,18 +2932,13 @@
               <a:rPr lang="en-US"/>
               <a:t>Click to edit Master title style</a:t>
             </a:r>
+            <a:endParaRPr lang="en-US" dirty="0"/>
           </a:p>
         </p:txBody>
       </p:sp>
       <p:sp>
         <p:nvSpPr>
-          <p:cNvPr id="3" name="Subtitle 2">
-            <a:extLst>
-              <a:ext uri="{FF2B5EF4-FFF2-40B4-BE49-F238E27FC236}">
-                <a16:creationId xmlns:a16="http://schemas.microsoft.com/office/drawing/2014/main" id="{992D4BEB-B22F-2546-8771-987E1DC3835A}"/>
-              </a:ext>
-            </a:extLst>
-          </p:cNvPr>
+          <p:cNvPr id="3" name="Subtitle 2"/>
           <p:cNvSpPr>
             <a:spLocks noGrp="1"/>
           </p:cNvSpPr>
@@ -237,18 +2997,13 @@
               <a:rPr lang="en-US"/>
               <a:t>Click to edit Master subtitle style</a:t>
             </a:r>
+            <a:endParaRPr lang="en-US" dirty="0"/>
           </a:p>
         </p:txBody>
       </p:sp>
       <p:sp>
         <p:nvSpPr>
-          <p:cNvPr id="4" name="Date Placeholder 3">
-            <a:extLst>
-              <a:ext uri="{FF2B5EF4-FFF2-40B4-BE49-F238E27FC236}">
-                <a16:creationId xmlns:a16="http://schemas.microsoft.com/office/drawing/2014/main" id="{876F7BAD-692F-DA40-AA5D-0E01D4FFD15E}"/>
-              </a:ext>
-            </a:extLst>
-          </p:cNvPr>
+          <p:cNvPr id="4" name="Date Placeholder 3"/>
           <p:cNvSpPr>
             <a:spLocks noGrp="1"/>
           </p:cNvSpPr>
@@ -263,7 +3018,7 @@
           <a:p>
             <a:fld id="{F60D846A-99BF-D342-A2D3-5C48BDF7DAD4}" type="datetimeFigureOut">
               <a:rPr lang="en-US" smtClean="0"/>
-              <a:t>1/3/19</a:t>
+              <a:t>1/25/19</a:t>
             </a:fld>
             <a:endParaRPr lang="en-US"/>
           </a:p>
@@ -271,13 +3026,7 @@
       </p:sp>
       <p:sp>
         <p:nvSpPr>
-          <p:cNvPr id="5" name="Footer Placeholder 4">
-            <a:extLst>
-              <a:ext uri="{FF2B5EF4-FFF2-40B4-BE49-F238E27FC236}">
-                <a16:creationId xmlns:a16="http://schemas.microsoft.com/office/drawing/2014/main" id="{57F9FC09-AC22-F045-8D27-DE2A092E3E39}"/>
-              </a:ext>
-            </a:extLst>
-          </p:cNvPr>
+          <p:cNvPr id="5" name="Footer Placeholder 4"/>
           <p:cNvSpPr>
             <a:spLocks noGrp="1"/>
           </p:cNvSpPr>
@@ -296,13 +3045,7 @@
       </p:sp>
       <p:sp>
         <p:nvSpPr>
-          <p:cNvPr id="6" name="Slide Number Placeholder 5">
-            <a:extLst>
-              <a:ext uri="{FF2B5EF4-FFF2-40B4-BE49-F238E27FC236}">
-                <a16:creationId xmlns:a16="http://schemas.microsoft.com/office/drawing/2014/main" id="{86007DA9-0747-8848-A25F-67686584B9FE}"/>
-              </a:ext>
-            </a:extLst>
-          </p:cNvPr>
+          <p:cNvPr id="6" name="Slide Number Placeholder 5"/>
           <p:cNvSpPr>
             <a:spLocks noGrp="1"/>
           </p:cNvSpPr>
@@ -326,7 +3069,7 @@
     </p:spTree>
     <p:extLst>
       <p:ext uri="{BB962C8B-B14F-4D97-AF65-F5344CB8AC3E}">
-        <p14:creationId xmlns:p14="http://schemas.microsoft.com/office/powerpoint/2010/main" val="95153669"/>
+        <p14:creationId xmlns:p14="http://schemas.microsoft.com/office/powerpoint/2010/main" val="857201307"/>
       </p:ext>
     </p:extLst>
   </p:cSld>
@@ -355,13 +3098,7 @@
       </p:grpSpPr>
       <p:sp>
         <p:nvSpPr>
-          <p:cNvPr id="2" name="Title 1">
-            <a:extLst>
-              <a:ext uri="{FF2B5EF4-FFF2-40B4-BE49-F238E27FC236}">
-                <a16:creationId xmlns:a16="http://schemas.microsoft.com/office/drawing/2014/main" id="{F38C8140-C9CD-EE44-A3B9-9F9964026607}"/>
-              </a:ext>
-            </a:extLst>
-          </p:cNvPr>
+          <p:cNvPr id="2" name="Title 1"/>
           <p:cNvSpPr>
             <a:spLocks noGrp="1"/>
           </p:cNvSpPr>
@@ -378,18 +3115,13 @@
               <a:rPr lang="en-US"/>
               <a:t>Click to edit Master title style</a:t>
             </a:r>
+            <a:endParaRPr lang="en-US" dirty="0"/>
           </a:p>
         </p:txBody>
       </p:sp>
       <p:sp>
         <p:nvSpPr>
-          <p:cNvPr id="3" name="Vertical Text Placeholder 2">
-            <a:extLst>
-              <a:ext uri="{FF2B5EF4-FFF2-40B4-BE49-F238E27FC236}">
-                <a16:creationId xmlns:a16="http://schemas.microsoft.com/office/drawing/2014/main" id="{FFABF297-9FD9-D543-A346-A90D206CFFB3}"/>
-              </a:ext>
-            </a:extLst>
-          </p:cNvPr>
+          <p:cNvPr id="3" name="Vertical Text Placeholder 2"/>
           <p:cNvSpPr>
             <a:spLocks noGrp="1"/>
           </p:cNvSpPr>
@@ -435,18 +3167,13 @@
               <a:rPr lang="en-US"/>
               <a:t>Fifth level</a:t>
             </a:r>
+            <a:endParaRPr lang="en-US" dirty="0"/>
           </a:p>
         </p:txBody>
       </p:sp>
       <p:sp>
         <p:nvSpPr>
-          <p:cNvPr id="4" name="Date Placeholder 3">
-            <a:extLst>
-              <a:ext uri="{FF2B5EF4-FFF2-40B4-BE49-F238E27FC236}">
-                <a16:creationId xmlns:a16="http://schemas.microsoft.com/office/drawing/2014/main" id="{CDF33E0F-9E50-7843-9BDA-98F64A195F6B}"/>
-              </a:ext>
-            </a:extLst>
-          </p:cNvPr>
+          <p:cNvPr id="4" name="Date Placeholder 3"/>
           <p:cNvSpPr>
             <a:spLocks noGrp="1"/>
           </p:cNvSpPr>
@@ -461,7 +3188,7 @@
           <a:p>
             <a:fld id="{F60D846A-99BF-D342-A2D3-5C48BDF7DAD4}" type="datetimeFigureOut">
               <a:rPr lang="en-US" smtClean="0"/>
-              <a:t>1/3/19</a:t>
+              <a:t>1/25/19</a:t>
             </a:fld>
             <a:endParaRPr lang="en-US"/>
           </a:p>
@@ -469,13 +3196,7 @@
       </p:sp>
       <p:sp>
         <p:nvSpPr>
-          <p:cNvPr id="5" name="Footer Placeholder 4">
-            <a:extLst>
-              <a:ext uri="{FF2B5EF4-FFF2-40B4-BE49-F238E27FC236}">
-                <a16:creationId xmlns:a16="http://schemas.microsoft.com/office/drawing/2014/main" id="{F607D2D1-8A7A-0D4E-8592-A4DE1C358BC2}"/>
-              </a:ext>
-            </a:extLst>
-          </p:cNvPr>
+          <p:cNvPr id="5" name="Footer Placeholder 4"/>
           <p:cNvSpPr>
             <a:spLocks noGrp="1"/>
           </p:cNvSpPr>
@@ -494,13 +3215,7 @@
       </p:sp>
       <p:sp>
         <p:nvSpPr>
-          <p:cNvPr id="6" name="Slide Number Placeholder 5">
-            <a:extLst>
-              <a:ext uri="{FF2B5EF4-FFF2-40B4-BE49-F238E27FC236}">
-                <a16:creationId xmlns:a16="http://schemas.microsoft.com/office/drawing/2014/main" id="{B228BD1D-2AA8-E44B-8594-A5D3D2663153}"/>
-              </a:ext>
-            </a:extLst>
-          </p:cNvPr>
+          <p:cNvPr id="6" name="Slide Number Placeholder 5"/>
           <p:cNvSpPr>
             <a:spLocks noGrp="1"/>
           </p:cNvSpPr>
@@ -524,7 +3239,7 @@
     </p:spTree>
     <p:extLst>
       <p:ext uri="{BB962C8B-B14F-4D97-AF65-F5344CB8AC3E}">
-        <p14:creationId xmlns:p14="http://schemas.microsoft.com/office/powerpoint/2010/main" val="1213399437"/>
+        <p14:creationId xmlns:p14="http://schemas.microsoft.com/office/powerpoint/2010/main" val="2461942658"/>
       </p:ext>
     </p:extLst>
   </p:cSld>
@@ -553,13 +3268,7 @@
       </p:grpSpPr>
       <p:sp>
         <p:nvSpPr>
-          <p:cNvPr id="2" name="Vertical Title 1">
-            <a:extLst>
-              <a:ext uri="{FF2B5EF4-FFF2-40B4-BE49-F238E27FC236}">
-                <a16:creationId xmlns:a16="http://schemas.microsoft.com/office/drawing/2014/main" id="{395B56FB-6DE2-D74C-81BB-D9C4F55EDB01}"/>
-              </a:ext>
-            </a:extLst>
-          </p:cNvPr>
+          <p:cNvPr id="2" name="Vertical Title 1"/>
           <p:cNvSpPr>
             <a:spLocks noGrp="1"/>
           </p:cNvSpPr>
@@ -581,18 +3290,13 @@
               <a:rPr lang="en-US"/>
               <a:t>Click to edit Master title style</a:t>
             </a:r>
+            <a:endParaRPr lang="en-US" dirty="0"/>
           </a:p>
         </p:txBody>
       </p:sp>
       <p:sp>
         <p:nvSpPr>
-          <p:cNvPr id="3" name="Vertical Text Placeholder 2">
-            <a:extLst>
-              <a:ext uri="{FF2B5EF4-FFF2-40B4-BE49-F238E27FC236}">
-                <a16:creationId xmlns:a16="http://schemas.microsoft.com/office/drawing/2014/main" id="{A4025A6D-9184-9E45-B96D-4B028EE526CC}"/>
-              </a:ext>
-            </a:extLst>
-          </p:cNvPr>
+          <p:cNvPr id="3" name="Vertical Text Placeholder 2"/>
           <p:cNvSpPr>
             <a:spLocks noGrp="1"/>
           </p:cNvSpPr>
@@ -643,18 +3347,13 @@
               <a:rPr lang="en-US"/>
               <a:t>Fifth level</a:t>
             </a:r>
+            <a:endParaRPr lang="en-US" dirty="0"/>
           </a:p>
         </p:txBody>
       </p:sp>
       <p:sp>
         <p:nvSpPr>
-          <p:cNvPr id="4" name="Date Placeholder 3">
-            <a:extLst>
-              <a:ext uri="{FF2B5EF4-FFF2-40B4-BE49-F238E27FC236}">
-                <a16:creationId xmlns:a16="http://schemas.microsoft.com/office/drawing/2014/main" id="{1AB0470A-D107-3541-BFA5-31965D7F86B5}"/>
-              </a:ext>
-            </a:extLst>
-          </p:cNvPr>
+          <p:cNvPr id="4" name="Date Placeholder 3"/>
           <p:cNvSpPr>
             <a:spLocks noGrp="1"/>
           </p:cNvSpPr>
@@ -669,7 +3368,7 @@
           <a:p>
             <a:fld id="{F60D846A-99BF-D342-A2D3-5C48BDF7DAD4}" type="datetimeFigureOut">
               <a:rPr lang="en-US" smtClean="0"/>
-              <a:t>1/3/19</a:t>
+              <a:t>1/25/19</a:t>
             </a:fld>
             <a:endParaRPr lang="en-US"/>
           </a:p>
@@ -677,13 +3376,7 @@
       </p:sp>
       <p:sp>
         <p:nvSpPr>
-          <p:cNvPr id="5" name="Footer Placeholder 4">
-            <a:extLst>
-              <a:ext uri="{FF2B5EF4-FFF2-40B4-BE49-F238E27FC236}">
-                <a16:creationId xmlns:a16="http://schemas.microsoft.com/office/drawing/2014/main" id="{6E9194B5-67CD-3144-B6C0-81E9D617141D}"/>
-              </a:ext>
-            </a:extLst>
-          </p:cNvPr>
+          <p:cNvPr id="5" name="Footer Placeholder 4"/>
           <p:cNvSpPr>
             <a:spLocks noGrp="1"/>
           </p:cNvSpPr>
@@ -702,13 +3395,7 @@
       </p:sp>
       <p:sp>
         <p:nvSpPr>
-          <p:cNvPr id="6" name="Slide Number Placeholder 5">
-            <a:extLst>
-              <a:ext uri="{FF2B5EF4-FFF2-40B4-BE49-F238E27FC236}">
-                <a16:creationId xmlns:a16="http://schemas.microsoft.com/office/drawing/2014/main" id="{AFB37D90-8F1F-4048-BB2C-22E1D1F71227}"/>
-              </a:ext>
-            </a:extLst>
-          </p:cNvPr>
+          <p:cNvPr id="6" name="Slide Number Placeholder 5"/>
           <p:cNvSpPr>
             <a:spLocks noGrp="1"/>
           </p:cNvSpPr>
@@ -732,7 +3419,7 @@
     </p:spTree>
     <p:extLst>
       <p:ext uri="{BB962C8B-B14F-4D97-AF65-F5344CB8AC3E}">
-        <p14:creationId xmlns:p14="http://schemas.microsoft.com/office/powerpoint/2010/main" val="1025749942"/>
+        <p14:creationId xmlns:p14="http://schemas.microsoft.com/office/powerpoint/2010/main" val="2117824959"/>
       </p:ext>
     </p:extLst>
   </p:cSld>
@@ -761,13 +3448,7 @@
       </p:grpSpPr>
       <p:sp>
         <p:nvSpPr>
-          <p:cNvPr id="2" name="Title 1">
-            <a:extLst>
-              <a:ext uri="{FF2B5EF4-FFF2-40B4-BE49-F238E27FC236}">
-                <a16:creationId xmlns:a16="http://schemas.microsoft.com/office/drawing/2014/main" id="{0AEF8868-7A49-2342-98C1-19C2EA0315F4}"/>
-              </a:ext>
-            </a:extLst>
-          </p:cNvPr>
+          <p:cNvPr id="2" name="Title 1"/>
           <p:cNvSpPr>
             <a:spLocks noGrp="1"/>
           </p:cNvSpPr>
@@ -784,18 +3465,13 @@
               <a:rPr lang="en-US"/>
               <a:t>Click to edit Master title style</a:t>
             </a:r>
+            <a:endParaRPr lang="en-US" dirty="0"/>
           </a:p>
         </p:txBody>
       </p:sp>
       <p:sp>
         <p:nvSpPr>
-          <p:cNvPr id="3" name="Content Placeholder 2">
-            <a:extLst>
-              <a:ext uri="{FF2B5EF4-FFF2-40B4-BE49-F238E27FC236}">
-                <a16:creationId xmlns:a16="http://schemas.microsoft.com/office/drawing/2014/main" id="{4D81F914-197D-2846-9DA9-12E59F8D78F8}"/>
-              </a:ext>
-            </a:extLst>
-          </p:cNvPr>
+          <p:cNvPr id="3" name="Content Placeholder 2"/>
           <p:cNvSpPr>
             <a:spLocks noGrp="1"/>
           </p:cNvSpPr>
@@ -841,18 +3517,13 @@
               <a:rPr lang="en-US"/>
               <a:t>Fifth level</a:t>
             </a:r>
+            <a:endParaRPr lang="en-US" dirty="0"/>
           </a:p>
         </p:txBody>
       </p:sp>
       <p:sp>
         <p:nvSpPr>
-          <p:cNvPr id="4" name="Date Placeholder 3">
-            <a:extLst>
-              <a:ext uri="{FF2B5EF4-FFF2-40B4-BE49-F238E27FC236}">
-                <a16:creationId xmlns:a16="http://schemas.microsoft.com/office/drawing/2014/main" id="{88EA6459-D94F-A74C-B465-3F844C4C3912}"/>
-              </a:ext>
-            </a:extLst>
-          </p:cNvPr>
+          <p:cNvPr id="4" name="Date Placeholder 3"/>
           <p:cNvSpPr>
             <a:spLocks noGrp="1"/>
           </p:cNvSpPr>
@@ -867,7 +3538,7 @@
           <a:p>
             <a:fld id="{F60D846A-99BF-D342-A2D3-5C48BDF7DAD4}" type="datetimeFigureOut">
               <a:rPr lang="en-US" smtClean="0"/>
-              <a:t>1/3/19</a:t>
+              <a:t>1/25/19</a:t>
             </a:fld>
             <a:endParaRPr lang="en-US"/>
           </a:p>
@@ -875,13 +3546,7 @@
       </p:sp>
       <p:sp>
         <p:nvSpPr>
-          <p:cNvPr id="5" name="Footer Placeholder 4">
-            <a:extLst>
-              <a:ext uri="{FF2B5EF4-FFF2-40B4-BE49-F238E27FC236}">
-                <a16:creationId xmlns:a16="http://schemas.microsoft.com/office/drawing/2014/main" id="{4ED9A7BA-EB6C-DE49-8824-9C71D745F837}"/>
-              </a:ext>
-            </a:extLst>
-          </p:cNvPr>
+          <p:cNvPr id="5" name="Footer Placeholder 4"/>
           <p:cNvSpPr>
             <a:spLocks noGrp="1"/>
           </p:cNvSpPr>
@@ -900,13 +3565,7 @@
       </p:sp>
       <p:sp>
         <p:nvSpPr>
-          <p:cNvPr id="6" name="Slide Number Placeholder 5">
-            <a:extLst>
-              <a:ext uri="{FF2B5EF4-FFF2-40B4-BE49-F238E27FC236}">
-                <a16:creationId xmlns:a16="http://schemas.microsoft.com/office/drawing/2014/main" id="{0D1201A6-BCAA-504E-B55C-01C6972EC903}"/>
-              </a:ext>
-            </a:extLst>
-          </p:cNvPr>
+          <p:cNvPr id="6" name="Slide Number Placeholder 5"/>
           <p:cNvSpPr>
             <a:spLocks noGrp="1"/>
           </p:cNvSpPr>
@@ -930,7 +3589,7 @@
     </p:spTree>
     <p:extLst>
       <p:ext uri="{BB962C8B-B14F-4D97-AF65-F5344CB8AC3E}">
-        <p14:creationId xmlns:p14="http://schemas.microsoft.com/office/powerpoint/2010/main" val="1648877384"/>
+        <p14:creationId xmlns:p14="http://schemas.microsoft.com/office/powerpoint/2010/main" val="3540403462"/>
       </p:ext>
     </p:extLst>
   </p:cSld>
@@ -959,13 +3618,7 @@
       </p:grpSpPr>
       <p:sp>
         <p:nvSpPr>
-          <p:cNvPr id="2" name="Title 1">
-            <a:extLst>
-              <a:ext uri="{FF2B5EF4-FFF2-40B4-BE49-F238E27FC236}">
-                <a16:creationId xmlns:a16="http://schemas.microsoft.com/office/drawing/2014/main" id="{4459A328-34D6-1E43-B4A7-00D1FB78419F}"/>
-              </a:ext>
-            </a:extLst>
-          </p:cNvPr>
+          <p:cNvPr id="2" name="Title 1"/>
           <p:cNvSpPr>
             <a:spLocks noGrp="1"/>
           </p:cNvSpPr>
@@ -991,18 +3644,13 @@
               <a:rPr lang="en-US"/>
               <a:t>Click to edit Master title style</a:t>
             </a:r>
+            <a:endParaRPr lang="en-US" dirty="0"/>
           </a:p>
         </p:txBody>
       </p:sp>
       <p:sp>
         <p:nvSpPr>
-          <p:cNvPr id="3" name="Text Placeholder 2">
-            <a:extLst>
-              <a:ext uri="{FF2B5EF4-FFF2-40B4-BE49-F238E27FC236}">
-                <a16:creationId xmlns:a16="http://schemas.microsoft.com/office/drawing/2014/main" id="{565BCA20-D041-8D43-9AEF-22B20E472461}"/>
-              </a:ext>
-            </a:extLst>
-          </p:cNvPr>
+          <p:cNvPr id="3" name="Text Placeholder 2"/>
           <p:cNvSpPr>
             <a:spLocks noGrp="1"/>
           </p:cNvSpPr>
@@ -1121,13 +3769,7 @@
       </p:sp>
       <p:sp>
         <p:nvSpPr>
-          <p:cNvPr id="4" name="Date Placeholder 3">
-            <a:extLst>
-              <a:ext uri="{FF2B5EF4-FFF2-40B4-BE49-F238E27FC236}">
-                <a16:creationId xmlns:a16="http://schemas.microsoft.com/office/drawing/2014/main" id="{9D77CB88-40BB-A444-AA94-1C4C9133316E}"/>
-              </a:ext>
-            </a:extLst>
-          </p:cNvPr>
+          <p:cNvPr id="4" name="Date Placeholder 3"/>
           <p:cNvSpPr>
             <a:spLocks noGrp="1"/>
           </p:cNvSpPr>
@@ -1142,7 +3784,7 @@
           <a:p>
             <a:fld id="{F60D846A-99BF-D342-A2D3-5C48BDF7DAD4}" type="datetimeFigureOut">
               <a:rPr lang="en-US" smtClean="0"/>
-              <a:t>1/3/19</a:t>
+              <a:t>1/25/19</a:t>
             </a:fld>
             <a:endParaRPr lang="en-US"/>
           </a:p>
@@ -1150,13 +3792,7 @@
       </p:sp>
       <p:sp>
         <p:nvSpPr>
-          <p:cNvPr id="5" name="Footer Placeholder 4">
-            <a:extLst>
-              <a:ext uri="{FF2B5EF4-FFF2-40B4-BE49-F238E27FC236}">
-                <a16:creationId xmlns:a16="http://schemas.microsoft.com/office/drawing/2014/main" id="{BB85B597-BC9A-9E46-A30E-6E8EBEF0B42A}"/>
-              </a:ext>
-            </a:extLst>
-          </p:cNvPr>
+          <p:cNvPr id="5" name="Footer Placeholder 4"/>
           <p:cNvSpPr>
             <a:spLocks noGrp="1"/>
           </p:cNvSpPr>
@@ -1175,13 +3811,7 @@
       </p:sp>
       <p:sp>
         <p:nvSpPr>
-          <p:cNvPr id="6" name="Slide Number Placeholder 5">
-            <a:extLst>
-              <a:ext uri="{FF2B5EF4-FFF2-40B4-BE49-F238E27FC236}">
-                <a16:creationId xmlns:a16="http://schemas.microsoft.com/office/drawing/2014/main" id="{7343165C-643A-9040-B1AE-9882DC7BBFCB}"/>
-              </a:ext>
-            </a:extLst>
-          </p:cNvPr>
+          <p:cNvPr id="6" name="Slide Number Placeholder 5"/>
           <p:cNvSpPr>
             <a:spLocks noGrp="1"/>
           </p:cNvSpPr>
@@ -1205,7 +3835,7 @@
     </p:spTree>
     <p:extLst>
       <p:ext uri="{BB962C8B-B14F-4D97-AF65-F5344CB8AC3E}">
-        <p14:creationId xmlns:p14="http://schemas.microsoft.com/office/powerpoint/2010/main" val="2211962382"/>
+        <p14:creationId xmlns:p14="http://schemas.microsoft.com/office/powerpoint/2010/main" val="4031713807"/>
       </p:ext>
     </p:extLst>
   </p:cSld>
@@ -1234,13 +3864,7 @@
       </p:grpSpPr>
       <p:sp>
         <p:nvSpPr>
-          <p:cNvPr id="2" name="Title 1">
-            <a:extLst>
-              <a:ext uri="{FF2B5EF4-FFF2-40B4-BE49-F238E27FC236}">
-                <a16:creationId xmlns:a16="http://schemas.microsoft.com/office/drawing/2014/main" id="{34542D9D-4DC7-A34B-AFBE-5A66A1E8FA50}"/>
-              </a:ext>
-            </a:extLst>
-          </p:cNvPr>
+          <p:cNvPr id="2" name="Title 1"/>
           <p:cNvSpPr>
             <a:spLocks noGrp="1"/>
           </p:cNvSpPr>
@@ -1257,18 +3881,13 @@
               <a:rPr lang="en-US"/>
               <a:t>Click to edit Master title style</a:t>
             </a:r>
+            <a:endParaRPr lang="en-US" dirty="0"/>
           </a:p>
         </p:txBody>
       </p:sp>
       <p:sp>
         <p:nvSpPr>
-          <p:cNvPr id="3" name="Content Placeholder 2">
-            <a:extLst>
-              <a:ext uri="{FF2B5EF4-FFF2-40B4-BE49-F238E27FC236}">
-                <a16:creationId xmlns:a16="http://schemas.microsoft.com/office/drawing/2014/main" id="{CB5046E8-DA68-9F44-A405-4BF843083F6C}"/>
-              </a:ext>
-            </a:extLst>
-          </p:cNvPr>
+          <p:cNvPr id="3" name="Content Placeholder 2"/>
           <p:cNvSpPr>
             <a:spLocks noGrp="1"/>
           </p:cNvSpPr>
@@ -1319,18 +3938,13 @@
               <a:rPr lang="en-US"/>
               <a:t>Fifth level</a:t>
             </a:r>
+            <a:endParaRPr lang="en-US" dirty="0"/>
           </a:p>
         </p:txBody>
       </p:sp>
       <p:sp>
         <p:nvSpPr>
-          <p:cNvPr id="4" name="Content Placeholder 3">
-            <a:extLst>
-              <a:ext uri="{FF2B5EF4-FFF2-40B4-BE49-F238E27FC236}">
-                <a16:creationId xmlns:a16="http://schemas.microsoft.com/office/drawing/2014/main" id="{40082FFD-08D5-6140-8931-3F7180EB015F}"/>
-              </a:ext>
-            </a:extLst>
-          </p:cNvPr>
+          <p:cNvPr id="4" name="Content Placeholder 3"/>
           <p:cNvSpPr>
             <a:spLocks noGrp="1"/>
           </p:cNvSpPr>
@@ -1381,18 +3995,13 @@
               <a:rPr lang="en-US"/>
               <a:t>Fifth level</a:t>
             </a:r>
+            <a:endParaRPr lang="en-US" dirty="0"/>
           </a:p>
         </p:txBody>
       </p:sp>
       <p:sp>
         <p:nvSpPr>
-          <p:cNvPr id="5" name="Date Placeholder 4">
-            <a:extLst>
-              <a:ext uri="{FF2B5EF4-FFF2-40B4-BE49-F238E27FC236}">
-                <a16:creationId xmlns:a16="http://schemas.microsoft.com/office/drawing/2014/main" id="{62677AB9-525B-A043-8C22-8F2ACD6FD0AC}"/>
-              </a:ext>
-            </a:extLst>
-          </p:cNvPr>
+          <p:cNvPr id="5" name="Date Placeholder 4"/>
           <p:cNvSpPr>
             <a:spLocks noGrp="1"/>
           </p:cNvSpPr>
@@ -1407,7 +4016,7 @@
           <a:p>
             <a:fld id="{F60D846A-99BF-D342-A2D3-5C48BDF7DAD4}" type="datetimeFigureOut">
               <a:rPr lang="en-US" smtClean="0"/>
-              <a:t>1/3/19</a:t>
+              <a:t>1/25/19</a:t>
             </a:fld>
             <a:endParaRPr lang="en-US"/>
           </a:p>
@@ -1415,13 +4024,7 @@
       </p:sp>
       <p:sp>
         <p:nvSpPr>
-          <p:cNvPr id="6" name="Footer Placeholder 5">
-            <a:extLst>
-              <a:ext uri="{FF2B5EF4-FFF2-40B4-BE49-F238E27FC236}">
-                <a16:creationId xmlns:a16="http://schemas.microsoft.com/office/drawing/2014/main" id="{76C2B4A4-672F-594F-B80E-37C9CE2CDFF5}"/>
-              </a:ext>
-            </a:extLst>
-          </p:cNvPr>
+          <p:cNvPr id="6" name="Footer Placeholder 5"/>
           <p:cNvSpPr>
             <a:spLocks noGrp="1"/>
           </p:cNvSpPr>
@@ -1440,13 +4043,7 @@
       </p:sp>
       <p:sp>
         <p:nvSpPr>
-          <p:cNvPr id="7" name="Slide Number Placeholder 6">
-            <a:extLst>
-              <a:ext uri="{FF2B5EF4-FFF2-40B4-BE49-F238E27FC236}">
-                <a16:creationId xmlns:a16="http://schemas.microsoft.com/office/drawing/2014/main" id="{312FA587-41BD-694E-B97B-5EEFC6620399}"/>
-              </a:ext>
-            </a:extLst>
-          </p:cNvPr>
+          <p:cNvPr id="7" name="Slide Number Placeholder 6"/>
           <p:cNvSpPr>
             <a:spLocks noGrp="1"/>
           </p:cNvSpPr>
@@ -1470,7 +4067,7 @@
     </p:spTree>
     <p:extLst>
       <p:ext uri="{BB962C8B-B14F-4D97-AF65-F5344CB8AC3E}">
-        <p14:creationId xmlns:p14="http://schemas.microsoft.com/office/powerpoint/2010/main" val="2416539478"/>
+        <p14:creationId xmlns:p14="http://schemas.microsoft.com/office/powerpoint/2010/main" val="114202991"/>
       </p:ext>
     </p:extLst>
   </p:cSld>
@@ -1499,13 +4096,7 @@
       </p:grpSpPr>
       <p:sp>
         <p:nvSpPr>
-          <p:cNvPr id="2" name="Title 1">
-            <a:extLst>
-              <a:ext uri="{FF2B5EF4-FFF2-40B4-BE49-F238E27FC236}">
-                <a16:creationId xmlns:a16="http://schemas.microsoft.com/office/drawing/2014/main" id="{4DCD0B89-66A6-9740-9A81-BAEB33150FD3}"/>
-              </a:ext>
-            </a:extLst>
-          </p:cNvPr>
+          <p:cNvPr id="2" name="Title 1"/>
           <p:cNvSpPr>
             <a:spLocks noGrp="1"/>
           </p:cNvSpPr>
@@ -1527,18 +4118,13 @@
               <a:rPr lang="en-US"/>
               <a:t>Click to edit Master title style</a:t>
             </a:r>
+            <a:endParaRPr lang="en-US" dirty="0"/>
           </a:p>
         </p:txBody>
       </p:sp>
       <p:sp>
         <p:nvSpPr>
-          <p:cNvPr id="3" name="Text Placeholder 2">
-            <a:extLst>
-              <a:ext uri="{FF2B5EF4-FFF2-40B4-BE49-F238E27FC236}">
-                <a16:creationId xmlns:a16="http://schemas.microsoft.com/office/drawing/2014/main" id="{E46070AB-8CF7-F845-A035-D83425CAB045}"/>
-              </a:ext>
-            </a:extLst>
-          </p:cNvPr>
+          <p:cNvPr id="3" name="Text Placeholder 2"/>
           <p:cNvSpPr>
             <a:spLocks noGrp="1"/>
           </p:cNvSpPr>
@@ -1603,13 +4189,7 @@
       </p:sp>
       <p:sp>
         <p:nvSpPr>
-          <p:cNvPr id="4" name="Content Placeholder 3">
-            <a:extLst>
-              <a:ext uri="{FF2B5EF4-FFF2-40B4-BE49-F238E27FC236}">
-                <a16:creationId xmlns:a16="http://schemas.microsoft.com/office/drawing/2014/main" id="{31FA05F6-B9F5-A442-B286-314F0384135D}"/>
-              </a:ext>
-            </a:extLst>
-          </p:cNvPr>
+          <p:cNvPr id="4" name="Content Placeholder 3"/>
           <p:cNvSpPr>
             <a:spLocks noGrp="1"/>
           </p:cNvSpPr>
@@ -1660,18 +4240,13 @@
               <a:rPr lang="en-US"/>
               <a:t>Fifth level</a:t>
             </a:r>
+            <a:endParaRPr lang="en-US" dirty="0"/>
           </a:p>
         </p:txBody>
       </p:sp>
       <p:sp>
         <p:nvSpPr>
-          <p:cNvPr id="5" name="Text Placeholder 4">
-            <a:extLst>
-              <a:ext uri="{FF2B5EF4-FFF2-40B4-BE49-F238E27FC236}">
-                <a16:creationId xmlns:a16="http://schemas.microsoft.com/office/drawing/2014/main" id="{F6AD84BD-75E7-EB47-901C-5BCCEDE0492C}"/>
-              </a:ext>
-            </a:extLst>
-          </p:cNvPr>
+          <p:cNvPr id="5" name="Text Placeholder 4"/>
           <p:cNvSpPr>
             <a:spLocks noGrp="1"/>
           </p:cNvSpPr>
@@ -1736,13 +4311,7 @@
       </p:sp>
       <p:sp>
         <p:nvSpPr>
-          <p:cNvPr id="6" name="Content Placeholder 5">
-            <a:extLst>
-              <a:ext uri="{FF2B5EF4-FFF2-40B4-BE49-F238E27FC236}">
-                <a16:creationId xmlns:a16="http://schemas.microsoft.com/office/drawing/2014/main" id="{C83C03AC-E5CC-1043-84E9-515C86B6A17B}"/>
-              </a:ext>
-            </a:extLst>
-          </p:cNvPr>
+          <p:cNvPr id="6" name="Content Placeholder 5"/>
           <p:cNvSpPr>
             <a:spLocks noGrp="1"/>
           </p:cNvSpPr>
@@ -1793,18 +4362,13 @@
               <a:rPr lang="en-US"/>
               <a:t>Fifth level</a:t>
             </a:r>
+            <a:endParaRPr lang="en-US" dirty="0"/>
           </a:p>
         </p:txBody>
       </p:sp>
       <p:sp>
         <p:nvSpPr>
-          <p:cNvPr id="7" name="Date Placeholder 6">
-            <a:extLst>
-              <a:ext uri="{FF2B5EF4-FFF2-40B4-BE49-F238E27FC236}">
-                <a16:creationId xmlns:a16="http://schemas.microsoft.com/office/drawing/2014/main" id="{729900C0-5A50-7847-ACA1-1B167EF34A89}"/>
-              </a:ext>
-            </a:extLst>
-          </p:cNvPr>
+          <p:cNvPr id="7" name="Date Placeholder 6"/>
           <p:cNvSpPr>
             <a:spLocks noGrp="1"/>
           </p:cNvSpPr>
@@ -1819,7 +4383,7 @@
           <a:p>
             <a:fld id="{F60D846A-99BF-D342-A2D3-5C48BDF7DAD4}" type="datetimeFigureOut">
               <a:rPr lang="en-US" smtClean="0"/>
-              <a:t>1/3/19</a:t>
+              <a:t>1/25/19</a:t>
             </a:fld>
             <a:endParaRPr lang="en-US"/>
           </a:p>
@@ -1827,13 +4391,7 @@
       </p:sp>
       <p:sp>
         <p:nvSpPr>
-          <p:cNvPr id="8" name="Footer Placeholder 7">
-            <a:extLst>
-              <a:ext uri="{FF2B5EF4-FFF2-40B4-BE49-F238E27FC236}">
-                <a16:creationId xmlns:a16="http://schemas.microsoft.com/office/drawing/2014/main" id="{BC82BB9F-A37D-074D-B9E3-4409822CB20F}"/>
-              </a:ext>
-            </a:extLst>
-          </p:cNvPr>
+          <p:cNvPr id="8" name="Footer Placeholder 7"/>
           <p:cNvSpPr>
             <a:spLocks noGrp="1"/>
           </p:cNvSpPr>
@@ -1852,13 +4410,7 @@
       </p:sp>
       <p:sp>
         <p:nvSpPr>
-          <p:cNvPr id="9" name="Slide Number Placeholder 8">
-            <a:extLst>
-              <a:ext uri="{FF2B5EF4-FFF2-40B4-BE49-F238E27FC236}">
-                <a16:creationId xmlns:a16="http://schemas.microsoft.com/office/drawing/2014/main" id="{CB976212-45B8-214B-9FF3-075BEC438E13}"/>
-              </a:ext>
-            </a:extLst>
-          </p:cNvPr>
+          <p:cNvPr id="9" name="Slide Number Placeholder 8"/>
           <p:cNvSpPr>
             <a:spLocks noGrp="1"/>
           </p:cNvSpPr>
@@ -1882,7 +4434,7 @@
     </p:spTree>
     <p:extLst>
       <p:ext uri="{BB962C8B-B14F-4D97-AF65-F5344CB8AC3E}">
-        <p14:creationId xmlns:p14="http://schemas.microsoft.com/office/powerpoint/2010/main" val="1032564830"/>
+        <p14:creationId xmlns:p14="http://schemas.microsoft.com/office/powerpoint/2010/main" val="580233377"/>
       </p:ext>
     </p:extLst>
   </p:cSld>
@@ -1911,13 +4463,7 @@
       </p:grpSpPr>
       <p:sp>
         <p:nvSpPr>
-          <p:cNvPr id="2" name="Title 1">
-            <a:extLst>
-              <a:ext uri="{FF2B5EF4-FFF2-40B4-BE49-F238E27FC236}">
-                <a16:creationId xmlns:a16="http://schemas.microsoft.com/office/drawing/2014/main" id="{53B4B657-6101-854D-B66F-5B9EE781608D}"/>
-              </a:ext>
-            </a:extLst>
-          </p:cNvPr>
+          <p:cNvPr id="2" name="Title 1"/>
           <p:cNvSpPr>
             <a:spLocks noGrp="1"/>
           </p:cNvSpPr>
@@ -1934,18 +4480,13 @@
               <a:rPr lang="en-US"/>
               <a:t>Click to edit Master title style</a:t>
             </a:r>
+            <a:endParaRPr lang="en-US" dirty="0"/>
           </a:p>
         </p:txBody>
       </p:sp>
       <p:sp>
         <p:nvSpPr>
-          <p:cNvPr id="3" name="Date Placeholder 2">
-            <a:extLst>
-              <a:ext uri="{FF2B5EF4-FFF2-40B4-BE49-F238E27FC236}">
-                <a16:creationId xmlns:a16="http://schemas.microsoft.com/office/drawing/2014/main" id="{F8C1954D-1149-AF46-9ECF-2F01CB4B4287}"/>
-              </a:ext>
-            </a:extLst>
-          </p:cNvPr>
+          <p:cNvPr id="3" name="Date Placeholder 2"/>
           <p:cNvSpPr>
             <a:spLocks noGrp="1"/>
           </p:cNvSpPr>
@@ -1960,7 +4501,7 @@
           <a:p>
             <a:fld id="{F60D846A-99BF-D342-A2D3-5C48BDF7DAD4}" type="datetimeFigureOut">
               <a:rPr lang="en-US" smtClean="0"/>
-              <a:t>1/3/19</a:t>
+              <a:t>1/25/19</a:t>
             </a:fld>
             <a:endParaRPr lang="en-US"/>
           </a:p>
@@ -1968,13 +4509,7 @@
       </p:sp>
       <p:sp>
         <p:nvSpPr>
-          <p:cNvPr id="4" name="Footer Placeholder 3">
-            <a:extLst>
-              <a:ext uri="{FF2B5EF4-FFF2-40B4-BE49-F238E27FC236}">
-                <a16:creationId xmlns:a16="http://schemas.microsoft.com/office/drawing/2014/main" id="{A06F5CDA-1DB5-5C4C-94F7-BEAB19B444E1}"/>
-              </a:ext>
-            </a:extLst>
-          </p:cNvPr>
+          <p:cNvPr id="4" name="Footer Placeholder 3"/>
           <p:cNvSpPr>
             <a:spLocks noGrp="1"/>
           </p:cNvSpPr>
@@ -1993,13 +4528,7 @@
       </p:sp>
       <p:sp>
         <p:nvSpPr>
-          <p:cNvPr id="5" name="Slide Number Placeholder 4">
-            <a:extLst>
-              <a:ext uri="{FF2B5EF4-FFF2-40B4-BE49-F238E27FC236}">
-                <a16:creationId xmlns:a16="http://schemas.microsoft.com/office/drawing/2014/main" id="{8987D90B-DAC2-3941-9ABC-AEF19F0DF7E9}"/>
-              </a:ext>
-            </a:extLst>
-          </p:cNvPr>
+          <p:cNvPr id="5" name="Slide Number Placeholder 4"/>
           <p:cNvSpPr>
             <a:spLocks noGrp="1"/>
           </p:cNvSpPr>
@@ -2023,7 +4552,7 @@
     </p:spTree>
     <p:extLst>
       <p:ext uri="{BB962C8B-B14F-4D97-AF65-F5344CB8AC3E}">
-        <p14:creationId xmlns:p14="http://schemas.microsoft.com/office/powerpoint/2010/main" val="81873958"/>
+        <p14:creationId xmlns:p14="http://schemas.microsoft.com/office/powerpoint/2010/main" val="911276551"/>
       </p:ext>
     </p:extLst>
   </p:cSld>
@@ -2052,13 +4581,7 @@
       </p:grpSpPr>
       <p:sp>
         <p:nvSpPr>
-          <p:cNvPr id="2" name="Date Placeholder 1">
-            <a:extLst>
-              <a:ext uri="{FF2B5EF4-FFF2-40B4-BE49-F238E27FC236}">
-                <a16:creationId xmlns:a16="http://schemas.microsoft.com/office/drawing/2014/main" id="{624079B7-997A-EF46-8230-5BAF18AA955B}"/>
-              </a:ext>
-            </a:extLst>
-          </p:cNvPr>
+          <p:cNvPr id="2" name="Date Placeholder 1"/>
           <p:cNvSpPr>
             <a:spLocks noGrp="1"/>
           </p:cNvSpPr>
@@ -2073,7 +4596,7 @@
           <a:p>
             <a:fld id="{F60D846A-99BF-D342-A2D3-5C48BDF7DAD4}" type="datetimeFigureOut">
               <a:rPr lang="en-US" smtClean="0"/>
-              <a:t>1/3/19</a:t>
+              <a:t>1/25/19</a:t>
             </a:fld>
             <a:endParaRPr lang="en-US"/>
           </a:p>
@@ -2081,13 +4604,7 @@
       </p:sp>
       <p:sp>
         <p:nvSpPr>
-          <p:cNvPr id="3" name="Footer Placeholder 2">
-            <a:extLst>
-              <a:ext uri="{FF2B5EF4-FFF2-40B4-BE49-F238E27FC236}">
-                <a16:creationId xmlns:a16="http://schemas.microsoft.com/office/drawing/2014/main" id="{BF3C4627-1041-6D48-82D5-31D5277C28B3}"/>
-              </a:ext>
-            </a:extLst>
-          </p:cNvPr>
+          <p:cNvPr id="3" name="Footer Placeholder 2"/>
           <p:cNvSpPr>
             <a:spLocks noGrp="1"/>
           </p:cNvSpPr>
@@ -2106,13 +4623,7 @@
       </p:sp>
       <p:sp>
         <p:nvSpPr>
-          <p:cNvPr id="4" name="Slide Number Placeholder 3">
-            <a:extLst>
-              <a:ext uri="{FF2B5EF4-FFF2-40B4-BE49-F238E27FC236}">
-                <a16:creationId xmlns:a16="http://schemas.microsoft.com/office/drawing/2014/main" id="{6B5459A3-AB14-3C4C-970C-D5C71244077B}"/>
-              </a:ext>
-            </a:extLst>
-          </p:cNvPr>
+          <p:cNvPr id="4" name="Slide Number Placeholder 3"/>
           <p:cNvSpPr>
             <a:spLocks noGrp="1"/>
           </p:cNvSpPr>
@@ -2136,7 +4647,7 @@
     </p:spTree>
     <p:extLst>
       <p:ext uri="{BB962C8B-B14F-4D97-AF65-F5344CB8AC3E}">
-        <p14:creationId xmlns:p14="http://schemas.microsoft.com/office/powerpoint/2010/main" val="3170768929"/>
+        <p14:creationId xmlns:p14="http://schemas.microsoft.com/office/powerpoint/2010/main" val="3474642581"/>
       </p:ext>
     </p:extLst>
   </p:cSld>
@@ -2165,13 +4676,7 @@
       </p:grpSpPr>
       <p:sp>
         <p:nvSpPr>
-          <p:cNvPr id="2" name="Title 1">
-            <a:extLst>
-              <a:ext uri="{FF2B5EF4-FFF2-40B4-BE49-F238E27FC236}">
-                <a16:creationId xmlns:a16="http://schemas.microsoft.com/office/drawing/2014/main" id="{82EA68E8-D8DC-6D42-9DD4-748EA0D9B0CE}"/>
-              </a:ext>
-            </a:extLst>
-          </p:cNvPr>
+          <p:cNvPr id="2" name="Title 1"/>
           <p:cNvSpPr>
             <a:spLocks noGrp="1"/>
           </p:cNvSpPr>
@@ -2197,18 +4702,13 @@
               <a:rPr lang="en-US"/>
               <a:t>Click to edit Master title style</a:t>
             </a:r>
+            <a:endParaRPr lang="en-US" dirty="0"/>
           </a:p>
         </p:txBody>
       </p:sp>
       <p:sp>
         <p:nvSpPr>
-          <p:cNvPr id="3" name="Content Placeholder 2">
-            <a:extLst>
-              <a:ext uri="{FF2B5EF4-FFF2-40B4-BE49-F238E27FC236}">
-                <a16:creationId xmlns:a16="http://schemas.microsoft.com/office/drawing/2014/main" id="{BCFD7616-05C9-9844-AF7E-CF6F9812D386}"/>
-              </a:ext>
-            </a:extLst>
-          </p:cNvPr>
+          <p:cNvPr id="3" name="Content Placeholder 2"/>
           <p:cNvSpPr>
             <a:spLocks noGrp="1"/>
           </p:cNvSpPr>
@@ -2287,18 +4787,13 @@
               <a:rPr lang="en-US"/>
               <a:t>Fifth level</a:t>
             </a:r>
+            <a:endParaRPr lang="en-US" dirty="0"/>
           </a:p>
         </p:txBody>
       </p:sp>
       <p:sp>
         <p:nvSpPr>
-          <p:cNvPr id="4" name="Text Placeholder 3">
-            <a:extLst>
-              <a:ext uri="{FF2B5EF4-FFF2-40B4-BE49-F238E27FC236}">
-                <a16:creationId xmlns:a16="http://schemas.microsoft.com/office/drawing/2014/main" id="{AF7B2B43-AFF3-8F46-B528-0BD0816D5ABF}"/>
-              </a:ext>
-            </a:extLst>
-          </p:cNvPr>
+          <p:cNvPr id="4" name="Text Placeholder 3"/>
           <p:cNvSpPr>
             <a:spLocks noGrp="1"/>
           </p:cNvSpPr>
@@ -2363,13 +4858,7 @@
       </p:sp>
       <p:sp>
         <p:nvSpPr>
-          <p:cNvPr id="5" name="Date Placeholder 4">
-            <a:extLst>
-              <a:ext uri="{FF2B5EF4-FFF2-40B4-BE49-F238E27FC236}">
-                <a16:creationId xmlns:a16="http://schemas.microsoft.com/office/drawing/2014/main" id="{90314D8A-0D58-1449-A967-EA8F632B7D7D}"/>
-              </a:ext>
-            </a:extLst>
-          </p:cNvPr>
+          <p:cNvPr id="5" name="Date Placeholder 4"/>
           <p:cNvSpPr>
             <a:spLocks noGrp="1"/>
           </p:cNvSpPr>
@@ -2384,7 +4873,7 @@
           <a:p>
             <a:fld id="{F60D846A-99BF-D342-A2D3-5C48BDF7DAD4}" type="datetimeFigureOut">
               <a:rPr lang="en-US" smtClean="0"/>
-              <a:t>1/3/19</a:t>
+              <a:t>1/25/19</a:t>
             </a:fld>
             <a:endParaRPr lang="en-US"/>
           </a:p>
@@ -2392,13 +4881,7 @@
       </p:sp>
       <p:sp>
         <p:nvSpPr>
-          <p:cNvPr id="6" name="Footer Placeholder 5">
-            <a:extLst>
-              <a:ext uri="{FF2B5EF4-FFF2-40B4-BE49-F238E27FC236}">
-                <a16:creationId xmlns:a16="http://schemas.microsoft.com/office/drawing/2014/main" id="{4F54AD4E-9CE0-DE4D-B33B-3FE8BF1F7472}"/>
-              </a:ext>
-            </a:extLst>
-          </p:cNvPr>
+          <p:cNvPr id="6" name="Footer Placeholder 5"/>
           <p:cNvSpPr>
             <a:spLocks noGrp="1"/>
           </p:cNvSpPr>
@@ -2417,13 +4900,7 @@
       </p:sp>
       <p:sp>
         <p:nvSpPr>
-          <p:cNvPr id="7" name="Slide Number Placeholder 6">
-            <a:extLst>
-              <a:ext uri="{FF2B5EF4-FFF2-40B4-BE49-F238E27FC236}">
-                <a16:creationId xmlns:a16="http://schemas.microsoft.com/office/drawing/2014/main" id="{8D8098B7-57C6-A345-A695-79720B28DB79}"/>
-              </a:ext>
-            </a:extLst>
-          </p:cNvPr>
+          <p:cNvPr id="7" name="Slide Number Placeholder 6"/>
           <p:cNvSpPr>
             <a:spLocks noGrp="1"/>
           </p:cNvSpPr>
@@ -2447,7 +4924,7 @@
     </p:spTree>
     <p:extLst>
       <p:ext uri="{BB962C8B-B14F-4D97-AF65-F5344CB8AC3E}">
-        <p14:creationId xmlns:p14="http://schemas.microsoft.com/office/powerpoint/2010/main" val="2043657171"/>
+        <p14:creationId xmlns:p14="http://schemas.microsoft.com/office/powerpoint/2010/main" val="98664832"/>
       </p:ext>
     </p:extLst>
   </p:cSld>
@@ -2476,13 +4953,7 @@
       </p:grpSpPr>
       <p:sp>
         <p:nvSpPr>
-          <p:cNvPr id="2" name="Title 1">
-            <a:extLst>
-              <a:ext uri="{FF2B5EF4-FFF2-40B4-BE49-F238E27FC236}">
-                <a16:creationId xmlns:a16="http://schemas.microsoft.com/office/drawing/2014/main" id="{C0BFB352-5D35-E949-8053-C1152E8D3CFC}"/>
-              </a:ext>
-            </a:extLst>
-          </p:cNvPr>
+          <p:cNvPr id="2" name="Title 1"/>
           <p:cNvSpPr>
             <a:spLocks noGrp="1"/>
           </p:cNvSpPr>
@@ -2508,20 +4979,15 @@
               <a:rPr lang="en-US"/>
               <a:t>Click to edit Master title style</a:t>
             </a:r>
+            <a:endParaRPr lang="en-US" dirty="0"/>
           </a:p>
         </p:txBody>
       </p:sp>
       <p:sp>
         <p:nvSpPr>
-          <p:cNvPr id="3" name="Picture Placeholder 2">
-            <a:extLst>
-              <a:ext uri="{FF2B5EF4-FFF2-40B4-BE49-F238E27FC236}">
-                <a16:creationId xmlns:a16="http://schemas.microsoft.com/office/drawing/2014/main" id="{F5ED892A-EAF4-F14E-B7F2-70B0EA66A63E}"/>
-              </a:ext>
-            </a:extLst>
-          </p:cNvPr>
+          <p:cNvPr id="3" name="Picture Placeholder 2"/>
           <p:cNvSpPr>
-            <a:spLocks noGrp="1"/>
+            <a:spLocks noGrp="1" noChangeAspect="1"/>
           </p:cNvSpPr>
           <p:nvPr>
             <p:ph type="pic" idx="1"/>
@@ -2534,7 +5000,7 @@
           </a:xfrm>
         </p:spPr>
         <p:txBody>
-          <a:bodyPr/>
+          <a:bodyPr anchor="t"/>
           <a:lstStyle>
             <a:lvl1pPr marL="0" indent="0">
               <a:buNone/>
@@ -2574,19 +5040,17 @@
             </a:lvl9pPr>
           </a:lstStyle>
           <a:p>
-            <a:endParaRPr lang="en-US"/>
+            <a:r>
+              <a:rPr lang="en-US"/>
+              <a:t>Click icon to add picture</a:t>
+            </a:r>
+            <a:endParaRPr lang="en-US" dirty="0"/>
           </a:p>
         </p:txBody>
       </p:sp>
       <p:sp>
         <p:nvSpPr>
-          <p:cNvPr id="4" name="Text Placeholder 3">
-            <a:extLst>
-              <a:ext uri="{FF2B5EF4-FFF2-40B4-BE49-F238E27FC236}">
-                <a16:creationId xmlns:a16="http://schemas.microsoft.com/office/drawing/2014/main" id="{4C4A377B-0591-444C-8AF7-B3459F750BE3}"/>
-              </a:ext>
-            </a:extLst>
-          </p:cNvPr>
+          <p:cNvPr id="4" name="Text Placeholder 3"/>
           <p:cNvSpPr>
             <a:spLocks noGrp="1"/>
           </p:cNvSpPr>
@@ -2651,13 +5115,7 @@
       </p:sp>
       <p:sp>
         <p:nvSpPr>
-          <p:cNvPr id="5" name="Date Placeholder 4">
-            <a:extLst>
-              <a:ext uri="{FF2B5EF4-FFF2-40B4-BE49-F238E27FC236}">
-                <a16:creationId xmlns:a16="http://schemas.microsoft.com/office/drawing/2014/main" id="{B8498D6B-8D27-E148-8A7F-EAFFBEA9DE24}"/>
-              </a:ext>
-            </a:extLst>
-          </p:cNvPr>
+          <p:cNvPr id="5" name="Date Placeholder 4"/>
           <p:cNvSpPr>
             <a:spLocks noGrp="1"/>
           </p:cNvSpPr>
@@ -2672,7 +5130,7 @@
           <a:p>
             <a:fld id="{F60D846A-99BF-D342-A2D3-5C48BDF7DAD4}" type="datetimeFigureOut">
               <a:rPr lang="en-US" smtClean="0"/>
-              <a:t>1/3/19</a:t>
+              <a:t>1/25/19</a:t>
             </a:fld>
             <a:endParaRPr lang="en-US"/>
           </a:p>
@@ -2680,13 +5138,7 @@
       </p:sp>
       <p:sp>
         <p:nvSpPr>
-          <p:cNvPr id="6" name="Footer Placeholder 5">
-            <a:extLst>
-              <a:ext uri="{FF2B5EF4-FFF2-40B4-BE49-F238E27FC236}">
-                <a16:creationId xmlns:a16="http://schemas.microsoft.com/office/drawing/2014/main" id="{8B332A6B-9067-3847-9F80-FC38EFC0A31B}"/>
-              </a:ext>
-            </a:extLst>
-          </p:cNvPr>
+          <p:cNvPr id="6" name="Footer Placeholder 5"/>
           <p:cNvSpPr>
             <a:spLocks noGrp="1"/>
           </p:cNvSpPr>
@@ -2705,13 +5157,7 @@
       </p:sp>
       <p:sp>
         <p:nvSpPr>
-          <p:cNvPr id="7" name="Slide Number Placeholder 6">
-            <a:extLst>
-              <a:ext uri="{FF2B5EF4-FFF2-40B4-BE49-F238E27FC236}">
-                <a16:creationId xmlns:a16="http://schemas.microsoft.com/office/drawing/2014/main" id="{B830879A-FC68-E446-9733-6C6F5A6F1B98}"/>
-              </a:ext>
-            </a:extLst>
-          </p:cNvPr>
+          <p:cNvPr id="7" name="Slide Number Placeholder 6"/>
           <p:cNvSpPr>
             <a:spLocks noGrp="1"/>
           </p:cNvSpPr>
@@ -2735,7 +5181,7 @@
     </p:spTree>
     <p:extLst>
       <p:ext uri="{BB962C8B-B14F-4D97-AF65-F5344CB8AC3E}">
-        <p14:creationId xmlns:p14="http://schemas.microsoft.com/office/powerpoint/2010/main" val="1666780238"/>
+        <p14:creationId xmlns:p14="http://schemas.microsoft.com/office/powerpoint/2010/main" val="2932074955"/>
       </p:ext>
     </p:extLst>
   </p:cSld>
@@ -2769,13 +5215,7 @@
       </p:grpSpPr>
       <p:sp>
         <p:nvSpPr>
-          <p:cNvPr id="2" name="Title Placeholder 1">
-            <a:extLst>
-              <a:ext uri="{FF2B5EF4-FFF2-40B4-BE49-F238E27FC236}">
-                <a16:creationId xmlns:a16="http://schemas.microsoft.com/office/drawing/2014/main" id="{1FFC7E3D-4774-3A45-9A24-3A52D02029D4}"/>
-              </a:ext>
-            </a:extLst>
-          </p:cNvPr>
+          <p:cNvPr id="2" name="Title Placeholder 1"/>
           <p:cNvSpPr>
             <a:spLocks noGrp="1"/>
           </p:cNvSpPr>
@@ -2802,18 +5242,13 @@
               <a:rPr lang="en-US"/>
               <a:t>Click to edit Master title style</a:t>
             </a:r>
+            <a:endParaRPr lang="en-US" dirty="0"/>
           </a:p>
         </p:txBody>
       </p:sp>
       <p:sp>
         <p:nvSpPr>
-          <p:cNvPr id="3" name="Text Placeholder 2">
-            <a:extLst>
-              <a:ext uri="{FF2B5EF4-FFF2-40B4-BE49-F238E27FC236}">
-                <a16:creationId xmlns:a16="http://schemas.microsoft.com/office/drawing/2014/main" id="{42BCA800-5093-5340-A17B-8A67691C54C5}"/>
-              </a:ext>
-            </a:extLst>
-          </p:cNvPr>
+          <p:cNvPr id="3" name="Text Placeholder 2"/>
           <p:cNvSpPr>
             <a:spLocks noGrp="1"/>
           </p:cNvSpPr>
@@ -2869,18 +5304,13 @@
               <a:rPr lang="en-US"/>
               <a:t>Fifth level</a:t>
             </a:r>
+            <a:endParaRPr lang="en-US" dirty="0"/>
           </a:p>
         </p:txBody>
       </p:sp>
       <p:sp>
         <p:nvSpPr>
-          <p:cNvPr id="4" name="Date Placeholder 3">
-            <a:extLst>
-              <a:ext uri="{FF2B5EF4-FFF2-40B4-BE49-F238E27FC236}">
-                <a16:creationId xmlns:a16="http://schemas.microsoft.com/office/drawing/2014/main" id="{09FB7D14-8ED8-DE47-A87C-2E568ED54B02}"/>
-              </a:ext>
-            </a:extLst>
-          </p:cNvPr>
+          <p:cNvPr id="4" name="Date Placeholder 3"/>
           <p:cNvSpPr>
             <a:spLocks noGrp="1"/>
           </p:cNvSpPr>
@@ -2913,7 +5343,7 @@
           <a:p>
             <a:fld id="{F60D846A-99BF-D342-A2D3-5C48BDF7DAD4}" type="datetimeFigureOut">
               <a:rPr lang="en-US" smtClean="0"/>
-              <a:t>1/3/19</a:t>
+              <a:t>1/25/19</a:t>
             </a:fld>
             <a:endParaRPr lang="en-US"/>
           </a:p>
@@ -2921,13 +5351,7 @@
       </p:sp>
       <p:sp>
         <p:nvSpPr>
-          <p:cNvPr id="5" name="Footer Placeholder 4">
-            <a:extLst>
-              <a:ext uri="{FF2B5EF4-FFF2-40B4-BE49-F238E27FC236}">
-                <a16:creationId xmlns:a16="http://schemas.microsoft.com/office/drawing/2014/main" id="{4E29BF9D-5D58-D343-86B1-2A78E1497FC9}"/>
-              </a:ext>
-            </a:extLst>
-          </p:cNvPr>
+          <p:cNvPr id="5" name="Footer Placeholder 4"/>
           <p:cNvSpPr>
             <a:spLocks noGrp="1"/>
           </p:cNvSpPr>
@@ -2964,13 +5388,7 @@
       </p:sp>
       <p:sp>
         <p:nvSpPr>
-          <p:cNvPr id="6" name="Slide Number Placeholder 5">
-            <a:extLst>
-              <a:ext uri="{FF2B5EF4-FFF2-40B4-BE49-F238E27FC236}">
-                <a16:creationId xmlns:a16="http://schemas.microsoft.com/office/drawing/2014/main" id="{7CC26FC6-C2B8-7346-8129-0613B165B9D9}"/>
-              </a:ext>
-            </a:extLst>
-          </p:cNvPr>
+          <p:cNvPr id="6" name="Slide Number Placeholder 5"/>
           <p:cNvSpPr>
             <a:spLocks noGrp="1"/>
           </p:cNvSpPr>
@@ -3012,23 +5430,23 @@
     </p:spTree>
     <p:extLst>
       <p:ext uri="{BB962C8B-B14F-4D97-AF65-F5344CB8AC3E}">
-        <p14:creationId xmlns:p14="http://schemas.microsoft.com/office/powerpoint/2010/main" val="1821199690"/>
+        <p14:creationId xmlns:p14="http://schemas.microsoft.com/office/powerpoint/2010/main" val="3645482915"/>
       </p:ext>
     </p:extLst>
   </p:cSld>
   <p:clrMap bg1="lt1" tx1="dk1" bg2="lt2" tx2="dk2" accent1="accent1" accent2="accent2" accent3="accent3" accent4="accent4" accent5="accent5" accent6="accent6" hlink="hlink" folHlink="folHlink"/>
   <p:sldLayoutIdLst>
-    <p:sldLayoutId id="2147483649" r:id="rId1"/>
-    <p:sldLayoutId id="2147483650" r:id="rId2"/>
-    <p:sldLayoutId id="2147483651" r:id="rId3"/>
-    <p:sldLayoutId id="2147483652" r:id="rId4"/>
-    <p:sldLayoutId id="2147483653" r:id="rId5"/>
-    <p:sldLayoutId id="2147483654" r:id="rId6"/>
-    <p:sldLayoutId id="2147483655" r:id="rId7"/>
-    <p:sldLayoutId id="2147483656" r:id="rId8"/>
-    <p:sldLayoutId id="2147483657" r:id="rId9"/>
-    <p:sldLayoutId id="2147483658" r:id="rId10"/>
-    <p:sldLayoutId id="2147483659" r:id="rId11"/>
+    <p:sldLayoutId id="2147483757" r:id="rId1"/>
+    <p:sldLayoutId id="2147483758" r:id="rId2"/>
+    <p:sldLayoutId id="2147483759" r:id="rId3"/>
+    <p:sldLayoutId id="2147483760" r:id="rId4"/>
+    <p:sldLayoutId id="2147483761" r:id="rId5"/>
+    <p:sldLayoutId id="2147483762" r:id="rId6"/>
+    <p:sldLayoutId id="2147483763" r:id="rId7"/>
+    <p:sldLayoutId id="2147483764" r:id="rId8"/>
+    <p:sldLayoutId id="2147483765" r:id="rId9"/>
+    <p:sldLayoutId id="2147483766" r:id="rId10"/>
+    <p:sldLayoutId id="2147483767" r:id="rId11"/>
   </p:sldLayoutIdLst>
   <p:txStyles>
     <p:titleStyle>
@@ -3316,6 +5734,14 @@
 <file path=ppt/slides/slide1.xml><?xml version="1.0" encoding="utf-8"?>
 <p:sld xmlns:a="http://schemas.openxmlformats.org/drawingml/2006/main" xmlns:r="http://schemas.openxmlformats.org/officeDocument/2006/relationships" xmlns:p="http://schemas.openxmlformats.org/presentationml/2006/main">
   <p:cSld>
+    <p:bg>
+      <p:bgPr>
+        <a:solidFill>
+          <a:schemeClr val="bg1"/>
+        </a:solidFill>
+        <a:effectLst/>
+      </p:bgPr>
+    </p:bg>
     <p:spTree>
       <p:nvGrpSpPr>
         <p:cNvPr id="1" name=""/>
@@ -3332,6 +5758,136 @@
       </p:grpSpPr>
       <p:sp>
         <p:nvSpPr>
+          <p:cNvPr id="8" name="Rectangle 7">
+            <a:extLst>
+              <a:ext uri="{FF2B5EF4-FFF2-40B4-BE49-F238E27FC236}">
+                <a16:creationId xmlns:a16="http://schemas.microsoft.com/office/drawing/2014/main" id="{23962611-DFD5-4092-AAFD-559E3DFCE2C9}"/>
+              </a:ext>
+              <a:ext uri="{C183D7F6-B498-43B3-948B-1728B52AA6E4}">
+                <adec:decorative xmlns:adec="http://schemas.microsoft.com/office/drawing/2017/decorative" val="1"/>
+              </a:ext>
+            </a:extLst>
+          </p:cNvPr>
+          <p:cNvSpPr>
+            <a:spLocks noGrp="1" noRot="1" noChangeAspect="1" noMove="1" noResize="1" noEditPoints="1" noAdjustHandles="1" noChangeArrowheads="1" noChangeShapeType="1" noTextEdit="1"/>
+          </p:cNvSpPr>
+          <p:nvPr>
+            <p:extLst>
+              <p:ext uri="{386F3935-93C4-4BCD-93E2-E3B085C9AB24}">
+                <p16:designElem xmlns:p16="http://schemas.microsoft.com/office/powerpoint/2015/main" val="1"/>
+              </p:ext>
+            </p:extLst>
+          </p:nvPr>
+        </p:nvSpPr>
+        <p:spPr>
+          <a:xfrm>
+            <a:off x="475488" y="0"/>
+            <a:ext cx="10910292" cy="6858000"/>
+          </a:xfrm>
+          <a:prstGeom prst="rect">
+            <a:avLst/>
+          </a:prstGeom>
+          <a:gradFill>
+            <a:gsLst>
+              <a:gs pos="0">
+                <a:schemeClr val="accent1">
+                  <a:lumMod val="90000"/>
+                </a:schemeClr>
+              </a:gs>
+              <a:gs pos="25000">
+                <a:schemeClr val="accent1">
+                  <a:lumMod val="90000"/>
+                </a:schemeClr>
+              </a:gs>
+              <a:gs pos="94000">
+                <a:schemeClr val="bg2">
+                  <a:lumMod val="25000"/>
+                </a:schemeClr>
+              </a:gs>
+              <a:gs pos="100000">
+                <a:schemeClr val="bg2">
+                  <a:lumMod val="25000"/>
+                </a:schemeClr>
+              </a:gs>
+            </a:gsLst>
+            <a:lin ang="4200000" scaled="0"/>
+          </a:gradFill>
+          <a:ln>
+            <a:noFill/>
+          </a:ln>
+        </p:spPr>
+        <p:style>
+          <a:lnRef idx="2">
+            <a:schemeClr val="accent1">
+              <a:shade val="50000"/>
+            </a:schemeClr>
+          </a:lnRef>
+          <a:fillRef idx="1">
+            <a:schemeClr val="accent1"/>
+          </a:fillRef>
+          <a:effectRef idx="0">
+            <a:schemeClr val="accent1"/>
+          </a:effectRef>
+          <a:fontRef idx="minor">
+            <a:schemeClr val="lt1"/>
+          </a:fontRef>
+        </p:style>
+        <p:txBody>
+          <a:bodyPr rtlCol="0" anchor="ctr"/>
+          <a:lstStyle/>
+          <a:p>
+            <a:pPr algn="ctr"/>
+            <a:endParaRPr lang="en-US"/>
+          </a:p>
+        </p:txBody>
+      </p:sp>
+      <p:pic>
+        <p:nvPicPr>
+          <p:cNvPr id="10" name="Picture 9">
+            <a:extLst>
+              <a:ext uri="{FF2B5EF4-FFF2-40B4-BE49-F238E27FC236}">
+                <a16:creationId xmlns:a16="http://schemas.microsoft.com/office/drawing/2014/main" id="{2270F1FA-0425-408F-9861-80BF5AFB276D}"/>
+              </a:ext>
+              <a:ext uri="{C183D7F6-B498-43B3-948B-1728B52AA6E4}">
+                <adec:decorative xmlns:adec="http://schemas.microsoft.com/office/drawing/2017/decorative" val="1"/>
+              </a:ext>
+            </a:extLst>
+          </p:cNvPr>
+          <p:cNvPicPr>
+            <a:picLocks noGrp="1" noRot="1" noChangeAspect="1" noMove="1" noResize="1" noEditPoints="1" noAdjustHandles="1" noChangeArrowheads="1" noChangeShapeType="1" noCrop="1"/>
+          </p:cNvPicPr>
+          <p:nvPr>
+            <p:extLst>
+              <p:ext uri="{386F3935-93C4-4BCD-93E2-E3B085C9AB24}">
+                <p16:designElem xmlns:p16="http://schemas.microsoft.com/office/powerpoint/2015/main" val="1"/>
+              </p:ext>
+            </p:extLst>
+          </p:nvPr>
+        </p:nvPicPr>
+        <p:blipFill>
+          <a:blip r:embed="rId2">
+            <a:extLst>
+              <a:ext uri="{28A0092B-C50C-407E-A947-70E740481C1C}">
+                <a14:useLocalDpi xmlns:a14="http://schemas.microsoft.com/office/drawing/2010/main" val="0"/>
+              </a:ext>
+            </a:extLst>
+          </a:blip>
+          <a:stretch>
+            <a:fillRect/>
+          </a:stretch>
+        </p:blipFill>
+        <p:spPr>
+          <a:xfrm>
+            <a:off x="0" y="0"/>
+            <a:ext cx="12192000" cy="6858000"/>
+          </a:xfrm>
+          <a:prstGeom prst="rect">
+            <a:avLst/>
+          </a:prstGeom>
+        </p:spPr>
+      </p:pic>
+      <p:sp>
+        <p:nvSpPr>
           <p:cNvPr id="2" name="Title 1">
             <a:extLst>
               <a:ext uri="{FF2B5EF4-FFF2-40B4-BE49-F238E27FC236}">
@@ -3346,13 +5902,24 @@
             <p:ph type="ctrTitle"/>
           </p:nvPr>
         </p:nvSpPr>
-        <p:spPr/>
+        <p:spPr>
+          <a:xfrm>
+            <a:off x="3045368" y="2043663"/>
+            <a:ext cx="6105194" cy="2031055"/>
+          </a:xfrm>
+        </p:spPr>
         <p:txBody>
-          <a:bodyPr/>
+          <a:bodyPr>
+            <a:normAutofit/>
+          </a:bodyPr>
           <a:lstStyle/>
           <a:p>
             <a:r>
-              <a:rPr lang="en-US" dirty="0"/>
+              <a:rPr lang="en-US">
+                <a:solidFill>
+                  <a:srgbClr val="FFFFFF"/>
+                </a:solidFill>
+              </a:rPr>
               <a:t>Introduction to MapReduce</a:t>
             </a:r>
           </a:p>
@@ -3374,15 +5941,33 @@
             <p:ph type="subTitle" idx="1"/>
           </p:nvPr>
         </p:nvSpPr>
-        <p:spPr/>
+        <p:spPr>
+          <a:xfrm>
+            <a:off x="3045368" y="4074718"/>
+            <a:ext cx="6105194" cy="682079"/>
+          </a:xfrm>
+        </p:spPr>
         <p:txBody>
           <a:bodyPr>
             <a:normAutofit/>
           </a:bodyPr>
           <a:lstStyle/>
           <a:p>
-            <a:pPr algn="l"/>
-            <a:endParaRPr lang="en-US" dirty="0"/>
+            <a:r>
+              <a:rPr lang="en-US">
+                <a:solidFill>
+                  <a:srgbClr val="FFFFFF"/>
+                </a:solidFill>
+              </a:rPr>
+              <a:t>A brief discussion</a:t>
+            </a:r>
+          </a:p>
+          <a:p>
+            <a:endParaRPr lang="en-US">
+              <a:solidFill>
+                <a:srgbClr val="FFFFFF"/>
+              </a:solidFill>
+            </a:endParaRPr>
           </a:p>
         </p:txBody>
       </p:sp>
@@ -3402,6 +5987,14 @@
 <file path=ppt/slides/slide10.xml><?xml version="1.0" encoding="utf-8"?>
 <p:sld xmlns:a="http://schemas.openxmlformats.org/drawingml/2006/main" xmlns:r="http://schemas.openxmlformats.org/officeDocument/2006/relationships" xmlns:p="http://schemas.openxmlformats.org/presentationml/2006/main">
   <p:cSld>
+    <p:bg>
+      <p:bgPr>
+        <a:solidFill>
+          <a:schemeClr val="bg1"/>
+        </a:solidFill>
+        <a:effectLst/>
+      </p:bgPr>
+    </p:bg>
     <p:spTree>
       <p:nvGrpSpPr>
         <p:cNvPr id="1" name=""/>
@@ -3418,6 +6011,345 @@
       </p:grpSpPr>
       <p:sp>
         <p:nvSpPr>
+          <p:cNvPr id="18" name="Rectangle 17">
+            <a:extLst>
+              <a:ext uri="{FF2B5EF4-FFF2-40B4-BE49-F238E27FC236}">
+                <a16:creationId xmlns:a16="http://schemas.microsoft.com/office/drawing/2014/main" id="{6753252F-4873-4F63-801D-CC719279A7D5}"/>
+              </a:ext>
+              <a:ext uri="{C183D7F6-B498-43B3-948B-1728B52AA6E4}">
+                <adec:decorative xmlns:adec="http://schemas.microsoft.com/office/drawing/2017/decorative" val="1"/>
+              </a:ext>
+            </a:extLst>
+          </p:cNvPr>
+          <p:cNvSpPr>
+            <a:spLocks noGrp="1" noRot="1" noChangeAspect="1" noMove="1" noResize="1" noEditPoints="1" noAdjustHandles="1" noChangeArrowheads="1" noChangeShapeType="1" noTextEdit="1"/>
+          </p:cNvSpPr>
+          <p:nvPr>
+            <p:extLst>
+              <p:ext uri="{386F3935-93C4-4BCD-93E2-E3B085C9AB24}">
+                <p16:designElem xmlns:p16="http://schemas.microsoft.com/office/powerpoint/2015/main" val="1"/>
+              </p:ext>
+            </p:extLst>
+          </p:nvPr>
+        </p:nvSpPr>
+        <p:spPr>
+          <a:xfrm>
+            <a:off x="0" y="0"/>
+            <a:ext cx="12192000" cy="6858000"/>
+          </a:xfrm>
+          <a:prstGeom prst="rect">
+            <a:avLst/>
+          </a:prstGeom>
+          <a:solidFill>
+            <a:srgbClr val="FFFFFF"/>
+          </a:solidFill>
+          <a:ln>
+            <a:noFill/>
+          </a:ln>
+        </p:spPr>
+        <p:style>
+          <a:lnRef idx="2">
+            <a:schemeClr val="accent1">
+              <a:shade val="50000"/>
+            </a:schemeClr>
+          </a:lnRef>
+          <a:fillRef idx="1">
+            <a:schemeClr val="accent1"/>
+          </a:fillRef>
+          <a:effectRef idx="0">
+            <a:schemeClr val="accent1"/>
+          </a:effectRef>
+          <a:fontRef idx="minor">
+            <a:schemeClr val="lt1"/>
+          </a:fontRef>
+        </p:style>
+        <p:txBody>
+          <a:bodyPr rtlCol="0" anchor="ctr"/>
+          <a:lstStyle/>
+          <a:p>
+            <a:pPr algn="ctr"/>
+            <a:endParaRPr lang="en-US"/>
+          </a:p>
+        </p:txBody>
+      </p:sp>
+      <p:sp>
+        <p:nvSpPr>
+          <p:cNvPr id="20" name="Rectangle 19">
+            <a:extLst>
+              <a:ext uri="{FF2B5EF4-FFF2-40B4-BE49-F238E27FC236}">
+                <a16:creationId xmlns:a16="http://schemas.microsoft.com/office/drawing/2014/main" id="{047C8CCB-F95D-4249-92DD-651249D3535A}"/>
+              </a:ext>
+              <a:ext uri="{C183D7F6-B498-43B3-948B-1728B52AA6E4}">
+                <adec:decorative xmlns:adec="http://schemas.microsoft.com/office/drawing/2017/decorative" val="1"/>
+              </a:ext>
+            </a:extLst>
+          </p:cNvPr>
+          <p:cNvSpPr>
+            <a:spLocks noGrp="1" noRot="1" noChangeAspect="1" noMove="1" noResize="1" noEditPoints="1" noAdjustHandles="1" noChangeArrowheads="1" noChangeShapeType="1" noTextEdit="1"/>
+          </p:cNvSpPr>
+          <p:nvPr>
+            <p:extLst>
+              <p:ext uri="{386F3935-93C4-4BCD-93E2-E3B085C9AB24}">
+                <p16:designElem xmlns:p16="http://schemas.microsoft.com/office/powerpoint/2015/main" val="1"/>
+              </p:ext>
+            </p:extLst>
+          </p:nvPr>
+        </p:nvSpPr>
+        <p:spPr>
+          <a:xfrm>
+            <a:off x="0" y="0"/>
+            <a:ext cx="2013557" cy="6858000"/>
+          </a:xfrm>
+          <a:prstGeom prst="rect">
+            <a:avLst/>
+          </a:prstGeom>
+          <a:solidFill>
+            <a:srgbClr val="423854"/>
+          </a:solidFill>
+          <a:ln>
+            <a:noFill/>
+          </a:ln>
+        </p:spPr>
+        <p:style>
+          <a:lnRef idx="2">
+            <a:schemeClr val="accent1">
+              <a:shade val="50000"/>
+            </a:schemeClr>
+          </a:lnRef>
+          <a:fillRef idx="1">
+            <a:schemeClr val="accent1"/>
+          </a:fillRef>
+          <a:effectRef idx="0">
+            <a:schemeClr val="accent1"/>
+          </a:effectRef>
+          <a:fontRef idx="minor">
+            <a:schemeClr val="lt1"/>
+          </a:fontRef>
+        </p:style>
+        <p:txBody>
+          <a:bodyPr rtlCol="0" anchor="ctr"/>
+          <a:lstStyle/>
+          <a:p>
+            <a:pPr algn="ctr"/>
+            <a:endParaRPr lang="en-US"/>
+          </a:p>
+        </p:txBody>
+      </p:sp>
+      <p:sp>
+        <p:nvSpPr>
+          <p:cNvPr id="2" name="Title 1">
+            <a:extLst>
+              <a:ext uri="{FF2B5EF4-FFF2-40B4-BE49-F238E27FC236}">
+                <a16:creationId xmlns:a16="http://schemas.microsoft.com/office/drawing/2014/main" id="{3CF19D2E-4181-8B4F-9250-8CCD41F093EA}"/>
+              </a:ext>
+            </a:extLst>
+          </p:cNvPr>
+          <p:cNvSpPr>
+            <a:spLocks noGrp="1"/>
+          </p:cNvSpPr>
+          <p:nvPr>
+            <p:ph type="title"/>
+          </p:nvPr>
+        </p:nvSpPr>
+        <p:spPr>
+          <a:xfrm>
+            <a:off x="640080" y="2074363"/>
+            <a:ext cx="2752354" cy="2709275"/>
+          </a:xfrm>
+          <a:prstGeom prst="ellipse">
+            <a:avLst/>
+          </a:prstGeom>
+          <a:solidFill>
+            <a:srgbClr val="262626"/>
+          </a:solidFill>
+          <a:ln w="174625" cmpd="thinThick">
+            <a:solidFill>
+              <a:srgbClr val="262626"/>
+            </a:solidFill>
+          </a:ln>
+        </p:spPr>
+        <p:txBody>
+          <a:bodyPr vert="horz" lIns="91440" tIns="45720" rIns="91440" bIns="45720" rtlCol="0" anchor="ctr">
+            <a:normAutofit/>
+          </a:bodyPr>
+          <a:lstStyle/>
+          <a:p>
+            <a:pPr algn="ctr"/>
+            <a:r>
+              <a:rPr lang="en-US" sz="2600" kern="1200">
+                <a:solidFill>
+                  <a:srgbClr val="FFFFFF"/>
+                </a:solidFill>
+                <a:latin typeface="+mj-lt"/>
+                <a:ea typeface="+mj-ea"/>
+                <a:cs typeface="+mj-cs"/>
+              </a:rPr>
+              <a:t>Mappers and Reducers</a:t>
+            </a:r>
+          </a:p>
+        </p:txBody>
+      </p:sp>
+      <p:pic>
+        <p:nvPicPr>
+          <p:cNvPr id="13" name="Content Placeholder 12" descr="A screenshot of a cell phone&#10;&#10;Description automatically generated">
+            <a:extLst>
+              <a:ext uri="{FF2B5EF4-FFF2-40B4-BE49-F238E27FC236}">
+                <a16:creationId xmlns:a16="http://schemas.microsoft.com/office/drawing/2014/main" id="{2B60AB98-63D8-CC4C-BDFB-8A78EDB76DEF}"/>
+              </a:ext>
+            </a:extLst>
+          </p:cNvPr>
+          <p:cNvPicPr>
+            <a:picLocks noGrp="1" noChangeAspect="1"/>
+          </p:cNvPicPr>
+          <p:nvPr>
+            <p:ph idx="1"/>
+          </p:nvPr>
+        </p:nvPicPr>
+        <p:blipFill>
+          <a:blip r:embed="rId2"/>
+          <a:stretch>
+            <a:fillRect/>
+          </a:stretch>
+        </p:blipFill>
+        <p:spPr>
+          <a:xfrm>
+            <a:off x="4774156" y="961812"/>
+            <a:ext cx="5717086" cy="4930987"/>
+          </a:xfrm>
+          <a:prstGeom prst="rect">
+            <a:avLst/>
+          </a:prstGeom>
+        </p:spPr>
+      </p:pic>
+    </p:spTree>
+    <p:extLst>
+      <p:ext uri="{BB962C8B-B14F-4D97-AF65-F5344CB8AC3E}">
+        <p14:creationId xmlns:p14="http://schemas.microsoft.com/office/powerpoint/2010/main" val="2583813161"/>
+      </p:ext>
+    </p:extLst>
+  </p:cSld>
+  <p:clrMapOvr>
+    <a:masterClrMapping/>
+  </p:clrMapOvr>
+</p:sld>
+</file>
+
+<file path=ppt/slides/slide11.xml><?xml version="1.0" encoding="utf-8"?>
+<p:sld xmlns:a="http://schemas.openxmlformats.org/drawingml/2006/main" xmlns:r="http://schemas.openxmlformats.org/officeDocument/2006/relationships" xmlns:p="http://schemas.openxmlformats.org/presentationml/2006/main">
+  <p:cSld>
+    <p:bg>
+      <p:bgPr>
+        <a:solidFill>
+          <a:schemeClr val="bg1"/>
+        </a:solidFill>
+        <a:effectLst/>
+      </p:bgPr>
+    </p:bg>
+    <p:spTree>
+      <p:nvGrpSpPr>
+        <p:cNvPr id="1" name=""/>
+        <p:cNvGrpSpPr/>
+        <p:nvPr/>
+      </p:nvGrpSpPr>
+      <p:grpSpPr>
+        <a:xfrm>
+          <a:off x="0" y="0"/>
+          <a:ext cx="0" cy="0"/>
+          <a:chOff x="0" y="0"/>
+          <a:chExt cx="0" cy="0"/>
+        </a:xfrm>
+      </p:grpSpPr>
+      <p:sp useBgFill="1">
+        <p:nvSpPr>
+          <p:cNvPr id="8" name="Rectangle 7">
+            <a:extLst>
+              <a:ext uri="{FF2B5EF4-FFF2-40B4-BE49-F238E27FC236}">
+                <a16:creationId xmlns:a16="http://schemas.microsoft.com/office/drawing/2014/main" id="{559AE206-7EBA-4D33-8BC9-9D8158553F0E}"/>
+              </a:ext>
+              <a:ext uri="{C183D7F6-B498-43B3-948B-1728B52AA6E4}">
+                <adec:decorative xmlns:adec="http://schemas.microsoft.com/office/drawing/2017/decorative" val="1"/>
+              </a:ext>
+            </a:extLst>
+          </p:cNvPr>
+          <p:cNvSpPr>
+            <a:spLocks noGrp="1" noRot="1" noChangeAspect="1" noMove="1" noResize="1" noEditPoints="1" noAdjustHandles="1" noChangeArrowheads="1" noChangeShapeType="1" noTextEdit="1"/>
+          </p:cNvSpPr>
+          <p:nvPr>
+            <p:extLst>
+              <p:ext uri="{386F3935-93C4-4BCD-93E2-E3B085C9AB24}">
+                <p16:designElem xmlns:p16="http://schemas.microsoft.com/office/powerpoint/2015/main" val="1"/>
+              </p:ext>
+            </p:extLst>
+          </p:nvPr>
+        </p:nvSpPr>
+        <p:spPr>
+          <a:xfrm>
+            <a:off x="0" y="0"/>
+            <a:ext cx="12192000" cy="6858000"/>
+          </a:xfrm>
+          <a:prstGeom prst="rect">
+            <a:avLst/>
+          </a:prstGeom>
+          <a:ln>
+            <a:noFill/>
+          </a:ln>
+        </p:spPr>
+        <p:style>
+          <a:lnRef idx="2">
+            <a:schemeClr val="accent1">
+              <a:shade val="50000"/>
+            </a:schemeClr>
+          </a:lnRef>
+          <a:fillRef idx="1">
+            <a:schemeClr val="accent1"/>
+          </a:fillRef>
+          <a:effectRef idx="0">
+            <a:schemeClr val="accent1"/>
+          </a:effectRef>
+          <a:fontRef idx="minor">
+            <a:schemeClr val="lt1"/>
+          </a:fontRef>
+        </p:style>
+        <p:txBody>
+          <a:bodyPr rtlCol="0" anchor="ctr"/>
+          <a:lstStyle/>
+          <a:p>
+            <a:pPr marL="0" marR="0" lvl="0" indent="0" algn="ctr" defTabSz="914400" rtl="0" eaLnBrk="1" fontAlgn="auto" latinLnBrk="0" hangingPunct="1">
+              <a:lnSpc>
+                <a:spcPct val="100000"/>
+              </a:lnSpc>
+              <a:spcBef>
+                <a:spcPts val="0"/>
+              </a:spcBef>
+              <a:spcAft>
+                <a:spcPts val="0"/>
+              </a:spcAft>
+              <a:buClrTx/>
+              <a:buSzTx/>
+              <a:buFontTx/>
+              <a:buNone/>
+              <a:tabLst/>
+              <a:defRPr/>
+            </a:pPr>
+            <a:endParaRPr kumimoji="0" lang="en-US" sz="1800" b="0" i="0" u="none" strike="noStrike" kern="1200" cap="none" spc="0" normalizeH="0" baseline="0" noProof="0">
+              <a:ln>
+                <a:noFill/>
+              </a:ln>
+              <a:solidFill>
+                <a:prstClr val="white"/>
+              </a:solidFill>
+              <a:effectLst/>
+              <a:uLnTx/>
+              <a:uFillTx/>
+              <a:latin typeface="Calibri" panose="020F0502020204030204"/>
+              <a:ea typeface="+mn-ea"/>
+              <a:cs typeface="+mn-cs"/>
+            </a:endParaRPr>
+          </a:p>
+        </p:txBody>
+      </p:sp>
+      <p:sp>
+        <p:nvSpPr>
           <p:cNvPr id="2" name="Title 1">
             <a:extLst>
               <a:ext uri="{FF2B5EF4-FFF2-40B4-BE49-F238E27FC236}">
@@ -3432,13 +6364,28 @@
             <p:ph type="title"/>
           </p:nvPr>
         </p:nvSpPr>
-        <p:spPr/>
+        <p:spPr>
+          <a:xfrm>
+            <a:off x="838199" y="4525347"/>
+            <a:ext cx="6801321" cy="1737360"/>
+          </a:xfrm>
+        </p:spPr>
         <p:txBody>
-          <a:bodyPr/>
+          <a:bodyPr vert="horz" lIns="91440" tIns="45720" rIns="91440" bIns="45720" rtlCol="0" anchor="ctr">
+            <a:normAutofit/>
+          </a:bodyPr>
           <a:lstStyle/>
           <a:p>
-            <a:r>
-              <a:rPr lang="en-US" dirty="0"/>
+            <a:pPr algn="r"/>
+            <a:r>
+              <a:rPr lang="en-US" sz="6000" kern="1200">
+                <a:solidFill>
+                  <a:schemeClr val="tx1"/>
+                </a:solidFill>
+                <a:latin typeface="+mj-lt"/>
+                <a:ea typeface="+mj-ea"/>
+                <a:cs typeface="+mj-cs"/>
+              </a:rPr>
               <a:t>Fault Tolerance</a:t>
             </a:r>
           </a:p>
@@ -3460,21 +6407,518 @@
             <p:ph idx="1"/>
           </p:nvPr>
         </p:nvSpPr>
-        <p:spPr/>
+        <p:spPr>
+          <a:xfrm>
+            <a:off x="7961258" y="4525347"/>
+            <a:ext cx="3258675" cy="1737360"/>
+          </a:xfrm>
+        </p:spPr>
         <p:txBody>
-          <a:bodyPr/>
+          <a:bodyPr vert="horz" lIns="91440" tIns="45720" rIns="91440" bIns="45720" rtlCol="0" anchor="ctr">
+            <a:normAutofit/>
+          </a:bodyPr>
           <a:lstStyle/>
           <a:p>
             <a:pPr marL="0" indent="0">
               <a:buNone/>
             </a:pPr>
             <a:r>
-              <a:rPr lang="en-US" dirty="0"/>
+              <a:rPr lang="en-US" sz="2400" kern="1200">
+                <a:solidFill>
+                  <a:schemeClr val="tx1"/>
+                </a:solidFill>
+                <a:latin typeface="+mn-lt"/>
+                <a:ea typeface="+mn-ea"/>
+                <a:cs typeface="+mn-cs"/>
+              </a:rPr>
               <a:t>If a machine goes down, simply start a new one</a:t>
             </a:r>
           </a:p>
         </p:txBody>
       </p:sp>
+      <p:sp>
+        <p:nvSpPr>
+          <p:cNvPr id="10" name="Oval 9">
+            <a:extLst>
+              <a:ext uri="{FF2B5EF4-FFF2-40B4-BE49-F238E27FC236}">
+                <a16:creationId xmlns:a16="http://schemas.microsoft.com/office/drawing/2014/main" id="{6437D937-A7F1-4011-92B4-328E5BE1B166}"/>
+              </a:ext>
+              <a:ext uri="{C183D7F6-B498-43B3-948B-1728B52AA6E4}">
+                <adec:decorative xmlns:adec="http://schemas.microsoft.com/office/drawing/2017/decorative" val="1"/>
+              </a:ext>
+            </a:extLst>
+          </p:cNvPr>
+          <p:cNvSpPr>
+            <a:spLocks noGrp="1" noRot="1" noChangeAspect="1" noMove="1" noResize="1" noEditPoints="1" noAdjustHandles="1" noChangeArrowheads="1" noChangeShapeType="1" noTextEdit="1"/>
+          </p:cNvSpPr>
+          <p:nvPr>
+            <p:extLst>
+              <p:ext uri="{386F3935-93C4-4BCD-93E2-E3B085C9AB24}">
+                <p16:designElem xmlns:p16="http://schemas.microsoft.com/office/powerpoint/2015/main" val="1"/>
+              </p:ext>
+            </p:extLst>
+          </p:nvPr>
+        </p:nvSpPr>
+        <p:spPr>
+          <a:xfrm>
+            <a:off x="588567" y="620480"/>
+            <a:ext cx="2243800" cy="2243796"/>
+          </a:xfrm>
+          <a:prstGeom prst="ellipse">
+            <a:avLst/>
+          </a:prstGeom>
+          <a:solidFill>
+            <a:schemeClr val="accent5"/>
+          </a:solidFill>
+          <a:ln>
+            <a:noFill/>
+          </a:ln>
+        </p:spPr>
+        <p:style>
+          <a:lnRef idx="2">
+            <a:schemeClr val="accent1">
+              <a:shade val="50000"/>
+            </a:schemeClr>
+          </a:lnRef>
+          <a:fillRef idx="1">
+            <a:schemeClr val="accent1"/>
+          </a:fillRef>
+          <a:effectRef idx="0">
+            <a:schemeClr val="accent1"/>
+          </a:effectRef>
+          <a:fontRef idx="minor">
+            <a:schemeClr val="lt1"/>
+          </a:fontRef>
+        </p:style>
+        <p:txBody>
+          <a:bodyPr rtlCol="0" anchor="ctr"/>
+          <a:lstStyle/>
+          <a:p>
+            <a:pPr marL="0" marR="0" lvl="0" indent="0" algn="ctr" defTabSz="914400" rtl="0" eaLnBrk="1" fontAlgn="auto" latinLnBrk="0" hangingPunct="1">
+              <a:lnSpc>
+                <a:spcPct val="100000"/>
+              </a:lnSpc>
+              <a:spcBef>
+                <a:spcPts val="0"/>
+              </a:spcBef>
+              <a:spcAft>
+                <a:spcPts val="0"/>
+              </a:spcAft>
+              <a:buClrTx/>
+              <a:buSzTx/>
+              <a:buFontTx/>
+              <a:buNone/>
+              <a:tabLst/>
+              <a:defRPr/>
+            </a:pPr>
+            <a:endParaRPr kumimoji="0" lang="en-US" sz="1800" b="0" i="0" u="none" strike="noStrike" kern="1200" cap="none" spc="0" normalizeH="0" baseline="0" noProof="0">
+              <a:ln>
+                <a:noFill/>
+              </a:ln>
+              <a:solidFill>
+                <a:prstClr val="white"/>
+              </a:solidFill>
+              <a:effectLst/>
+              <a:uLnTx/>
+              <a:uFillTx/>
+              <a:latin typeface="Calibri" panose="020F0502020204030204"/>
+              <a:ea typeface="+mn-ea"/>
+              <a:cs typeface="+mn-cs"/>
+            </a:endParaRPr>
+          </a:p>
+        </p:txBody>
+      </p:sp>
+      <p:sp>
+        <p:nvSpPr>
+          <p:cNvPr id="12" name="Oval 11">
+            <a:extLst>
+              <a:ext uri="{FF2B5EF4-FFF2-40B4-BE49-F238E27FC236}">
+                <a16:creationId xmlns:a16="http://schemas.microsoft.com/office/drawing/2014/main" id="{B672F332-AF08-46C6-94F0-77684310D7B7}"/>
+              </a:ext>
+              <a:ext uri="{C183D7F6-B498-43B3-948B-1728B52AA6E4}">
+                <adec:decorative xmlns:adec="http://schemas.microsoft.com/office/drawing/2017/decorative" val="1"/>
+              </a:ext>
+            </a:extLst>
+          </p:cNvPr>
+          <p:cNvSpPr>
+            <a:spLocks noGrp="1" noRot="1" noChangeAspect="1" noMove="1" noResize="1" noEditPoints="1" noAdjustHandles="1" noChangeArrowheads="1" noChangeShapeType="1" noTextEdit="1"/>
+          </p:cNvSpPr>
+          <p:nvPr>
+            <p:extLst>
+              <p:ext uri="{386F3935-93C4-4BCD-93E2-E3B085C9AB24}">
+                <p16:designElem xmlns:p16="http://schemas.microsoft.com/office/powerpoint/2015/main" val="1"/>
+              </p:ext>
+            </p:extLst>
+          </p:nvPr>
+        </p:nvSpPr>
+        <p:spPr>
+          <a:xfrm>
+            <a:off x="3395001" y="2466604"/>
+            <a:ext cx="962395" cy="962395"/>
+          </a:xfrm>
+          <a:prstGeom prst="ellipse">
+            <a:avLst/>
+          </a:prstGeom>
+          <a:solidFill>
+            <a:schemeClr val="accent4"/>
+          </a:solidFill>
+          <a:ln>
+            <a:noFill/>
+          </a:ln>
+        </p:spPr>
+        <p:style>
+          <a:lnRef idx="2">
+            <a:schemeClr val="accent1">
+              <a:shade val="50000"/>
+            </a:schemeClr>
+          </a:lnRef>
+          <a:fillRef idx="1">
+            <a:schemeClr val="accent1"/>
+          </a:fillRef>
+          <a:effectRef idx="0">
+            <a:schemeClr val="accent1"/>
+          </a:effectRef>
+          <a:fontRef idx="minor">
+            <a:schemeClr val="lt1"/>
+          </a:fontRef>
+        </p:style>
+        <p:txBody>
+          <a:bodyPr rtlCol="0" anchor="ctr"/>
+          <a:lstStyle/>
+          <a:p>
+            <a:pPr marL="0" marR="0" lvl="0" indent="0" algn="ctr" defTabSz="914400" rtl="0" eaLnBrk="1" fontAlgn="auto" latinLnBrk="0" hangingPunct="1">
+              <a:lnSpc>
+                <a:spcPct val="100000"/>
+              </a:lnSpc>
+              <a:spcBef>
+                <a:spcPts val="0"/>
+              </a:spcBef>
+              <a:spcAft>
+                <a:spcPts val="0"/>
+              </a:spcAft>
+              <a:buClrTx/>
+              <a:buSzTx/>
+              <a:buFontTx/>
+              <a:buNone/>
+              <a:tabLst/>
+              <a:defRPr/>
+            </a:pPr>
+            <a:endParaRPr kumimoji="0" lang="en-US" sz="1800" b="0" i="0" u="none" strike="noStrike" kern="1200" cap="none" spc="0" normalizeH="0" baseline="0" noProof="0">
+              <a:ln>
+                <a:noFill/>
+              </a:ln>
+              <a:solidFill>
+                <a:prstClr val="white"/>
+              </a:solidFill>
+              <a:effectLst/>
+              <a:uLnTx/>
+              <a:uFillTx/>
+              <a:latin typeface="Calibri" panose="020F0502020204030204"/>
+              <a:ea typeface="+mn-ea"/>
+              <a:cs typeface="+mn-cs"/>
+            </a:endParaRPr>
+          </a:p>
+        </p:txBody>
+      </p:sp>
+      <p:sp>
+        <p:nvSpPr>
+          <p:cNvPr id="14" name="Oval 13">
+            <a:extLst>
+              <a:ext uri="{FF2B5EF4-FFF2-40B4-BE49-F238E27FC236}">
+                <a16:creationId xmlns:a16="http://schemas.microsoft.com/office/drawing/2014/main" id="{34244EF8-D73A-40E1-BE73-D46E6B4B04ED}"/>
+              </a:ext>
+              <a:ext uri="{C183D7F6-B498-43B3-948B-1728B52AA6E4}">
+                <adec:decorative xmlns:adec="http://schemas.microsoft.com/office/drawing/2017/decorative" val="1"/>
+              </a:ext>
+            </a:extLst>
+          </p:cNvPr>
+          <p:cNvSpPr>
+            <a:spLocks noGrp="1" noRot="1" noChangeAspect="1" noMove="1" noResize="1" noEditPoints="1" noAdjustHandles="1" noChangeArrowheads="1" noChangeShapeType="1" noTextEdit="1"/>
+          </p:cNvSpPr>
+          <p:nvPr>
+            <p:extLst>
+              <p:ext uri="{386F3935-93C4-4BCD-93E2-E3B085C9AB24}">
+                <p16:designElem xmlns:p16="http://schemas.microsoft.com/office/powerpoint/2015/main" val="1"/>
+              </p:ext>
+            </p:extLst>
+          </p:nvPr>
+        </p:nvSpPr>
+        <p:spPr>
+          <a:xfrm>
+            <a:off x="5125829" y="2327988"/>
+            <a:ext cx="293695" cy="293695"/>
+          </a:xfrm>
+          <a:prstGeom prst="ellipse">
+            <a:avLst/>
+          </a:prstGeom>
+          <a:solidFill>
+            <a:schemeClr val="accent3"/>
+          </a:solidFill>
+          <a:ln>
+            <a:noFill/>
+          </a:ln>
+        </p:spPr>
+        <p:style>
+          <a:lnRef idx="2">
+            <a:schemeClr val="accent1">
+              <a:shade val="50000"/>
+            </a:schemeClr>
+          </a:lnRef>
+          <a:fillRef idx="1">
+            <a:schemeClr val="accent1"/>
+          </a:fillRef>
+          <a:effectRef idx="0">
+            <a:schemeClr val="accent1"/>
+          </a:effectRef>
+          <a:fontRef idx="minor">
+            <a:schemeClr val="lt1"/>
+          </a:fontRef>
+        </p:style>
+        <p:txBody>
+          <a:bodyPr rtlCol="0" anchor="ctr"/>
+          <a:lstStyle/>
+          <a:p>
+            <a:pPr marL="0" marR="0" lvl="0" indent="0" algn="ctr" defTabSz="914400" rtl="0" eaLnBrk="1" fontAlgn="auto" latinLnBrk="0" hangingPunct="1">
+              <a:lnSpc>
+                <a:spcPct val="100000"/>
+              </a:lnSpc>
+              <a:spcBef>
+                <a:spcPts val="0"/>
+              </a:spcBef>
+              <a:spcAft>
+                <a:spcPts val="0"/>
+              </a:spcAft>
+              <a:buClrTx/>
+              <a:buSzTx/>
+              <a:buFontTx/>
+              <a:buNone/>
+              <a:tabLst/>
+              <a:defRPr/>
+            </a:pPr>
+            <a:endParaRPr kumimoji="0" lang="en-US" sz="1800" b="0" i="0" u="none" strike="noStrike" kern="1200" cap="none" spc="0" normalizeH="0" baseline="0" noProof="0">
+              <a:ln>
+                <a:noFill/>
+              </a:ln>
+              <a:solidFill>
+                <a:prstClr val="white"/>
+              </a:solidFill>
+              <a:effectLst/>
+              <a:uLnTx/>
+              <a:uFillTx/>
+              <a:latin typeface="Calibri" panose="020F0502020204030204"/>
+              <a:ea typeface="+mn-ea"/>
+              <a:cs typeface="+mn-cs"/>
+            </a:endParaRPr>
+          </a:p>
+        </p:txBody>
+      </p:sp>
+      <p:sp>
+        <p:nvSpPr>
+          <p:cNvPr id="16" name="Freeform: Shape 15">
+            <a:extLst>
+              <a:ext uri="{FF2B5EF4-FFF2-40B4-BE49-F238E27FC236}">
+                <a16:creationId xmlns:a16="http://schemas.microsoft.com/office/drawing/2014/main" id="{AB84D7E8-4ECB-42D7-ADBF-01689B0F24AE}"/>
+              </a:ext>
+              <a:ext uri="{C183D7F6-B498-43B3-948B-1728B52AA6E4}">
+                <adec:decorative xmlns:adec="http://schemas.microsoft.com/office/drawing/2017/decorative" val="1"/>
+              </a:ext>
+            </a:extLst>
+          </p:cNvPr>
+          <p:cNvSpPr>
+            <a:spLocks noGrp="1" noRot="1" noChangeAspect="1" noMove="1" noResize="1" noEditPoints="1" noAdjustHandles="1" noChangeArrowheads="1" noChangeShapeType="1" noTextEdit="1"/>
+          </p:cNvSpPr>
+          <p:nvPr>
+            <p:extLst>
+              <p:ext uri="{386F3935-93C4-4BCD-93E2-E3B085C9AB24}">
+                <p16:designElem xmlns:p16="http://schemas.microsoft.com/office/powerpoint/2015/main" val="1"/>
+              </p:ext>
+            </p:extLst>
+          </p:nvPr>
+        </p:nvSpPr>
+        <p:spPr>
+          <a:xfrm>
+            <a:off x="6492113" y="0"/>
+            <a:ext cx="5699887" cy="4059244"/>
+          </a:xfrm>
+          <a:custGeom>
+            <a:avLst/>
+            <a:gdLst>
+              <a:gd name="connsiteX0" fmla="*/ 0 w 5699887"/>
+              <a:gd name="connsiteY0" fmla="*/ 0 h 4059244"/>
+              <a:gd name="connsiteX1" fmla="*/ 5699887 w 5699887"/>
+              <a:gd name="connsiteY1" fmla="*/ 0 h 4059244"/>
+              <a:gd name="connsiteX2" fmla="*/ 5699887 w 5699887"/>
+              <a:gd name="connsiteY2" fmla="*/ 3944096 h 4059244"/>
+              <a:gd name="connsiteX3" fmla="*/ 5525775 w 5699887"/>
+              <a:gd name="connsiteY3" fmla="*/ 3980429 h 4059244"/>
+              <a:gd name="connsiteX4" fmla="*/ 4663256 w 5699887"/>
+              <a:gd name="connsiteY4" fmla="*/ 4059244 h 4059244"/>
+              <a:gd name="connsiteX5" fmla="*/ 8566 w 5699887"/>
+              <a:gd name="connsiteY5" fmla="*/ 67422 h 4059244"/>
+            </a:gdLst>
+            <a:ahLst/>
+            <a:cxnLst>
+              <a:cxn ang="0">
+                <a:pos x="connsiteX0" y="connsiteY0"/>
+              </a:cxn>
+              <a:cxn ang="0">
+                <a:pos x="connsiteX1" y="connsiteY1"/>
+              </a:cxn>
+              <a:cxn ang="0">
+                <a:pos x="connsiteX2" y="connsiteY2"/>
+              </a:cxn>
+              <a:cxn ang="0">
+                <a:pos x="connsiteX3" y="connsiteY3"/>
+              </a:cxn>
+              <a:cxn ang="0">
+                <a:pos x="connsiteX4" y="connsiteY4"/>
+              </a:cxn>
+              <a:cxn ang="0">
+                <a:pos x="connsiteX5" y="connsiteY5"/>
+              </a:cxn>
+            </a:cxnLst>
+            <a:rect l="l" t="t" r="r" b="b"/>
+            <a:pathLst>
+              <a:path w="5699887" h="4059244">
+                <a:moveTo>
+                  <a:pt x="0" y="0"/>
+                </a:moveTo>
+                <a:lnTo>
+                  <a:pt x="5699887" y="0"/>
+                </a:lnTo>
+                <a:lnTo>
+                  <a:pt x="5699887" y="3944096"/>
+                </a:lnTo>
+                <a:lnTo>
+                  <a:pt x="5525775" y="3980429"/>
+                </a:lnTo>
+                <a:cubicBezTo>
+                  <a:pt x="5246154" y="4032190"/>
+                  <a:pt x="4957865" y="4059244"/>
+                  <a:pt x="4663256" y="4059244"/>
+                </a:cubicBezTo>
+                <a:cubicBezTo>
+                  <a:pt x="2306390" y="4059244"/>
+                  <a:pt x="353936" y="2327747"/>
+                  <a:pt x="8566" y="67422"/>
+                </a:cubicBezTo>
+                <a:close/>
+              </a:path>
+            </a:pathLst>
+          </a:custGeom>
+          <a:solidFill>
+            <a:srgbClr val="595959"/>
+          </a:solidFill>
+          <a:ln>
+            <a:noFill/>
+          </a:ln>
+        </p:spPr>
+        <p:style>
+          <a:lnRef idx="2">
+            <a:schemeClr val="accent1">
+              <a:shade val="50000"/>
+            </a:schemeClr>
+          </a:lnRef>
+          <a:fillRef idx="1">
+            <a:schemeClr val="accent1"/>
+          </a:fillRef>
+          <a:effectRef idx="0">
+            <a:schemeClr val="accent1"/>
+          </a:effectRef>
+          <a:fontRef idx="minor">
+            <a:schemeClr val="lt1"/>
+          </a:fontRef>
+        </p:style>
+        <p:txBody>
+          <a:bodyPr rtlCol="0" anchor="ctr"/>
+          <a:lstStyle/>
+          <a:p>
+            <a:pPr marL="0" marR="0" lvl="0" indent="0" algn="ctr" defTabSz="914400" rtl="0" eaLnBrk="1" fontAlgn="auto" latinLnBrk="0" hangingPunct="1">
+              <a:lnSpc>
+                <a:spcPct val="100000"/>
+              </a:lnSpc>
+              <a:spcBef>
+                <a:spcPts val="0"/>
+              </a:spcBef>
+              <a:spcAft>
+                <a:spcPts val="0"/>
+              </a:spcAft>
+              <a:buClrTx/>
+              <a:buSzTx/>
+              <a:buFontTx/>
+              <a:buNone/>
+              <a:tabLst/>
+              <a:defRPr/>
+            </a:pPr>
+            <a:endParaRPr kumimoji="0" lang="en-US" sz="1800" b="0" i="0" u="none" strike="noStrike" kern="1200" cap="none" spc="0" normalizeH="0" baseline="0" noProof="0">
+              <a:ln>
+                <a:noFill/>
+              </a:ln>
+              <a:solidFill>
+                <a:prstClr val="white"/>
+              </a:solidFill>
+              <a:effectLst/>
+              <a:uLnTx/>
+              <a:uFillTx/>
+              <a:latin typeface="Calibri" panose="020F0502020204030204"/>
+              <a:ea typeface="+mn-ea"/>
+              <a:cs typeface="+mn-cs"/>
+            </a:endParaRPr>
+          </a:p>
+        </p:txBody>
+      </p:sp>
+      <p:cxnSp>
+        <p:nvCxnSpPr>
+          <p:cNvPr id="18" name="Straight Connector 17">
+            <a:extLst>
+              <a:ext uri="{FF2B5EF4-FFF2-40B4-BE49-F238E27FC236}">
+                <a16:creationId xmlns:a16="http://schemas.microsoft.com/office/drawing/2014/main" id="{9E8E38ED-369A-44C2-B635-0BED0E48A6E8}"/>
+              </a:ext>
+              <a:ext uri="{C183D7F6-B498-43B3-948B-1728B52AA6E4}">
+                <adec:decorative xmlns:adec="http://schemas.microsoft.com/office/drawing/2017/decorative" val="1"/>
+              </a:ext>
+            </a:extLst>
+          </p:cNvPr>
+          <p:cNvCxnSpPr>
+            <a:cxnSpLocks noGrp="1" noRot="1" noChangeAspect="1" noMove="1" noResize="1" noEditPoints="1" noAdjustHandles="1" noChangeArrowheads="1" noChangeShapeType="1"/>
+          </p:cNvCxnSpPr>
+          <p:nvPr>
+            <p:extLst>
+              <p:ext uri="{386F3935-93C4-4BCD-93E2-E3B085C9AB24}">
+                <p16:designElem xmlns:p16="http://schemas.microsoft.com/office/powerpoint/2015/main" val="1"/>
+              </p:ext>
+            </p:extLst>
+          </p:nvPr>
+        </p:nvCxnSpPr>
+        <p:spPr>
+          <a:xfrm>
+            <a:off x="7800392" y="4525347"/>
+            <a:ext cx="0" cy="1737360"/>
+          </a:xfrm>
+          <a:prstGeom prst="line">
+            <a:avLst/>
+          </a:prstGeom>
+          <a:ln w="19050" cap="sq">
+            <a:solidFill>
+              <a:schemeClr val="tx1"/>
+            </a:solidFill>
+          </a:ln>
+        </p:spPr>
+        <p:style>
+          <a:lnRef idx="1">
+            <a:schemeClr val="accent1"/>
+          </a:lnRef>
+          <a:fillRef idx="0">
+            <a:schemeClr val="accent1"/>
+          </a:fillRef>
+          <a:effectRef idx="0">
+            <a:schemeClr val="accent1"/>
+          </a:effectRef>
+          <a:fontRef idx="minor">
+            <a:schemeClr val="tx1"/>
+          </a:fontRef>
+        </p:style>
+      </p:cxnSp>
     </p:spTree>
     <p:extLst>
       <p:ext uri="{BB962C8B-B14F-4D97-AF65-F5344CB8AC3E}">
@@ -3491,6 +6935,434 @@
 <file path=ppt/slides/slide2.xml><?xml version="1.0" encoding="utf-8"?>
 <p:sld xmlns:a="http://schemas.openxmlformats.org/drawingml/2006/main" xmlns:r="http://schemas.openxmlformats.org/officeDocument/2006/relationships" xmlns:p="http://schemas.openxmlformats.org/presentationml/2006/main">
   <p:cSld>
+    <p:bg>
+      <p:bgPr>
+        <a:solidFill>
+          <a:schemeClr val="bg1"/>
+        </a:solidFill>
+        <a:effectLst/>
+      </p:bgPr>
+    </p:bg>
+    <p:spTree>
+      <p:nvGrpSpPr>
+        <p:cNvPr id="1" name=""/>
+        <p:cNvGrpSpPr/>
+        <p:nvPr/>
+      </p:nvGrpSpPr>
+      <p:grpSpPr>
+        <a:xfrm>
+          <a:off x="0" y="0"/>
+          <a:ext cx="0" cy="0"/>
+          <a:chOff x="0" y="0"/>
+          <a:chExt cx="0" cy="0"/>
+        </a:xfrm>
+      </p:grpSpPr>
+      <p:sp useBgFill="1">
+        <p:nvSpPr>
+          <p:cNvPr id="8" name="Rectangle 7">
+            <a:extLst>
+              <a:ext uri="{FF2B5EF4-FFF2-40B4-BE49-F238E27FC236}">
+                <a16:creationId xmlns:a16="http://schemas.microsoft.com/office/drawing/2014/main" id="{3B854194-185D-494D-905C-7C7CB2E30F6E}"/>
+              </a:ext>
+              <a:ext uri="{C183D7F6-B498-43B3-948B-1728B52AA6E4}">
+                <adec:decorative xmlns:adec="http://schemas.microsoft.com/office/drawing/2017/decorative" val="1"/>
+              </a:ext>
+            </a:extLst>
+          </p:cNvPr>
+          <p:cNvSpPr>
+            <a:spLocks noGrp="1" noRot="1" noChangeAspect="1" noMove="1" noResize="1" noEditPoints="1" noAdjustHandles="1" noChangeArrowheads="1" noChangeShapeType="1" noTextEdit="1"/>
+          </p:cNvSpPr>
+          <p:nvPr>
+            <p:extLst>
+              <p:ext uri="{386F3935-93C4-4BCD-93E2-E3B085C9AB24}">
+                <p16:designElem xmlns:p16="http://schemas.microsoft.com/office/powerpoint/2015/main" val="1"/>
+              </p:ext>
+            </p:extLst>
+          </p:nvPr>
+        </p:nvSpPr>
+        <p:spPr>
+          <a:xfrm>
+            <a:off x="1" y="0"/>
+            <a:ext cx="6082110" cy="6858000"/>
+          </a:xfrm>
+          <a:prstGeom prst="rect">
+            <a:avLst/>
+          </a:prstGeom>
+          <a:ln>
+            <a:noFill/>
+          </a:ln>
+        </p:spPr>
+        <p:style>
+          <a:lnRef idx="2">
+            <a:schemeClr val="accent1">
+              <a:shade val="50000"/>
+            </a:schemeClr>
+          </a:lnRef>
+          <a:fillRef idx="1">
+            <a:schemeClr val="accent1"/>
+          </a:fillRef>
+          <a:effectRef idx="0">
+            <a:schemeClr val="accent1"/>
+          </a:effectRef>
+          <a:fontRef idx="minor">
+            <a:schemeClr val="lt1"/>
+          </a:fontRef>
+        </p:style>
+        <p:txBody>
+          <a:bodyPr rtlCol="0" anchor="ctr"/>
+          <a:lstStyle/>
+          <a:p>
+            <a:pPr algn="ctr"/>
+            <a:endParaRPr lang="en-US"/>
+          </a:p>
+        </p:txBody>
+      </p:sp>
+      <p:sp>
+        <p:nvSpPr>
+          <p:cNvPr id="13" name="Rectangle 9">
+            <a:extLst>
+              <a:ext uri="{FF2B5EF4-FFF2-40B4-BE49-F238E27FC236}">
+                <a16:creationId xmlns:a16="http://schemas.microsoft.com/office/drawing/2014/main" id="{B4F5FA0D-0104-4987-8241-EFF7C85B88DE}"/>
+              </a:ext>
+              <a:ext uri="{C183D7F6-B498-43B3-948B-1728B52AA6E4}">
+                <adec:decorative xmlns:adec="http://schemas.microsoft.com/office/drawing/2017/decorative" val="1"/>
+              </a:ext>
+            </a:extLst>
+          </p:cNvPr>
+          <p:cNvSpPr>
+            <a:spLocks noGrp="1" noRot="1" noChangeAspect="1" noMove="1" noResize="1" noEditPoints="1" noAdjustHandles="1" noChangeArrowheads="1" noChangeShapeType="1" noTextEdit="1"/>
+          </p:cNvSpPr>
+          <p:nvPr>
+            <p:extLst>
+              <p:ext uri="{386F3935-93C4-4BCD-93E2-E3B085C9AB24}">
+                <p16:designElem xmlns:p16="http://schemas.microsoft.com/office/powerpoint/2015/main" val="1"/>
+              </p:ext>
+            </p:extLst>
+          </p:nvPr>
+        </p:nvSpPr>
+        <p:spPr>
+          <a:xfrm>
+            <a:off x="1" y="0"/>
+            <a:ext cx="12191998" cy="6858000"/>
+          </a:xfrm>
+          <a:prstGeom prst="rect">
+            <a:avLst/>
+          </a:prstGeom>
+          <a:gradFill>
+            <a:gsLst>
+              <a:gs pos="0">
+                <a:schemeClr val="accent1">
+                  <a:lumMod val="90000"/>
+                </a:schemeClr>
+              </a:gs>
+              <a:gs pos="25000">
+                <a:schemeClr val="accent1">
+                  <a:lumMod val="90000"/>
+                </a:schemeClr>
+              </a:gs>
+              <a:gs pos="94000">
+                <a:schemeClr val="bg2">
+                  <a:lumMod val="25000"/>
+                </a:schemeClr>
+              </a:gs>
+              <a:gs pos="100000">
+                <a:schemeClr val="bg2">
+                  <a:lumMod val="25000"/>
+                </a:schemeClr>
+              </a:gs>
+            </a:gsLst>
+            <a:lin ang="4200000" scaled="0"/>
+          </a:gradFill>
+          <a:ln>
+            <a:noFill/>
+          </a:ln>
+        </p:spPr>
+        <p:style>
+          <a:lnRef idx="2">
+            <a:schemeClr val="accent1">
+              <a:shade val="50000"/>
+            </a:schemeClr>
+          </a:lnRef>
+          <a:fillRef idx="1">
+            <a:schemeClr val="accent1"/>
+          </a:fillRef>
+          <a:effectRef idx="0">
+            <a:schemeClr val="accent1"/>
+          </a:effectRef>
+          <a:fontRef idx="minor">
+            <a:schemeClr val="lt1"/>
+          </a:fontRef>
+        </p:style>
+        <p:txBody>
+          <a:bodyPr rtlCol="0" anchor="ctr"/>
+          <a:lstStyle/>
+          <a:p>
+            <a:pPr algn="ctr"/>
+            <a:endParaRPr lang="en-US"/>
+          </a:p>
+        </p:txBody>
+      </p:sp>
+      <p:pic>
+        <p:nvPicPr>
+          <p:cNvPr id="12" name="Picture 11">
+            <a:extLst>
+              <a:ext uri="{FF2B5EF4-FFF2-40B4-BE49-F238E27FC236}">
+                <a16:creationId xmlns:a16="http://schemas.microsoft.com/office/drawing/2014/main" id="{2897127E-6CEF-446C-BE87-93B7C46E49D1}"/>
+              </a:ext>
+              <a:ext uri="{C183D7F6-B498-43B3-948B-1728B52AA6E4}">
+                <adec:decorative xmlns:adec="http://schemas.microsoft.com/office/drawing/2017/decorative" val="1"/>
+              </a:ext>
+            </a:extLst>
+          </p:cNvPr>
+          <p:cNvPicPr>
+            <a:picLocks noGrp="1" noRot="1" noChangeAspect="1" noMove="1" noResize="1" noEditPoints="1" noAdjustHandles="1" noChangeArrowheads="1" noChangeShapeType="1" noCrop="1"/>
+          </p:cNvPicPr>
+          <p:nvPr>
+            <p:extLst>
+              <p:ext uri="{386F3935-93C4-4BCD-93E2-E3B085C9AB24}">
+                <p16:designElem xmlns:p16="http://schemas.microsoft.com/office/powerpoint/2015/main" val="1"/>
+              </p:ext>
+            </p:extLst>
+          </p:nvPr>
+        </p:nvPicPr>
+        <p:blipFill>
+          <a:blip r:embed="rId2">
+            <a:extLst>
+              <a:ext uri="{28A0092B-C50C-407E-A947-70E740481C1C}">
+                <a14:useLocalDpi xmlns:a14="http://schemas.microsoft.com/office/drawing/2010/main" val="0"/>
+              </a:ext>
+            </a:extLst>
+          </a:blip>
+          <a:stretch>
+            <a:fillRect/>
+          </a:stretch>
+        </p:blipFill>
+        <p:spPr>
+          <a:xfrm>
+            <a:off x="0" y="0"/>
+            <a:ext cx="12192000" cy="6858000"/>
+          </a:xfrm>
+          <a:prstGeom prst="rect">
+            <a:avLst/>
+          </a:prstGeom>
+        </p:spPr>
+      </p:pic>
+      <p:sp>
+        <p:nvSpPr>
+          <p:cNvPr id="2" name="Title 1">
+            <a:extLst>
+              <a:ext uri="{FF2B5EF4-FFF2-40B4-BE49-F238E27FC236}">
+                <a16:creationId xmlns:a16="http://schemas.microsoft.com/office/drawing/2014/main" id="{11C3A7BE-C094-FF4E-B13D-2E75BD7E890E}"/>
+              </a:ext>
+            </a:extLst>
+          </p:cNvPr>
+          <p:cNvSpPr>
+            <a:spLocks noGrp="1"/>
+          </p:cNvSpPr>
+          <p:nvPr>
+            <p:ph type="title"/>
+          </p:nvPr>
+        </p:nvSpPr>
+        <p:spPr>
+          <a:xfrm>
+            <a:off x="640079" y="2053641"/>
+            <a:ext cx="3669161" cy="2760098"/>
+          </a:xfrm>
+        </p:spPr>
+        <p:txBody>
+          <a:bodyPr>
+            <a:normAutofit/>
+          </a:bodyPr>
+          <a:lstStyle/>
+          <a:p>
+            <a:r>
+              <a:rPr lang="en-US">
+                <a:solidFill>
+                  <a:srgbClr val="FFFFFF"/>
+                </a:solidFill>
+              </a:rPr>
+              <a:t>Overview</a:t>
+            </a:r>
+          </a:p>
+        </p:txBody>
+      </p:sp>
+      <p:sp>
+        <p:nvSpPr>
+          <p:cNvPr id="3" name="Content Placeholder 2">
+            <a:extLst>
+              <a:ext uri="{FF2B5EF4-FFF2-40B4-BE49-F238E27FC236}">
+                <a16:creationId xmlns:a16="http://schemas.microsoft.com/office/drawing/2014/main" id="{7FB419AD-B91C-444A-8164-DEDCB958FDF2}"/>
+              </a:ext>
+            </a:extLst>
+          </p:cNvPr>
+          <p:cNvSpPr>
+            <a:spLocks noGrp="1"/>
+          </p:cNvSpPr>
+          <p:nvPr>
+            <p:ph idx="1"/>
+          </p:nvPr>
+        </p:nvSpPr>
+        <p:spPr>
+          <a:xfrm>
+            <a:off x="6090574" y="801866"/>
+            <a:ext cx="5306084" cy="5230634"/>
+          </a:xfrm>
+        </p:spPr>
+        <p:txBody>
+          <a:bodyPr anchor="ctr">
+            <a:normAutofit/>
+          </a:bodyPr>
+          <a:lstStyle/>
+          <a:p>
+            <a:r>
+              <a:rPr lang="en-US" sz="2200">
+                <a:solidFill>
+                  <a:srgbClr val="000000"/>
+                </a:solidFill>
+              </a:rPr>
+              <a:t>Hadoop MapReduce is a software framework for easily writing applications which process </a:t>
+            </a:r>
+            <a:r>
+              <a:rPr lang="en-US" sz="2200" b="1" i="1">
+                <a:solidFill>
+                  <a:srgbClr val="000000"/>
+                </a:solidFill>
+              </a:rPr>
+              <a:t>vast amounts of data </a:t>
+            </a:r>
+            <a:r>
+              <a:rPr lang="en-US" sz="2200">
+                <a:solidFill>
+                  <a:srgbClr val="000000"/>
+                </a:solidFill>
+              </a:rPr>
+              <a:t>(multi-terabyte data-sets) </a:t>
+            </a:r>
+            <a:r>
+              <a:rPr lang="en-US" sz="2200" b="1" i="1">
+                <a:solidFill>
+                  <a:srgbClr val="000000"/>
+                </a:solidFill>
+              </a:rPr>
+              <a:t>in-parallel on large clusters </a:t>
+            </a:r>
+            <a:r>
+              <a:rPr lang="en-US" sz="2200">
+                <a:solidFill>
+                  <a:srgbClr val="000000"/>
+                </a:solidFill>
+              </a:rPr>
+              <a:t>(thousands of nodes) of </a:t>
+            </a:r>
+            <a:r>
+              <a:rPr lang="en-US" sz="2200" b="1" i="1">
+                <a:solidFill>
+                  <a:srgbClr val="000000"/>
+                </a:solidFill>
+              </a:rPr>
+              <a:t>commodity hardware </a:t>
+            </a:r>
+            <a:r>
+              <a:rPr lang="en-US" sz="2200">
+                <a:solidFill>
+                  <a:srgbClr val="000000"/>
+                </a:solidFill>
+              </a:rPr>
+              <a:t>in a </a:t>
+            </a:r>
+            <a:r>
+              <a:rPr lang="en-US" sz="2200" b="1" i="1">
+                <a:solidFill>
+                  <a:srgbClr val="000000"/>
+                </a:solidFill>
+              </a:rPr>
+              <a:t>reliable, fault-tolerant </a:t>
+            </a:r>
+            <a:r>
+              <a:rPr lang="en-US" sz="2200">
+                <a:solidFill>
+                  <a:srgbClr val="000000"/>
+                </a:solidFill>
+              </a:rPr>
+              <a:t>manner.</a:t>
+            </a:r>
+          </a:p>
+          <a:p>
+            <a:r>
+              <a:rPr lang="en-US" sz="2200">
+                <a:solidFill>
+                  <a:srgbClr val="000000"/>
+                </a:solidFill>
+              </a:rPr>
+              <a:t>The framework </a:t>
+            </a:r>
+            <a:r>
+              <a:rPr lang="en-US" sz="2200" b="1" i="1">
+                <a:solidFill>
+                  <a:srgbClr val="000000"/>
+                </a:solidFill>
+              </a:rPr>
+              <a:t>sorts the outputs of the maps</a:t>
+            </a:r>
+            <a:r>
+              <a:rPr lang="en-US" sz="2200">
+                <a:solidFill>
+                  <a:srgbClr val="000000"/>
+                </a:solidFill>
+              </a:rPr>
+              <a:t>, which are then input to the </a:t>
+            </a:r>
+            <a:r>
+              <a:rPr lang="en-US" sz="2200" b="1" i="1">
+                <a:solidFill>
+                  <a:srgbClr val="000000"/>
+                </a:solidFill>
+              </a:rPr>
+              <a:t>reduce</a:t>
+            </a:r>
+            <a:r>
+              <a:rPr lang="en-US" sz="2200" i="1">
+                <a:solidFill>
+                  <a:srgbClr val="000000"/>
+                </a:solidFill>
+              </a:rPr>
+              <a:t> tasks</a:t>
+            </a:r>
+            <a:r>
+              <a:rPr lang="en-US" sz="2200">
+                <a:solidFill>
+                  <a:srgbClr val="000000"/>
+                </a:solidFill>
+              </a:rPr>
+              <a:t>. Typically both the input and the output of the job are stored in a file-system. The framework takes care of scheduling tasks, monitoring them and re-executes the failed tasks.</a:t>
+            </a:r>
+          </a:p>
+        </p:txBody>
+      </p:sp>
+    </p:spTree>
+    <p:extLst>
+      <p:ext uri="{BB962C8B-B14F-4D97-AF65-F5344CB8AC3E}">
+        <p14:creationId xmlns:p14="http://schemas.microsoft.com/office/powerpoint/2010/main" val="1237705158"/>
+      </p:ext>
+    </p:extLst>
+  </p:cSld>
+  <p:clrMapOvr>
+    <a:masterClrMapping/>
+  </p:clrMapOvr>
+</p:sld>
+</file>
+
+<file path=ppt/slides/slide3.xml><?xml version="1.0" encoding="utf-8"?>
+<p:sld xmlns:a="http://schemas.openxmlformats.org/drawingml/2006/main" xmlns:r="http://schemas.openxmlformats.org/officeDocument/2006/relationships" xmlns:p="http://schemas.openxmlformats.org/presentationml/2006/main">
+  <p:cSld>
+    <p:bg>
+      <p:bgPr>
+        <a:solidFill>
+          <a:schemeClr val="bg1"/>
+        </a:solidFill>
+        <a:effectLst/>
+      </p:bgPr>
+    </p:bg>
     <p:spTree>
       <p:nvGrpSpPr>
         <p:cNvPr id="1" name=""/>
@@ -3507,6 +7379,137 @@
       </p:grpSpPr>
       <p:sp>
         <p:nvSpPr>
+          <p:cNvPr id="9" name="Rectangle 8">
+            <a:extLst>
+              <a:ext uri="{FF2B5EF4-FFF2-40B4-BE49-F238E27FC236}">
+                <a16:creationId xmlns:a16="http://schemas.microsoft.com/office/drawing/2014/main" id="{AFA67CD3-AB4E-4A7A-BEB8-53C445D8C44E}"/>
+              </a:ext>
+              <a:ext uri="{C183D7F6-B498-43B3-948B-1728B52AA6E4}">
+                <adec:decorative xmlns:adec="http://schemas.microsoft.com/office/drawing/2017/decorative" val="1"/>
+              </a:ext>
+            </a:extLst>
+          </p:cNvPr>
+          <p:cNvSpPr>
+            <a:spLocks noGrp="1" noRot="1" noChangeAspect="1" noMove="1" noResize="1" noEditPoints="1" noAdjustHandles="1" noChangeArrowheads="1" noChangeShapeType="1" noTextEdit="1"/>
+          </p:cNvSpPr>
+          <p:nvPr>
+            <p:extLst>
+              <p:ext uri="{386F3935-93C4-4BCD-93E2-E3B085C9AB24}">
+                <p16:designElem xmlns:p16="http://schemas.microsoft.com/office/powerpoint/2015/main" val="1"/>
+              </p:ext>
+            </p:extLst>
+          </p:nvPr>
+        </p:nvSpPr>
+        <p:spPr>
+          <a:xfrm>
+            <a:off x="1" y="3726"/>
+            <a:ext cx="5614875" cy="6858000"/>
+          </a:xfrm>
+          <a:prstGeom prst="rect">
+            <a:avLst/>
+          </a:prstGeom>
+          <a:gradFill>
+            <a:gsLst>
+              <a:gs pos="0">
+                <a:schemeClr val="accent1">
+                  <a:lumMod val="100000"/>
+                  <a:alpha val="82000"/>
+                </a:schemeClr>
+              </a:gs>
+              <a:gs pos="25000">
+                <a:schemeClr val="accent1">
+                  <a:alpha val="60000"/>
+                </a:schemeClr>
+              </a:gs>
+              <a:gs pos="94000">
+                <a:schemeClr val="bg2">
+                  <a:lumMod val="75000"/>
+                </a:schemeClr>
+              </a:gs>
+              <a:gs pos="100000">
+                <a:schemeClr val="bg2">
+                  <a:lumMod val="75000"/>
+                </a:schemeClr>
+              </a:gs>
+            </a:gsLst>
+            <a:lin ang="4200000" scaled="0"/>
+          </a:gradFill>
+          <a:ln>
+            <a:noFill/>
+          </a:ln>
+        </p:spPr>
+        <p:style>
+          <a:lnRef idx="2">
+            <a:schemeClr val="accent1">
+              <a:shade val="50000"/>
+            </a:schemeClr>
+          </a:lnRef>
+          <a:fillRef idx="1">
+            <a:schemeClr val="accent1"/>
+          </a:fillRef>
+          <a:effectRef idx="0">
+            <a:schemeClr val="accent1"/>
+          </a:effectRef>
+          <a:fontRef idx="minor">
+            <a:schemeClr val="lt1"/>
+          </a:fontRef>
+        </p:style>
+        <p:txBody>
+          <a:bodyPr rtlCol="0" anchor="ctr"/>
+          <a:lstStyle/>
+          <a:p>
+            <a:pPr algn="ctr"/>
+            <a:endParaRPr lang="en-US"/>
+          </a:p>
+        </p:txBody>
+      </p:sp>
+      <p:pic>
+        <p:nvPicPr>
+          <p:cNvPr id="11" name="Picture 10">
+            <a:extLst>
+              <a:ext uri="{FF2B5EF4-FFF2-40B4-BE49-F238E27FC236}">
+                <a16:creationId xmlns:a16="http://schemas.microsoft.com/office/drawing/2014/main" id="{07CF545F-9C2E-4446-97CD-AD92990C2B68}"/>
+              </a:ext>
+              <a:ext uri="{C183D7F6-B498-43B3-948B-1728B52AA6E4}">
+                <adec:decorative xmlns:adec="http://schemas.microsoft.com/office/drawing/2017/decorative" val="1"/>
+              </a:ext>
+            </a:extLst>
+          </p:cNvPr>
+          <p:cNvPicPr>
+            <a:picLocks noGrp="1" noRot="1" noChangeAspect="1" noMove="1" noResize="1" noEditPoints="1" noAdjustHandles="1" noChangeArrowheads="1" noChangeShapeType="1" noCrop="1"/>
+          </p:cNvPicPr>
+          <p:nvPr>
+            <p:extLst>
+              <p:ext uri="{386F3935-93C4-4BCD-93E2-E3B085C9AB24}">
+                <p16:designElem xmlns:p16="http://schemas.microsoft.com/office/powerpoint/2015/main" val="1"/>
+              </p:ext>
+            </p:extLst>
+          </p:nvPr>
+        </p:nvPicPr>
+        <p:blipFill>
+          <a:blip r:embed="rId2">
+            <a:extLst>
+              <a:ext uri="{28A0092B-C50C-407E-A947-70E740481C1C}">
+                <a14:useLocalDpi xmlns:a14="http://schemas.microsoft.com/office/drawing/2010/main" val="0"/>
+              </a:ext>
+            </a:extLst>
+          </a:blip>
+          <a:stretch>
+            <a:fillRect/>
+          </a:stretch>
+        </p:blipFill>
+        <p:spPr>
+          <a:xfrm>
+            <a:off x="0" y="0"/>
+            <a:ext cx="12192000" cy="6858000"/>
+          </a:xfrm>
+          <a:prstGeom prst="rect">
+            <a:avLst/>
+          </a:prstGeom>
+        </p:spPr>
+      </p:pic>
+      <p:sp>
+        <p:nvSpPr>
           <p:cNvPr id="2" name="Title 1">
             <a:extLst>
               <a:ext uri="{FF2B5EF4-FFF2-40B4-BE49-F238E27FC236}">
@@ -3521,15 +7524,233 @@
             <p:ph type="title"/>
           </p:nvPr>
         </p:nvSpPr>
-        <p:spPr/>
+        <p:spPr>
+          <a:xfrm>
+            <a:off x="6094105" y="802955"/>
+            <a:ext cx="4977976" cy="1454051"/>
+          </a:xfrm>
+        </p:spPr>
         <p:txBody>
-          <a:bodyPr/>
+          <a:bodyPr>
+            <a:normAutofit/>
+          </a:bodyPr>
           <a:lstStyle/>
           <a:p>
-            <a:endParaRPr lang="en-US" dirty="0"/>
+            <a:r>
+              <a:rPr lang="en-US">
+                <a:solidFill>
+                  <a:srgbClr val="000000"/>
+                </a:solidFill>
+              </a:rPr>
+              <a:t>MapReduce</a:t>
+            </a:r>
           </a:p>
         </p:txBody>
       </p:sp>
+      <p:sp>
+        <p:nvSpPr>
+          <p:cNvPr id="13" name="Freeform 62">
+            <a:extLst>
+              <a:ext uri="{FF2B5EF4-FFF2-40B4-BE49-F238E27FC236}">
+                <a16:creationId xmlns:a16="http://schemas.microsoft.com/office/drawing/2014/main" id="{339C8D78-A644-462F-B674-F440635E5353}"/>
+              </a:ext>
+              <a:ext uri="{C183D7F6-B498-43B3-948B-1728B52AA6E4}">
+                <adec:decorative xmlns:adec="http://schemas.microsoft.com/office/drawing/2017/decorative" val="1"/>
+              </a:ext>
+            </a:extLst>
+          </p:cNvPr>
+          <p:cNvSpPr>
+            <a:spLocks noGrp="1" noRot="1" noChangeAspect="1" noMove="1" noResize="1" noEditPoints="1" noAdjustHandles="1" noChangeArrowheads="1" noChangeShapeType="1" noTextEdit="1"/>
+          </p:cNvSpPr>
+          <p:nvPr>
+            <p:extLst>
+              <p:ext uri="{386F3935-93C4-4BCD-93E2-E3B085C9AB24}">
+                <p16:designElem xmlns:p16="http://schemas.microsoft.com/office/powerpoint/2015/main" val="1"/>
+              </p:ext>
+            </p:extLst>
+          </p:nvPr>
+        </p:nvSpPr>
+        <p:spPr>
+          <a:xfrm>
+            <a:off x="0" y="738619"/>
+            <a:ext cx="5000438" cy="5400962"/>
+          </a:xfrm>
+          <a:custGeom>
+            <a:avLst/>
+            <a:gdLst>
+              <a:gd name="connsiteX0" fmla="*/ 2299956 w 5000438"/>
+              <a:gd name="connsiteY0" fmla="*/ 0 h 5400962"/>
+              <a:gd name="connsiteX1" fmla="*/ 5000438 w 5000438"/>
+              <a:gd name="connsiteY1" fmla="*/ 2700481 h 5400962"/>
+              <a:gd name="connsiteX2" fmla="*/ 2299956 w 5000438"/>
+              <a:gd name="connsiteY2" fmla="*/ 5400962 h 5400962"/>
+              <a:gd name="connsiteX3" fmla="*/ 60675 w 5000438"/>
+              <a:gd name="connsiteY3" fmla="*/ 4210346 h 5400962"/>
+              <a:gd name="connsiteX4" fmla="*/ 0 w 5000438"/>
+              <a:gd name="connsiteY4" fmla="*/ 4110472 h 5400962"/>
+              <a:gd name="connsiteX5" fmla="*/ 0 w 5000438"/>
+              <a:gd name="connsiteY5" fmla="*/ 1290491 h 5400962"/>
+              <a:gd name="connsiteX6" fmla="*/ 60675 w 5000438"/>
+              <a:gd name="connsiteY6" fmla="*/ 1190617 h 5400962"/>
+              <a:gd name="connsiteX7" fmla="*/ 2299956 w 5000438"/>
+              <a:gd name="connsiteY7" fmla="*/ 0 h 5400962"/>
+            </a:gdLst>
+            <a:ahLst/>
+            <a:cxnLst>
+              <a:cxn ang="0">
+                <a:pos x="connsiteX0" y="connsiteY0"/>
+              </a:cxn>
+              <a:cxn ang="0">
+                <a:pos x="connsiteX1" y="connsiteY1"/>
+              </a:cxn>
+              <a:cxn ang="0">
+                <a:pos x="connsiteX2" y="connsiteY2"/>
+              </a:cxn>
+              <a:cxn ang="0">
+                <a:pos x="connsiteX3" y="connsiteY3"/>
+              </a:cxn>
+              <a:cxn ang="0">
+                <a:pos x="connsiteX4" y="connsiteY4"/>
+              </a:cxn>
+              <a:cxn ang="0">
+                <a:pos x="connsiteX5" y="connsiteY5"/>
+              </a:cxn>
+              <a:cxn ang="0">
+                <a:pos x="connsiteX6" y="connsiteY6"/>
+              </a:cxn>
+              <a:cxn ang="0">
+                <a:pos x="connsiteX7" y="connsiteY7"/>
+              </a:cxn>
+            </a:cxnLst>
+            <a:rect l="l" t="t" r="r" b="b"/>
+            <a:pathLst>
+              <a:path w="5000438" h="5400962">
+                <a:moveTo>
+                  <a:pt x="2299956" y="0"/>
+                </a:moveTo>
+                <a:cubicBezTo>
+                  <a:pt x="3791390" y="0"/>
+                  <a:pt x="5000438" y="1209047"/>
+                  <a:pt x="5000438" y="2700481"/>
+                </a:cubicBezTo>
+                <a:cubicBezTo>
+                  <a:pt x="5000438" y="4191915"/>
+                  <a:pt x="3791390" y="5400962"/>
+                  <a:pt x="2299956" y="5400962"/>
+                </a:cubicBezTo>
+                <a:cubicBezTo>
+                  <a:pt x="1367810" y="5400962"/>
+                  <a:pt x="545971" y="4928678"/>
+                  <a:pt x="60675" y="4210346"/>
+                </a:cubicBezTo>
+                <a:lnTo>
+                  <a:pt x="0" y="4110472"/>
+                </a:lnTo>
+                <a:lnTo>
+                  <a:pt x="0" y="1290491"/>
+                </a:lnTo>
+                <a:lnTo>
+                  <a:pt x="60675" y="1190617"/>
+                </a:lnTo>
+                <a:cubicBezTo>
+                  <a:pt x="545971" y="472284"/>
+                  <a:pt x="1367810" y="0"/>
+                  <a:pt x="2299956" y="0"/>
+                </a:cubicBezTo>
+                <a:close/>
+              </a:path>
+            </a:pathLst>
+          </a:custGeom>
+          <a:solidFill>
+            <a:srgbClr val="FFFFFF"/>
+          </a:solidFill>
+          <a:ln>
+            <a:gradFill>
+              <a:gsLst>
+                <a:gs pos="0">
+                  <a:schemeClr val="accent1">
+                    <a:lumMod val="40000"/>
+                    <a:lumOff val="60000"/>
+                  </a:schemeClr>
+                </a:gs>
+                <a:gs pos="23000">
+                  <a:schemeClr val="accent1">
+                    <a:lumMod val="45000"/>
+                    <a:lumOff val="55000"/>
+                  </a:schemeClr>
+                </a:gs>
+                <a:gs pos="83000">
+                  <a:schemeClr val="bg2">
+                    <a:lumMod val="85000"/>
+                  </a:schemeClr>
+                </a:gs>
+                <a:gs pos="100000">
+                  <a:schemeClr val="bg2">
+                    <a:lumMod val="85000"/>
+                  </a:schemeClr>
+                </a:gs>
+              </a:gsLst>
+              <a:lin ang="5400000" scaled="1"/>
+            </a:gradFill>
+          </a:ln>
+        </p:spPr>
+        <p:style>
+          <a:lnRef idx="2">
+            <a:schemeClr val="accent1">
+              <a:shade val="50000"/>
+            </a:schemeClr>
+          </a:lnRef>
+          <a:fillRef idx="1">
+            <a:schemeClr val="accent1"/>
+          </a:fillRef>
+          <a:effectRef idx="0">
+            <a:schemeClr val="accent1"/>
+          </a:effectRef>
+          <a:fontRef idx="minor">
+            <a:schemeClr val="lt1"/>
+          </a:fontRef>
+        </p:style>
+        <p:txBody>
+          <a:bodyPr wrap="square" rtlCol="0" anchor="ctr">
+            <a:noAutofit/>
+          </a:bodyPr>
+          <a:lstStyle/>
+          <a:p>
+            <a:pPr algn="ctr"/>
+            <a:endParaRPr lang="en-US"/>
+          </a:p>
+        </p:txBody>
+      </p:sp>
+      <p:pic>
+        <p:nvPicPr>
+          <p:cNvPr id="4" name="Picture 3" descr="A picture containing clipart&#10;&#10;Description automatically generated">
+            <a:extLst>
+              <a:ext uri="{FF2B5EF4-FFF2-40B4-BE49-F238E27FC236}">
+                <a16:creationId xmlns:a16="http://schemas.microsoft.com/office/drawing/2014/main" id="{16CA0D17-29E3-4B42-A70B-8F3E06E9B248}"/>
+              </a:ext>
+            </a:extLst>
+          </p:cNvPr>
+          <p:cNvPicPr>
+            <a:picLocks noChangeAspect="1"/>
+          </p:cNvPicPr>
+          <p:nvPr/>
+        </p:nvPicPr>
+        <p:blipFill>
+          <a:blip r:embed="rId3"/>
+          <a:stretch>
+            <a:fillRect/>
+          </a:stretch>
+        </p:blipFill>
+        <p:spPr>
+          <a:xfrm>
+            <a:off x="429349" y="2802857"/>
+            <a:ext cx="3661831" cy="1272485"/>
+          </a:xfrm>
+          <a:prstGeom prst="rect">
+            <a:avLst/>
+          </a:prstGeom>
+        </p:spPr>
+      </p:pic>
       <p:sp>
         <p:nvSpPr>
           <p:cNvPr id="3" name="Content Placeholder 2">
@@ -3548,28 +7769,42 @@
         </p:nvSpPr>
         <p:spPr>
           <a:xfrm>
-            <a:off x="1394792" y="1955525"/>
-            <a:ext cx="10515600" cy="4374668"/>
+            <a:off x="6090574" y="2421682"/>
+            <a:ext cx="4977578" cy="3639289"/>
           </a:xfrm>
         </p:spPr>
         <p:txBody>
-          <a:bodyPr/>
+          <a:bodyPr anchor="ctr">
+            <a:normAutofit/>
+          </a:bodyPr>
           <a:lstStyle/>
           <a:p>
             <a:r>
-              <a:rPr lang="en-US" dirty="0"/>
+              <a:rPr lang="en-US" sz="2000">
+                <a:solidFill>
+                  <a:srgbClr val="000000"/>
+                </a:solidFill>
+              </a:rPr>
               <a:t>Programming Model for parallel computation</a:t>
             </a:r>
           </a:p>
           <a:p>
             <a:r>
-              <a:rPr lang="en-US" dirty="0"/>
+              <a:rPr lang="en-US" sz="2000">
+                <a:solidFill>
+                  <a:srgbClr val="000000"/>
+                </a:solidFill>
+              </a:rPr>
               <a:t>Execution environment </a:t>
             </a:r>
           </a:p>
           <a:p>
             <a:r>
-              <a:rPr lang="en-US" dirty="0"/>
+              <a:rPr lang="en-US" sz="2000">
+                <a:solidFill>
+                  <a:srgbClr val="000000"/>
+                </a:solidFill>
+              </a:rPr>
               <a:t>Software package</a:t>
             </a:r>
           </a:p>
@@ -3577,58 +7812,48 @@
             <a:pPr marL="0" indent="0">
               <a:buNone/>
             </a:pPr>
-            <a:endParaRPr lang="en-US" dirty="0"/>
+            <a:endParaRPr lang="en-US" sz="2000">
+              <a:solidFill>
+                <a:srgbClr val="000000"/>
+              </a:solidFill>
+            </a:endParaRPr>
           </a:p>
           <a:p>
             <a:pPr marL="0" indent="0">
               <a:buNone/>
             </a:pPr>
-            <a:endParaRPr lang="en-US" dirty="0"/>
+            <a:endParaRPr lang="en-US" sz="2000">
+              <a:solidFill>
+                <a:srgbClr val="000000"/>
+              </a:solidFill>
+            </a:endParaRPr>
           </a:p>
           <a:p>
             <a:pPr marL="0" indent="0">
               <a:buNone/>
             </a:pPr>
-            <a:endParaRPr lang="en-US" dirty="0"/>
-          </a:p>
-          <a:p>
-            <a:endParaRPr lang="en-US" dirty="0"/>
-          </a:p>
-          <a:p>
-            <a:endParaRPr lang="en-US" dirty="0"/>
+            <a:endParaRPr lang="en-US" sz="2000">
+              <a:solidFill>
+                <a:srgbClr val="000000"/>
+              </a:solidFill>
+            </a:endParaRPr>
+          </a:p>
+          <a:p>
+            <a:endParaRPr lang="en-US" sz="2000">
+              <a:solidFill>
+                <a:srgbClr val="000000"/>
+              </a:solidFill>
+            </a:endParaRPr>
+          </a:p>
+          <a:p>
+            <a:endParaRPr lang="en-US" sz="2000">
+              <a:solidFill>
+                <a:srgbClr val="000000"/>
+              </a:solidFill>
+            </a:endParaRPr>
           </a:p>
         </p:txBody>
       </p:sp>
-      <p:pic>
-        <p:nvPicPr>
-          <p:cNvPr id="4" name="Picture 3" descr="A picture containing clipart&#13;&#10;&#13;&#10;Description automatically generated">
-            <a:extLst>
-              <a:ext uri="{FF2B5EF4-FFF2-40B4-BE49-F238E27FC236}">
-                <a16:creationId xmlns:a16="http://schemas.microsoft.com/office/drawing/2014/main" id="{16CA0D17-29E3-4B42-A70B-8F3E06E9B248}"/>
-              </a:ext>
-            </a:extLst>
-          </p:cNvPr>
-          <p:cNvPicPr>
-            <a:picLocks noChangeAspect="1"/>
-          </p:cNvPicPr>
-          <p:nvPr/>
-        </p:nvPicPr>
-        <p:blipFill>
-          <a:blip r:embed="rId2"/>
-          <a:stretch>
-            <a:fillRect/>
-          </a:stretch>
-        </p:blipFill>
-        <p:spPr>
-          <a:xfrm>
-            <a:off x="2785165" y="437356"/>
-            <a:ext cx="3403600" cy="1181100"/>
-          </a:xfrm>
-          <a:prstGeom prst="rect">
-            <a:avLst/>
-          </a:prstGeom>
-        </p:spPr>
-      </p:pic>
     </p:spTree>
     <p:extLst>
       <p:ext uri="{BB962C8B-B14F-4D97-AF65-F5344CB8AC3E}">
@@ -3642,9 +7867,17 @@
 </p:sld>
 </file>
 
-<file path=ppt/slides/slide3.xml><?xml version="1.0" encoding="utf-8"?>
+<file path=ppt/slides/slide4.xml><?xml version="1.0" encoding="utf-8"?>
 <p:sld xmlns:a="http://schemas.openxmlformats.org/drawingml/2006/main" xmlns:r="http://schemas.openxmlformats.org/officeDocument/2006/relationships" xmlns:p="http://schemas.openxmlformats.org/presentationml/2006/main">
   <p:cSld>
+    <p:bg>
+      <p:bgPr>
+        <a:solidFill>
+          <a:schemeClr val="bg1"/>
+        </a:solidFill>
+        <a:effectLst/>
+      </p:bgPr>
+    </p:bg>
     <p:spTree>
       <p:nvGrpSpPr>
         <p:cNvPr id="1" name=""/>
@@ -3675,9 +7908,16 @@
             <p:ph type="title"/>
           </p:nvPr>
         </p:nvSpPr>
-        <p:spPr/>
+        <p:spPr>
+          <a:xfrm>
+            <a:off x="1136428" y="627564"/>
+            <a:ext cx="7474172" cy="1325563"/>
+          </a:xfrm>
+        </p:spPr>
         <p:txBody>
-          <a:bodyPr/>
+          <a:bodyPr>
+            <a:normAutofit/>
+          </a:bodyPr>
           <a:lstStyle/>
           <a:p>
             <a:r>
@@ -3703,51 +7943,186 @@
             <p:ph idx="1"/>
           </p:nvPr>
         </p:nvSpPr>
-        <p:spPr/>
+        <p:spPr>
+          <a:xfrm>
+            <a:off x="1136429" y="2278173"/>
+            <a:ext cx="6467867" cy="3450613"/>
+          </a:xfrm>
+        </p:spPr>
         <p:txBody>
-          <a:bodyPr/>
+          <a:bodyPr anchor="ctr">
+            <a:normAutofit/>
+          </a:bodyPr>
           <a:lstStyle/>
           <a:p>
-            <a:endParaRPr lang="en-US" dirty="0"/>
-          </a:p>
-          <a:p>
-            <a:endParaRPr lang="en-US" dirty="0"/>
-          </a:p>
-          <a:p>
-            <a:endParaRPr lang="en-US" dirty="0"/>
-          </a:p>
-          <a:p>
-            <a:endParaRPr lang="en-US" dirty="0"/>
-          </a:p>
-          <a:p>
-            <a:r>
-              <a:rPr lang="en-US" dirty="0"/>
+            <a:endParaRPr lang="en-US" sz="2200"/>
+          </a:p>
+          <a:p>
+            <a:endParaRPr lang="en-US" sz="2200"/>
+          </a:p>
+          <a:p>
+            <a:endParaRPr lang="en-US" sz="2200"/>
+          </a:p>
+          <a:p>
+            <a:endParaRPr lang="en-US" sz="2200"/>
+          </a:p>
+          <a:p>
+            <a:r>
+              <a:rPr lang="en-US" sz="2200"/>
               <a:t>Distributed Storage</a:t>
             </a:r>
           </a:p>
           <a:p>
             <a:r>
-              <a:rPr lang="en-US" dirty="0"/>
+              <a:rPr lang="en-US" sz="2200"/>
               <a:t>Distributed Computation</a:t>
             </a:r>
           </a:p>
           <a:p>
             <a:r>
-              <a:rPr lang="en-US" dirty="0"/>
+              <a:rPr lang="en-US" sz="2200"/>
               <a:t>Fault Tolerance</a:t>
             </a:r>
           </a:p>
           <a:p>
             <a:r>
-              <a:rPr lang="en-US" dirty="0"/>
+              <a:rPr lang="en-US" sz="2200"/>
               <a:t>Analytics</a:t>
             </a:r>
+          </a:p>
+        </p:txBody>
+      </p:sp>
+      <p:sp>
+        <p:nvSpPr>
+          <p:cNvPr id="10" name="Rectangle 9">
+            <a:extLst>
+              <a:ext uri="{FF2B5EF4-FFF2-40B4-BE49-F238E27FC236}">
+                <a16:creationId xmlns:a16="http://schemas.microsoft.com/office/drawing/2014/main" id="{59A309A7-1751-4ABE-A3C1-EEC40366AD89}"/>
+              </a:ext>
+              <a:ext uri="{C183D7F6-B498-43B3-948B-1728B52AA6E4}">
+                <adec:decorative xmlns:adec="http://schemas.microsoft.com/office/drawing/2017/decorative" val="1"/>
+              </a:ext>
+            </a:extLst>
+          </p:cNvPr>
+          <p:cNvSpPr>
+            <a:spLocks noGrp="1" noRot="1" noChangeAspect="1" noMove="1" noResize="1" noEditPoints="1" noAdjustHandles="1" noChangeArrowheads="1" noChangeShapeType="1" noTextEdit="1"/>
+          </p:cNvSpPr>
+          <p:nvPr>
+            <p:extLst>
+              <p:ext uri="{386F3935-93C4-4BCD-93E2-E3B085C9AB24}">
+                <p16:designElem xmlns:p16="http://schemas.microsoft.com/office/powerpoint/2015/main" val="1"/>
+              </p:ext>
+            </p:extLst>
+          </p:nvPr>
+        </p:nvSpPr>
+        <p:spPr>
+          <a:xfrm>
+            <a:off x="10088880" y="0"/>
+            <a:ext cx="2103120" cy="6858000"/>
+          </a:xfrm>
+          <a:prstGeom prst="rect">
+            <a:avLst/>
+          </a:prstGeom>
+          <a:solidFill>
+            <a:srgbClr val="2F4F72"/>
+          </a:solidFill>
+          <a:ln>
+            <a:noFill/>
+          </a:ln>
+        </p:spPr>
+        <p:style>
+          <a:lnRef idx="2">
+            <a:schemeClr val="accent1">
+              <a:shade val="50000"/>
+            </a:schemeClr>
+          </a:lnRef>
+          <a:fillRef idx="1">
+            <a:schemeClr val="accent1"/>
+          </a:fillRef>
+          <a:effectRef idx="0">
+            <a:schemeClr val="accent1"/>
+          </a:effectRef>
+          <a:fontRef idx="minor">
+            <a:schemeClr val="lt1"/>
+          </a:fontRef>
+        </p:style>
+        <p:txBody>
+          <a:bodyPr rtlCol="0" anchor="ctr"/>
+          <a:lstStyle/>
+          <a:p>
+            <a:pPr algn="ctr"/>
+            <a:endParaRPr lang="en-US"/>
+          </a:p>
+        </p:txBody>
+      </p:sp>
+      <p:sp>
+        <p:nvSpPr>
+          <p:cNvPr id="12" name="Oval 11">
+            <a:extLst>
+              <a:ext uri="{FF2B5EF4-FFF2-40B4-BE49-F238E27FC236}">
+                <a16:creationId xmlns:a16="http://schemas.microsoft.com/office/drawing/2014/main" id="{967D8EB6-EAE1-4F9C-B398-83321E287204}"/>
+              </a:ext>
+              <a:ext uri="{C183D7F6-B498-43B3-948B-1728B52AA6E4}">
+                <adec:decorative xmlns:adec="http://schemas.microsoft.com/office/drawing/2017/decorative" val="1"/>
+              </a:ext>
+            </a:extLst>
+          </p:cNvPr>
+          <p:cNvSpPr>
+            <a:spLocks noGrp="1" noRot="1" noChangeAspect="1" noMove="1" noResize="1" noEditPoints="1" noAdjustHandles="1" noChangeArrowheads="1" noChangeShapeType="1" noTextEdit="1"/>
+          </p:cNvSpPr>
+          <p:nvPr>
+            <p:extLst>
+              <p:ext uri="{386F3935-93C4-4BCD-93E2-E3B085C9AB24}">
+                <p16:designElem xmlns:p16="http://schemas.microsoft.com/office/powerpoint/2015/main" val="1"/>
+              </p:ext>
+            </p:extLst>
+          </p:nvPr>
+        </p:nvSpPr>
+        <p:spPr>
+          <a:xfrm>
+            <a:off x="8915400" y="2358913"/>
+            <a:ext cx="2140172" cy="2140172"/>
+          </a:xfrm>
+          <a:prstGeom prst="ellipse">
+            <a:avLst/>
+          </a:prstGeom>
+          <a:solidFill>
+            <a:srgbClr val="FFFFFF"/>
+          </a:solidFill>
+          <a:ln w="22225">
+            <a:solidFill>
+              <a:srgbClr val="5ED5E7"/>
+            </a:solidFill>
+          </a:ln>
+        </p:spPr>
+        <p:style>
+          <a:lnRef idx="2">
+            <a:schemeClr val="accent1">
+              <a:shade val="50000"/>
+            </a:schemeClr>
+          </a:lnRef>
+          <a:fillRef idx="1">
+            <a:schemeClr val="accent1"/>
+          </a:fillRef>
+          <a:effectRef idx="0">
+            <a:schemeClr val="accent1"/>
+          </a:effectRef>
+          <a:fontRef idx="minor">
+            <a:schemeClr val="lt1"/>
+          </a:fontRef>
+        </p:style>
+        <p:txBody>
+          <a:bodyPr rtlCol="0" anchor="ctr"/>
+          <a:lstStyle/>
+          <a:p>
+            <a:pPr algn="ctr"/>
+            <a:endParaRPr lang="en-US"/>
           </a:p>
         </p:txBody>
       </p:sp>
       <p:pic>
         <p:nvPicPr>
-          <p:cNvPr id="5" name="Picture 4" descr="A picture containing clipart&#13;&#10;&#13;&#10;Description automatically generated">
+          <p:cNvPr id="5" name="Picture 4" descr="A picture containing clipart&#10;&#10;Description automatically generated">
             <a:extLst>
               <a:ext uri="{FF2B5EF4-FFF2-40B4-BE49-F238E27FC236}">
                 <a16:creationId xmlns:a16="http://schemas.microsoft.com/office/drawing/2014/main" id="{63F6A7A8-1045-6545-B6A6-C1A032F450FD}"/>
@@ -3767,38 +8142,8 @@
         </p:blipFill>
         <p:spPr>
           <a:xfrm>
-            <a:off x="1349881" y="2364685"/>
-            <a:ext cx="3403600" cy="1181100"/>
-          </a:xfrm>
-          <a:prstGeom prst="rect">
-            <a:avLst/>
-          </a:prstGeom>
-        </p:spPr>
-      </p:pic>
-      <p:pic>
-        <p:nvPicPr>
-          <p:cNvPr id="8" name="Picture 7">
-            <a:extLst>
-              <a:ext uri="{FF2B5EF4-FFF2-40B4-BE49-F238E27FC236}">
-                <a16:creationId xmlns:a16="http://schemas.microsoft.com/office/drawing/2014/main" id="{E17BB262-DBF3-BB45-8A31-DCA6A47ED3D1}"/>
-              </a:ext>
-            </a:extLst>
-          </p:cNvPr>
-          <p:cNvPicPr>
-            <a:picLocks noChangeAspect="1"/>
-          </p:cNvPicPr>
-          <p:nvPr/>
-        </p:nvPicPr>
-        <p:blipFill>
-          <a:blip r:embed="rId3"/>
-          <a:stretch>
-            <a:fillRect/>
-          </a:stretch>
-        </p:blipFill>
-        <p:spPr>
-          <a:xfrm>
-            <a:off x="5857461" y="2517103"/>
-            <a:ext cx="1231715" cy="3802252"/>
+            <a:off x="9254442" y="3174962"/>
+            <a:ext cx="1462088" cy="508075"/>
           </a:xfrm>
           <a:prstGeom prst="rect">
             <a:avLst/>
@@ -3818,9 +8163,155 @@
 </p:sld>
 </file>
 
-<file path=ppt/slides/slide4.xml><?xml version="1.0" encoding="utf-8"?>
+<file path=ppt/slides/slide5.xml><?xml version="1.0" encoding="utf-8"?>
 <p:sld xmlns:a="http://schemas.openxmlformats.org/drawingml/2006/main" xmlns:r="http://schemas.openxmlformats.org/officeDocument/2006/relationships" xmlns:p="http://schemas.openxmlformats.org/presentationml/2006/main">
   <p:cSld>
+    <p:bg>
+      <p:bgPr>
+        <a:solidFill>
+          <a:schemeClr val="bg1"/>
+        </a:solidFill>
+        <a:effectLst/>
+      </p:bgPr>
+    </p:bg>
+    <p:spTree>
+      <p:nvGrpSpPr>
+        <p:cNvPr id="1" name=""/>
+        <p:cNvGrpSpPr/>
+        <p:nvPr/>
+      </p:nvGrpSpPr>
+      <p:grpSpPr>
+        <a:xfrm>
+          <a:off x="0" y="0"/>
+          <a:ext cx="0" cy="0"/>
+          <a:chOff x="0" y="0"/>
+          <a:chExt cx="0" cy="0"/>
+        </a:xfrm>
+      </p:grpSpPr>
+      <p:pic>
+        <p:nvPicPr>
+          <p:cNvPr id="5" name="Content Placeholder 4" descr="A picture containing screenshot&#10;&#10;Description automatically generated">
+            <a:extLst>
+              <a:ext uri="{FF2B5EF4-FFF2-40B4-BE49-F238E27FC236}">
+                <a16:creationId xmlns:a16="http://schemas.microsoft.com/office/drawing/2014/main" id="{07CDE2EC-43A9-4841-8D0D-305C7190AA99}"/>
+              </a:ext>
+            </a:extLst>
+          </p:cNvPr>
+          <p:cNvPicPr>
+            <a:picLocks noGrp="1" noChangeAspect="1"/>
+          </p:cNvPicPr>
+          <p:nvPr>
+            <p:ph idx="1"/>
+          </p:nvPr>
+        </p:nvPicPr>
+        <p:blipFill rotWithShape="1">
+          <a:blip r:embed="rId2"/>
+          <a:srcRect l="10649" r="6685"/>
+          <a:stretch/>
+        </p:blipFill>
+        <p:spPr>
+          <a:xfrm>
+            <a:off x="20" y="10"/>
+            <a:ext cx="12191980" cy="6857990"/>
+          </a:xfrm>
+          <a:prstGeom prst="rect">
+            <a:avLst/>
+          </a:prstGeom>
+        </p:spPr>
+      </p:pic>
+      <p:sp>
+        <p:nvSpPr>
+          <p:cNvPr id="2" name="Title 1">
+            <a:extLst>
+              <a:ext uri="{FF2B5EF4-FFF2-40B4-BE49-F238E27FC236}">
+                <a16:creationId xmlns:a16="http://schemas.microsoft.com/office/drawing/2014/main" id="{63ED3A02-9568-DC49-830A-F54D2702FAE9}"/>
+              </a:ext>
+            </a:extLst>
+          </p:cNvPr>
+          <p:cNvSpPr>
+            <a:spLocks noGrp="1"/>
+          </p:cNvSpPr>
+          <p:nvPr>
+            <p:ph type="title"/>
+          </p:nvPr>
+        </p:nvSpPr>
+        <p:spPr>
+          <a:xfrm>
+            <a:off x="640080" y="640080"/>
+            <a:ext cx="2752354" cy="2709275"/>
+          </a:xfrm>
+          <a:prstGeom prst="ellipse">
+            <a:avLst/>
+          </a:prstGeom>
+          <a:solidFill>
+            <a:srgbClr val="231815"/>
+          </a:solidFill>
+          <a:ln w="174625" cmpd="thinThick">
+            <a:solidFill>
+              <a:srgbClr val="231815"/>
+            </a:solidFill>
+          </a:ln>
+        </p:spPr>
+        <p:txBody>
+          <a:bodyPr vert="horz" lIns="91440" tIns="45720" rIns="91440" bIns="45720" rtlCol="0" anchor="ctr">
+            <a:normAutofit/>
+          </a:bodyPr>
+          <a:lstStyle/>
+          <a:p>
+            <a:pPr algn="ctr"/>
+            <a:r>
+              <a:rPr lang="en-US" sz="2000">
+                <a:solidFill>
+                  <a:srgbClr val="FFFFFF"/>
+                </a:solidFill>
+              </a:rPr>
+              <a:t>MapReduce Abstraction [</a:t>
+            </a:r>
+            <a:r>
+              <a:rPr lang="en-US" sz="2000">
+                <a:solidFill>
+                  <a:srgbClr val="FFFFFF"/>
+                </a:solidFill>
+                <a:hlinkClick r:id="rId3"/>
+              </a:rPr>
+              <a:t>Diana +MacLean</a:t>
+            </a:r>
+            <a:r>
+              <a:rPr lang="en-US" sz="2000">
+                <a:solidFill>
+                  <a:srgbClr val="FFFFFF"/>
+                </a:solidFill>
+              </a:rPr>
+              <a:t>]</a:t>
+            </a:r>
+          </a:p>
+        </p:txBody>
+      </p:sp>
+    </p:spTree>
+    <p:extLst>
+      <p:ext uri="{BB962C8B-B14F-4D97-AF65-F5344CB8AC3E}">
+        <p14:creationId xmlns:p14="http://schemas.microsoft.com/office/powerpoint/2010/main" val="1961282692"/>
+      </p:ext>
+    </p:extLst>
+  </p:cSld>
+  <p:clrMapOvr>
+    <a:overrideClrMapping bg1="dk1" tx1="lt1" bg2="dk2" tx2="lt2" accent1="accent1" accent2="accent2" accent3="accent3" accent4="accent4" accent5="accent5" accent6="accent6" hlink="hlink" folHlink="folHlink"/>
+  </p:clrMapOvr>
+</p:sld>
+</file>
+
+<file path=ppt/slides/slide6.xml><?xml version="1.0" encoding="utf-8"?>
+<p:sld xmlns:a="http://schemas.openxmlformats.org/drawingml/2006/main" xmlns:r="http://schemas.openxmlformats.org/officeDocument/2006/relationships" xmlns:p="http://schemas.openxmlformats.org/presentationml/2006/main">
+  <p:cSld>
+    <p:bg>
+      <p:bgPr>
+        <a:solidFill>
+          <a:schemeClr val="bg1"/>
+        </a:solidFill>
+        <a:effectLst/>
+      </p:bgPr>
+    </p:bg>
     <p:spTree>
       <p:nvGrpSpPr>
         <p:cNvPr id="1" name=""/>
@@ -3837,6 +8328,75 @@
       </p:grpSpPr>
       <p:sp>
         <p:nvSpPr>
+          <p:cNvPr id="10" name="Rectangle 9">
+            <a:extLst>
+              <a:ext uri="{FF2B5EF4-FFF2-40B4-BE49-F238E27FC236}">
+                <a16:creationId xmlns:a16="http://schemas.microsoft.com/office/drawing/2014/main" id="{AB45A142-4255-493C-8284-5D566C121B10}"/>
+              </a:ext>
+              <a:ext uri="{C183D7F6-B498-43B3-948B-1728B52AA6E4}">
+                <adec:decorative xmlns:adec="http://schemas.microsoft.com/office/drawing/2017/decorative" val="1"/>
+              </a:ext>
+            </a:extLst>
+          </p:cNvPr>
+          <p:cNvSpPr>
+            <a:spLocks noGrp="1" noRot="1" noChangeAspect="1" noMove="1" noResize="1" noEditPoints="1" noAdjustHandles="1" noChangeArrowheads="1" noChangeShapeType="1" noTextEdit="1"/>
+          </p:cNvSpPr>
+          <p:nvPr>
+            <p:extLst>
+              <p:ext uri="{386F3935-93C4-4BCD-93E2-E3B085C9AB24}">
+                <p16:designElem xmlns:p16="http://schemas.microsoft.com/office/powerpoint/2015/main" val="1"/>
+              </p:ext>
+            </p:extLst>
+          </p:nvPr>
+        </p:nvSpPr>
+        <p:spPr bwMode="ltGray">
+          <a:xfrm>
+            <a:off x="336884" y="321177"/>
+            <a:ext cx="4332307" cy="6179552"/>
+          </a:xfrm>
+          <a:prstGeom prst="rect">
+            <a:avLst/>
+          </a:prstGeom>
+          <a:solidFill>
+            <a:srgbClr val="404040">
+              <a:alpha val="89804"/>
+            </a:srgbClr>
+          </a:solidFill>
+          <a:ln w="127000" cap="sq" cmpd="thinThick">
+            <a:solidFill>
+              <a:srgbClr val="595959">
+                <a:alpha val="80000"/>
+              </a:srgbClr>
+            </a:solidFill>
+          </a:ln>
+        </p:spPr>
+        <p:style>
+          <a:lnRef idx="2">
+            <a:schemeClr val="accent1">
+              <a:shade val="50000"/>
+            </a:schemeClr>
+          </a:lnRef>
+          <a:fillRef idx="1">
+            <a:schemeClr val="accent1"/>
+          </a:fillRef>
+          <a:effectRef idx="0">
+            <a:schemeClr val="accent1"/>
+          </a:effectRef>
+          <a:fontRef idx="minor">
+            <a:schemeClr val="lt1"/>
+          </a:fontRef>
+        </p:style>
+        <p:txBody>
+          <a:bodyPr rtlCol="0" anchor="ctr"/>
+          <a:lstStyle/>
+          <a:p>
+            <a:pPr algn="ctr"/>
+            <a:endParaRPr lang="en-US"/>
+          </a:p>
+        </p:txBody>
+      </p:sp>
+      <p:sp>
+        <p:nvSpPr>
           <p:cNvPr id="2" name="Title 1">
             <a:extLst>
               <a:ext uri="{FF2B5EF4-FFF2-40B4-BE49-F238E27FC236}">
@@ -3851,18 +8411,85 @@
             <p:ph type="title"/>
           </p:nvPr>
         </p:nvSpPr>
-        <p:spPr/>
+        <p:spPr>
+          <a:xfrm>
+            <a:off x="674237" y="914400"/>
+            <a:ext cx="3657600" cy="2887579"/>
+          </a:xfrm>
+        </p:spPr>
         <p:txBody>
-          <a:bodyPr/>
+          <a:bodyPr vert="horz" lIns="91440" tIns="45720" rIns="91440" bIns="45720" rtlCol="0" anchor="b">
+            <a:normAutofit/>
+          </a:bodyPr>
           <a:lstStyle/>
           <a:p>
-            <a:r>
-              <a:rPr lang="en-US" dirty="0"/>
+            <a:pPr algn="ctr"/>
+            <a:r>
+              <a:rPr lang="en-US" sz="4800" kern="1200">
+                <a:solidFill>
+                  <a:srgbClr val="FFFFFF"/>
+                </a:solidFill>
+                <a:latin typeface="+mj-lt"/>
+                <a:ea typeface="+mj-ea"/>
+                <a:cs typeface="+mj-cs"/>
+              </a:rPr>
               <a:t>Distributed File System</a:t>
             </a:r>
           </a:p>
         </p:txBody>
       </p:sp>
+      <p:cxnSp>
+        <p:nvCxnSpPr>
+          <p:cNvPr id="12" name="Straight Connector 11">
+            <a:extLst>
+              <a:ext uri="{FF2B5EF4-FFF2-40B4-BE49-F238E27FC236}">
+                <a16:creationId xmlns:a16="http://schemas.microsoft.com/office/drawing/2014/main" id="{38FB9660-F42F-4313-BBC4-47C007FE484C}"/>
+              </a:ext>
+              <a:ext uri="{C183D7F6-B498-43B3-948B-1728B52AA6E4}">
+                <adec:decorative xmlns:adec="http://schemas.microsoft.com/office/drawing/2017/decorative" val="1"/>
+              </a:ext>
+            </a:extLst>
+          </p:cNvPr>
+          <p:cNvCxnSpPr>
+            <a:cxnSpLocks noGrp="1" noRot="1" noChangeAspect="1" noMove="1" noResize="1" noEditPoints="1" noAdjustHandles="1" noChangeArrowheads="1" noChangeShapeType="1"/>
+          </p:cNvCxnSpPr>
+          <p:nvPr>
+            <p:extLst>
+              <p:ext uri="{386F3935-93C4-4BCD-93E2-E3B085C9AB24}">
+                <p16:designElem xmlns:p16="http://schemas.microsoft.com/office/powerpoint/2015/main" val="1"/>
+              </p:ext>
+            </p:extLst>
+          </p:nvPr>
+        </p:nvCxnSpPr>
+        <p:spPr>
+          <a:xfrm>
+            <a:off x="1191126" y="3910267"/>
+            <a:ext cx="2586790" cy="0"/>
+          </a:xfrm>
+          <a:prstGeom prst="line">
+            <a:avLst/>
+          </a:prstGeom>
+          <a:ln w="22225">
+            <a:solidFill>
+              <a:srgbClr val="D9D9D9"/>
+            </a:solidFill>
+          </a:ln>
+        </p:spPr>
+        <p:style>
+          <a:lnRef idx="1">
+            <a:schemeClr val="accent1"/>
+          </a:lnRef>
+          <a:fillRef idx="0">
+            <a:schemeClr val="accent1"/>
+          </a:fillRef>
+          <a:effectRef idx="0">
+            <a:schemeClr val="accent1"/>
+          </a:effectRef>
+          <a:fontRef idx="minor">
+            <a:schemeClr val="tx1"/>
+          </a:fontRef>
+        </p:style>
+      </p:cxnSp>
       <p:pic>
         <p:nvPicPr>
           <p:cNvPr id="5" name="Content Placeholder 4">
@@ -3887,9 +8514,12 @@
         </p:blipFill>
         <p:spPr>
           <a:xfrm>
-            <a:off x="1948070" y="1690688"/>
-            <a:ext cx="6546574" cy="4489079"/>
+            <a:off x="5153822" y="1183107"/>
+            <a:ext cx="6553545" cy="4499727"/>
           </a:xfrm>
+          <a:prstGeom prst="rect">
+            <a:avLst/>
+          </a:prstGeom>
         </p:spPr>
       </p:pic>
     </p:spTree>
@@ -3905,9 +8535,17 @@
 </p:sld>
 </file>
 
-<file path=ppt/slides/slide5.xml><?xml version="1.0" encoding="utf-8"?>
+<file path=ppt/slides/slide7.xml><?xml version="1.0" encoding="utf-8"?>
 <p:sld xmlns:a="http://schemas.openxmlformats.org/drawingml/2006/main" xmlns:r="http://schemas.openxmlformats.org/officeDocument/2006/relationships" xmlns:p="http://schemas.openxmlformats.org/presentationml/2006/main">
   <p:cSld>
+    <p:bg>
+      <p:bgPr>
+        <a:solidFill>
+          <a:schemeClr val="bg1"/>
+        </a:solidFill>
+        <a:effectLst/>
+      </p:bgPr>
+    </p:bg>
     <p:spTree>
       <p:nvGrpSpPr>
         <p:cNvPr id="1" name=""/>
@@ -3924,6 +8562,487 @@
       </p:grpSpPr>
       <p:sp>
         <p:nvSpPr>
+          <p:cNvPr id="10" name="Freeform: Shape 9">
+            <a:extLst>
+              <a:ext uri="{FF2B5EF4-FFF2-40B4-BE49-F238E27FC236}">
+                <a16:creationId xmlns:a16="http://schemas.microsoft.com/office/drawing/2014/main" id="{46C2E80F-49A6-4372-B103-219D417A55ED}"/>
+              </a:ext>
+              <a:ext uri="{C183D7F6-B498-43B3-948B-1728B52AA6E4}">
+                <adec:decorative xmlns:adec="http://schemas.microsoft.com/office/drawing/2017/decorative" val="1"/>
+              </a:ext>
+            </a:extLst>
+          </p:cNvPr>
+          <p:cNvSpPr>
+            <a:spLocks noGrp="1" noRot="1" noChangeAspect="1" noMove="1" noResize="1" noEditPoints="1" noAdjustHandles="1" noChangeArrowheads="1" noChangeShapeType="1" noTextEdit="1"/>
+          </p:cNvSpPr>
+          <p:nvPr>
+            <p:extLst>
+              <p:ext uri="{386F3935-93C4-4BCD-93E2-E3B085C9AB24}">
+                <p16:designElem xmlns:p16="http://schemas.microsoft.com/office/powerpoint/2015/main" val="1"/>
+              </p:ext>
+            </p:extLst>
+          </p:nvPr>
+        </p:nvSpPr>
+        <p:spPr>
+          <a:xfrm>
+            <a:off x="484096" y="470925"/>
+            <a:ext cx="4381009" cy="5892104"/>
+          </a:xfrm>
+          <a:custGeom>
+            <a:avLst/>
+            <a:gdLst>
+              <a:gd name="connsiteX0" fmla="*/ 0 w 4381009"/>
+              <a:gd name="connsiteY0" fmla="*/ 0 h 5892104"/>
+              <a:gd name="connsiteX1" fmla="*/ 4157628 w 4381009"/>
+              <a:gd name="connsiteY1" fmla="*/ 0 h 5892104"/>
+              <a:gd name="connsiteX2" fmla="*/ 4169302 w 4381009"/>
+              <a:gd name="connsiteY2" fmla="*/ 68659 h 5892104"/>
+              <a:gd name="connsiteX3" fmla="*/ 4191571 w 4381009"/>
+              <a:gd name="connsiteY3" fmla="*/ 205472 h 5892104"/>
+              <a:gd name="connsiteX4" fmla="*/ 4213368 w 4381009"/>
+              <a:gd name="connsiteY4" fmla="*/ 342890 h 5892104"/>
+              <a:gd name="connsiteX5" fmla="*/ 4232030 w 4381009"/>
+              <a:gd name="connsiteY5" fmla="*/ 480913 h 5892104"/>
+              <a:gd name="connsiteX6" fmla="*/ 4250848 w 4381009"/>
+              <a:gd name="connsiteY6" fmla="*/ 618332 h 5892104"/>
+              <a:gd name="connsiteX7" fmla="*/ 4268412 w 4381009"/>
+              <a:gd name="connsiteY7" fmla="*/ 756355 h 5892104"/>
+              <a:gd name="connsiteX8" fmla="*/ 4283467 w 4381009"/>
+              <a:gd name="connsiteY8" fmla="*/ 892563 h 5892104"/>
+              <a:gd name="connsiteX9" fmla="*/ 4297737 w 4381009"/>
+              <a:gd name="connsiteY9" fmla="*/ 1030587 h 5892104"/>
+              <a:gd name="connsiteX10" fmla="*/ 4310754 w 4381009"/>
+              <a:gd name="connsiteY10" fmla="*/ 1168005 h 5892104"/>
+              <a:gd name="connsiteX11" fmla="*/ 4322045 w 4381009"/>
+              <a:gd name="connsiteY11" fmla="*/ 1303002 h 5892104"/>
+              <a:gd name="connsiteX12" fmla="*/ 4333336 w 4381009"/>
+              <a:gd name="connsiteY12" fmla="*/ 1439815 h 5892104"/>
+              <a:gd name="connsiteX13" fmla="*/ 4342745 w 4381009"/>
+              <a:gd name="connsiteY13" fmla="*/ 1574812 h 5892104"/>
+              <a:gd name="connsiteX14" fmla="*/ 4350115 w 4381009"/>
+              <a:gd name="connsiteY14" fmla="*/ 1709808 h 5892104"/>
+              <a:gd name="connsiteX15" fmla="*/ 4357799 w 4381009"/>
+              <a:gd name="connsiteY15" fmla="*/ 1844200 h 5892104"/>
+              <a:gd name="connsiteX16" fmla="*/ 4364229 w 4381009"/>
+              <a:gd name="connsiteY16" fmla="*/ 1977381 h 5892104"/>
+              <a:gd name="connsiteX17" fmla="*/ 4368777 w 4381009"/>
+              <a:gd name="connsiteY17" fmla="*/ 2109351 h 5892104"/>
+              <a:gd name="connsiteX18" fmla="*/ 4372697 w 4381009"/>
+              <a:gd name="connsiteY18" fmla="*/ 2241321 h 5892104"/>
+              <a:gd name="connsiteX19" fmla="*/ 4376461 w 4381009"/>
+              <a:gd name="connsiteY19" fmla="*/ 2372080 h 5892104"/>
+              <a:gd name="connsiteX20" fmla="*/ 4378186 w 4381009"/>
+              <a:gd name="connsiteY20" fmla="*/ 2501023 h 5892104"/>
+              <a:gd name="connsiteX21" fmla="*/ 4380068 w 4381009"/>
+              <a:gd name="connsiteY21" fmla="*/ 2629966 h 5892104"/>
+              <a:gd name="connsiteX22" fmla="*/ 4381009 w 4381009"/>
+              <a:gd name="connsiteY22" fmla="*/ 2757093 h 5892104"/>
+              <a:gd name="connsiteX23" fmla="*/ 4380068 w 4381009"/>
+              <a:gd name="connsiteY23" fmla="*/ 2883010 h 5892104"/>
+              <a:gd name="connsiteX24" fmla="*/ 4380068 w 4381009"/>
+              <a:gd name="connsiteY24" fmla="*/ 3007715 h 5892104"/>
+              <a:gd name="connsiteX25" fmla="*/ 4378186 w 4381009"/>
+              <a:gd name="connsiteY25" fmla="*/ 3131210 h 5892104"/>
+              <a:gd name="connsiteX26" fmla="*/ 4375363 w 4381009"/>
+              <a:gd name="connsiteY26" fmla="*/ 3252283 h 5892104"/>
+              <a:gd name="connsiteX27" fmla="*/ 4372697 w 4381009"/>
+              <a:gd name="connsiteY27" fmla="*/ 3372146 h 5892104"/>
+              <a:gd name="connsiteX28" fmla="*/ 4369718 w 4381009"/>
+              <a:gd name="connsiteY28" fmla="*/ 3489587 h 5892104"/>
+              <a:gd name="connsiteX29" fmla="*/ 4365170 w 4381009"/>
+              <a:gd name="connsiteY29" fmla="*/ 3606423 h 5892104"/>
+              <a:gd name="connsiteX30" fmla="*/ 4360309 w 4381009"/>
+              <a:gd name="connsiteY30" fmla="*/ 3721443 h 5892104"/>
+              <a:gd name="connsiteX31" fmla="*/ 4355918 w 4381009"/>
+              <a:gd name="connsiteY31" fmla="*/ 3834041 h 5892104"/>
+              <a:gd name="connsiteX32" fmla="*/ 4343529 w 4381009"/>
+              <a:gd name="connsiteY32" fmla="*/ 4053789 h 5892104"/>
+              <a:gd name="connsiteX33" fmla="*/ 4330356 w 4381009"/>
+              <a:gd name="connsiteY33" fmla="*/ 4264457 h 5892104"/>
+              <a:gd name="connsiteX34" fmla="*/ 4316556 w 4381009"/>
+              <a:gd name="connsiteY34" fmla="*/ 4466650 h 5892104"/>
+              <a:gd name="connsiteX35" fmla="*/ 4301344 w 4381009"/>
+              <a:gd name="connsiteY35" fmla="*/ 4657946 h 5892104"/>
+              <a:gd name="connsiteX36" fmla="*/ 4285506 w 4381009"/>
+              <a:gd name="connsiteY36" fmla="*/ 4840767 h 5892104"/>
+              <a:gd name="connsiteX37" fmla="*/ 4268412 w 4381009"/>
+              <a:gd name="connsiteY37" fmla="*/ 5010269 h 5892104"/>
+              <a:gd name="connsiteX38" fmla="*/ 4251633 w 4381009"/>
+              <a:gd name="connsiteY38" fmla="*/ 5169481 h 5892104"/>
+              <a:gd name="connsiteX39" fmla="*/ 4234853 w 4381009"/>
+              <a:gd name="connsiteY39" fmla="*/ 5315980 h 5892104"/>
+              <a:gd name="connsiteX40" fmla="*/ 4219014 w 4381009"/>
+              <a:gd name="connsiteY40" fmla="*/ 5450371 h 5892104"/>
+              <a:gd name="connsiteX41" fmla="*/ 4203959 w 4381009"/>
+              <a:gd name="connsiteY41" fmla="*/ 5569628 h 5892104"/>
+              <a:gd name="connsiteX42" fmla="*/ 4189689 w 4381009"/>
+              <a:gd name="connsiteY42" fmla="*/ 5677384 h 5892104"/>
+              <a:gd name="connsiteX43" fmla="*/ 4177770 w 4381009"/>
+              <a:gd name="connsiteY43" fmla="*/ 5768189 h 5892104"/>
+              <a:gd name="connsiteX44" fmla="*/ 4166479 w 4381009"/>
+              <a:gd name="connsiteY44" fmla="*/ 5844465 h 5892104"/>
+              <a:gd name="connsiteX45" fmla="*/ 4159132 w 4381009"/>
+              <a:gd name="connsiteY45" fmla="*/ 5892104 h 5892104"/>
+              <a:gd name="connsiteX46" fmla="*/ 0 w 4381009"/>
+              <a:gd name="connsiteY46" fmla="*/ 5892104 h 5892104"/>
+            </a:gdLst>
+            <a:ahLst/>
+            <a:cxnLst>
+              <a:cxn ang="0">
+                <a:pos x="connsiteX0" y="connsiteY0"/>
+              </a:cxn>
+              <a:cxn ang="0">
+                <a:pos x="connsiteX1" y="connsiteY1"/>
+              </a:cxn>
+              <a:cxn ang="0">
+                <a:pos x="connsiteX2" y="connsiteY2"/>
+              </a:cxn>
+              <a:cxn ang="0">
+                <a:pos x="connsiteX3" y="connsiteY3"/>
+              </a:cxn>
+              <a:cxn ang="0">
+                <a:pos x="connsiteX4" y="connsiteY4"/>
+              </a:cxn>
+              <a:cxn ang="0">
+                <a:pos x="connsiteX5" y="connsiteY5"/>
+              </a:cxn>
+              <a:cxn ang="0">
+                <a:pos x="connsiteX6" y="connsiteY6"/>
+              </a:cxn>
+              <a:cxn ang="0">
+                <a:pos x="connsiteX7" y="connsiteY7"/>
+              </a:cxn>
+              <a:cxn ang="0">
+                <a:pos x="connsiteX8" y="connsiteY8"/>
+              </a:cxn>
+              <a:cxn ang="0">
+                <a:pos x="connsiteX9" y="connsiteY9"/>
+              </a:cxn>
+              <a:cxn ang="0">
+                <a:pos x="connsiteX10" y="connsiteY10"/>
+              </a:cxn>
+              <a:cxn ang="0">
+                <a:pos x="connsiteX11" y="connsiteY11"/>
+              </a:cxn>
+              <a:cxn ang="0">
+                <a:pos x="connsiteX12" y="connsiteY12"/>
+              </a:cxn>
+              <a:cxn ang="0">
+                <a:pos x="connsiteX13" y="connsiteY13"/>
+              </a:cxn>
+              <a:cxn ang="0">
+                <a:pos x="connsiteX14" y="connsiteY14"/>
+              </a:cxn>
+              <a:cxn ang="0">
+                <a:pos x="connsiteX15" y="connsiteY15"/>
+              </a:cxn>
+              <a:cxn ang="0">
+                <a:pos x="connsiteX16" y="connsiteY16"/>
+              </a:cxn>
+              <a:cxn ang="0">
+                <a:pos x="connsiteX17" y="connsiteY17"/>
+              </a:cxn>
+              <a:cxn ang="0">
+                <a:pos x="connsiteX18" y="connsiteY18"/>
+              </a:cxn>
+              <a:cxn ang="0">
+                <a:pos x="connsiteX19" y="connsiteY19"/>
+              </a:cxn>
+              <a:cxn ang="0">
+                <a:pos x="connsiteX20" y="connsiteY20"/>
+              </a:cxn>
+              <a:cxn ang="0">
+                <a:pos x="connsiteX21" y="connsiteY21"/>
+              </a:cxn>
+              <a:cxn ang="0">
+                <a:pos x="connsiteX22" y="connsiteY22"/>
+              </a:cxn>
+              <a:cxn ang="0">
+                <a:pos x="connsiteX23" y="connsiteY23"/>
+              </a:cxn>
+              <a:cxn ang="0">
+                <a:pos x="connsiteX24" y="connsiteY24"/>
+              </a:cxn>
+              <a:cxn ang="0">
+                <a:pos x="connsiteX25" y="connsiteY25"/>
+              </a:cxn>
+              <a:cxn ang="0">
+                <a:pos x="connsiteX26" y="connsiteY26"/>
+              </a:cxn>
+              <a:cxn ang="0">
+                <a:pos x="connsiteX27" y="connsiteY27"/>
+              </a:cxn>
+              <a:cxn ang="0">
+                <a:pos x="connsiteX28" y="connsiteY28"/>
+              </a:cxn>
+              <a:cxn ang="0">
+                <a:pos x="connsiteX29" y="connsiteY29"/>
+              </a:cxn>
+              <a:cxn ang="0">
+                <a:pos x="connsiteX30" y="connsiteY30"/>
+              </a:cxn>
+              <a:cxn ang="0">
+                <a:pos x="connsiteX31" y="connsiteY31"/>
+              </a:cxn>
+              <a:cxn ang="0">
+                <a:pos x="connsiteX32" y="connsiteY32"/>
+              </a:cxn>
+              <a:cxn ang="0">
+                <a:pos x="connsiteX33" y="connsiteY33"/>
+              </a:cxn>
+              <a:cxn ang="0">
+                <a:pos x="connsiteX34" y="connsiteY34"/>
+              </a:cxn>
+              <a:cxn ang="0">
+                <a:pos x="connsiteX35" y="connsiteY35"/>
+              </a:cxn>
+              <a:cxn ang="0">
+                <a:pos x="connsiteX36" y="connsiteY36"/>
+              </a:cxn>
+              <a:cxn ang="0">
+                <a:pos x="connsiteX37" y="connsiteY37"/>
+              </a:cxn>
+              <a:cxn ang="0">
+                <a:pos x="connsiteX38" y="connsiteY38"/>
+              </a:cxn>
+              <a:cxn ang="0">
+                <a:pos x="connsiteX39" y="connsiteY39"/>
+              </a:cxn>
+              <a:cxn ang="0">
+                <a:pos x="connsiteX40" y="connsiteY40"/>
+              </a:cxn>
+              <a:cxn ang="0">
+                <a:pos x="connsiteX41" y="connsiteY41"/>
+              </a:cxn>
+              <a:cxn ang="0">
+                <a:pos x="connsiteX42" y="connsiteY42"/>
+              </a:cxn>
+              <a:cxn ang="0">
+                <a:pos x="connsiteX43" y="connsiteY43"/>
+              </a:cxn>
+              <a:cxn ang="0">
+                <a:pos x="connsiteX44" y="connsiteY44"/>
+              </a:cxn>
+              <a:cxn ang="0">
+                <a:pos x="connsiteX45" y="connsiteY45"/>
+              </a:cxn>
+              <a:cxn ang="0">
+                <a:pos x="connsiteX46" y="connsiteY46"/>
+              </a:cxn>
+            </a:cxnLst>
+            <a:rect l="l" t="t" r="r" b="b"/>
+            <a:pathLst>
+              <a:path w="4381009" h="5892104">
+                <a:moveTo>
+                  <a:pt x="0" y="0"/>
+                </a:moveTo>
+                <a:lnTo>
+                  <a:pt x="4157628" y="0"/>
+                </a:lnTo>
+                <a:lnTo>
+                  <a:pt x="4169302" y="68659"/>
+                </a:lnTo>
+                <a:lnTo>
+                  <a:pt x="4191571" y="205472"/>
+                </a:lnTo>
+                <a:lnTo>
+                  <a:pt x="4213368" y="342890"/>
+                </a:lnTo>
+                <a:lnTo>
+                  <a:pt x="4232030" y="480913"/>
+                </a:lnTo>
+                <a:lnTo>
+                  <a:pt x="4250848" y="618332"/>
+                </a:lnTo>
+                <a:lnTo>
+                  <a:pt x="4268412" y="756355"/>
+                </a:lnTo>
+                <a:lnTo>
+                  <a:pt x="4283467" y="892563"/>
+                </a:lnTo>
+                <a:lnTo>
+                  <a:pt x="4297737" y="1030587"/>
+                </a:lnTo>
+                <a:lnTo>
+                  <a:pt x="4310754" y="1168005"/>
+                </a:lnTo>
+                <a:lnTo>
+                  <a:pt x="4322045" y="1303002"/>
+                </a:lnTo>
+                <a:lnTo>
+                  <a:pt x="4333336" y="1439815"/>
+                </a:lnTo>
+                <a:lnTo>
+                  <a:pt x="4342745" y="1574812"/>
+                </a:lnTo>
+                <a:lnTo>
+                  <a:pt x="4350115" y="1709808"/>
+                </a:lnTo>
+                <a:lnTo>
+                  <a:pt x="4357799" y="1844200"/>
+                </a:lnTo>
+                <a:lnTo>
+                  <a:pt x="4364229" y="1977381"/>
+                </a:lnTo>
+                <a:lnTo>
+                  <a:pt x="4368777" y="2109351"/>
+                </a:lnTo>
+                <a:lnTo>
+                  <a:pt x="4372697" y="2241321"/>
+                </a:lnTo>
+                <a:lnTo>
+                  <a:pt x="4376461" y="2372080"/>
+                </a:lnTo>
+                <a:lnTo>
+                  <a:pt x="4378186" y="2501023"/>
+                </a:lnTo>
+                <a:lnTo>
+                  <a:pt x="4380068" y="2629966"/>
+                </a:lnTo>
+                <a:lnTo>
+                  <a:pt x="4381009" y="2757093"/>
+                </a:lnTo>
+                <a:lnTo>
+                  <a:pt x="4380068" y="2883010"/>
+                </a:lnTo>
+                <a:lnTo>
+                  <a:pt x="4380068" y="3007715"/>
+                </a:lnTo>
+                <a:lnTo>
+                  <a:pt x="4378186" y="3131210"/>
+                </a:lnTo>
+                <a:lnTo>
+                  <a:pt x="4375363" y="3252283"/>
+                </a:lnTo>
+                <a:lnTo>
+                  <a:pt x="4372697" y="3372146"/>
+                </a:lnTo>
+                <a:lnTo>
+                  <a:pt x="4369718" y="3489587"/>
+                </a:lnTo>
+                <a:lnTo>
+                  <a:pt x="4365170" y="3606423"/>
+                </a:lnTo>
+                <a:lnTo>
+                  <a:pt x="4360309" y="3721443"/>
+                </a:lnTo>
+                <a:lnTo>
+                  <a:pt x="4355918" y="3834041"/>
+                </a:lnTo>
+                <a:lnTo>
+                  <a:pt x="4343529" y="4053789"/>
+                </a:lnTo>
+                <a:lnTo>
+                  <a:pt x="4330356" y="4264457"/>
+                </a:lnTo>
+                <a:lnTo>
+                  <a:pt x="4316556" y="4466650"/>
+                </a:lnTo>
+                <a:lnTo>
+                  <a:pt x="4301344" y="4657946"/>
+                </a:lnTo>
+                <a:lnTo>
+                  <a:pt x="4285506" y="4840767"/>
+                </a:lnTo>
+                <a:lnTo>
+                  <a:pt x="4268412" y="5010269"/>
+                </a:lnTo>
+                <a:lnTo>
+                  <a:pt x="4251633" y="5169481"/>
+                </a:lnTo>
+                <a:lnTo>
+                  <a:pt x="4234853" y="5315980"/>
+                </a:lnTo>
+                <a:lnTo>
+                  <a:pt x="4219014" y="5450371"/>
+                </a:lnTo>
+                <a:lnTo>
+                  <a:pt x="4203959" y="5569628"/>
+                </a:lnTo>
+                <a:lnTo>
+                  <a:pt x="4189689" y="5677384"/>
+                </a:lnTo>
+                <a:lnTo>
+                  <a:pt x="4177770" y="5768189"/>
+                </a:lnTo>
+                <a:lnTo>
+                  <a:pt x="4166479" y="5844465"/>
+                </a:lnTo>
+                <a:lnTo>
+                  <a:pt x="4159132" y="5892104"/>
+                </a:lnTo>
+                <a:lnTo>
+                  <a:pt x="0" y="5892104"/>
+                </a:lnTo>
+                <a:close/>
+              </a:path>
+            </a:pathLst>
+          </a:custGeom>
+          <a:solidFill>
+            <a:srgbClr val="404040"/>
+          </a:solidFill>
+          <a:ln>
+            <a:noFill/>
+          </a:ln>
+        </p:spPr>
+        <p:style>
+          <a:lnRef idx="2">
+            <a:schemeClr val="accent1">
+              <a:shade val="50000"/>
+            </a:schemeClr>
+          </a:lnRef>
+          <a:fillRef idx="1">
+            <a:schemeClr val="accent1"/>
+          </a:fillRef>
+          <a:effectRef idx="0">
+            <a:schemeClr val="accent1"/>
+          </a:effectRef>
+          <a:fontRef idx="minor">
+            <a:schemeClr val="lt1"/>
+          </a:fontRef>
+        </p:style>
+        <p:txBody>
+          <a:bodyPr wrap="square" rtlCol="0" anchor="ctr">
+            <a:noAutofit/>
+          </a:bodyPr>
+          <a:lstStyle/>
+          <a:p>
+            <a:pPr marL="0" marR="0" lvl="0" indent="0" algn="ctr" defTabSz="457200" rtl="0" eaLnBrk="1" fontAlgn="auto" latinLnBrk="0" hangingPunct="1">
+              <a:lnSpc>
+                <a:spcPct val="100000"/>
+              </a:lnSpc>
+              <a:spcBef>
+                <a:spcPts val="0"/>
+              </a:spcBef>
+              <a:spcAft>
+                <a:spcPts val="0"/>
+              </a:spcAft>
+              <a:buClrTx/>
+              <a:buSzTx/>
+              <a:buFontTx/>
+              <a:buNone/>
+              <a:tabLst/>
+              <a:defRPr/>
+            </a:pPr>
+            <a:endParaRPr kumimoji="0" lang="en-US" sz="1800" b="0" i="0" u="none" strike="noStrike" kern="1200" cap="none" spc="0" normalizeH="0" baseline="0" noProof="0">
+              <a:ln>
+                <a:noFill/>
+              </a:ln>
+              <a:solidFill>
+                <a:prstClr val="white"/>
+              </a:solidFill>
+              <a:effectLst/>
+              <a:uLnTx/>
+              <a:uFillTx/>
+              <a:latin typeface="Calibri" panose="020F0502020204030204"/>
+              <a:ea typeface="+mn-ea"/>
+              <a:cs typeface="+mn-cs"/>
+            </a:endParaRPr>
+          </a:p>
+        </p:txBody>
+      </p:sp>
+      <p:sp>
+        <p:nvSpPr>
           <p:cNvPr id="2" name="Title 1">
             <a:extLst>
               <a:ext uri="{FF2B5EF4-FFF2-40B4-BE49-F238E27FC236}">
@@ -3938,97 +9057,60 @@
             <p:ph type="title"/>
           </p:nvPr>
         </p:nvSpPr>
-        <p:spPr/>
+        <p:spPr>
+          <a:xfrm>
+            <a:off x="863029" y="1012004"/>
+            <a:ext cx="3416158" cy="4795408"/>
+          </a:xfrm>
+        </p:spPr>
         <p:txBody>
-          <a:bodyPr/>
+          <a:bodyPr>
+            <a:normAutofit/>
+          </a:bodyPr>
           <a:lstStyle/>
           <a:p>
             <a:r>
-              <a:rPr lang="en-US" dirty="0"/>
+              <a:rPr lang="en-US">
+                <a:solidFill>
+                  <a:srgbClr val="FFFFFF"/>
+                </a:solidFill>
+              </a:rPr>
               <a:t>Computation</a:t>
             </a:r>
           </a:p>
         </p:txBody>
       </p:sp>
-      <p:sp>
-        <p:nvSpPr>
-          <p:cNvPr id="3" name="Content Placeholder 2">
+      <p:graphicFrame>
+        <p:nvGraphicFramePr>
+          <p:cNvPr id="5" name="Content Placeholder 2">
             <a:extLst>
               <a:ext uri="{FF2B5EF4-FFF2-40B4-BE49-F238E27FC236}">
-                <a16:creationId xmlns:a16="http://schemas.microsoft.com/office/drawing/2014/main" id="{E70987E6-8AF3-9842-BD63-B8E9B284AF29}"/>
+                <a16:creationId xmlns:a16="http://schemas.microsoft.com/office/drawing/2014/main" id="{6F1AC1A0-499A-4866-8E4A-946CDC81656F}"/>
               </a:ext>
             </a:extLst>
           </p:cNvPr>
-          <p:cNvSpPr>
-            <a:spLocks noGrp="1"/>
-          </p:cNvSpPr>
+          <p:cNvGraphicFramePr>
+            <a:graphicFrameLocks noGrp="1"/>
+          </p:cNvGraphicFramePr>
           <p:nvPr>
             <p:ph idx="1"/>
-          </p:nvPr>
-        </p:nvSpPr>
-        <p:spPr/>
-        <p:txBody>
-          <a:bodyPr/>
-          <a:lstStyle/>
-          <a:p>
-            <a:pPr marL="0" indent="0">
-              <a:buNone/>
-            </a:pPr>
-            <a:r>
-              <a:rPr lang="en-US" dirty="0"/>
-              <a:t>Developed at Google</a:t>
-            </a:r>
-          </a:p>
-          <a:p>
-            <a:endParaRPr lang="en-US" dirty="0"/>
-          </a:p>
-          <a:p>
-            <a:r>
-              <a:rPr lang="en-US" dirty="0"/>
-              <a:t>Storage – Apache Hadoop – open source</a:t>
-            </a:r>
-          </a:p>
-          <a:p>
-            <a:r>
-              <a:rPr lang="en-US" dirty="0"/>
-              <a:t>Programming Abstraction – Map and Reduce</a:t>
-            </a:r>
-          </a:p>
-          <a:p>
-            <a:pPr lvl="1"/>
-            <a:r>
-              <a:rPr lang="en-US" dirty="0"/>
-              <a:t>  Take functions to the data</a:t>
-            </a:r>
-          </a:p>
-          <a:p>
-            <a:pPr lvl="1"/>
-            <a:r>
-              <a:rPr lang="en-US" dirty="0"/>
-              <a:t>  Limited computations - aggregations</a:t>
-            </a:r>
-          </a:p>
-          <a:p>
-            <a:pPr lvl="1"/>
-            <a:r>
-              <a:rPr lang="en-US" dirty="0"/>
-              <a:t>  Supports scalable, fault tolerant system</a:t>
-            </a:r>
-          </a:p>
-          <a:p>
-            <a:r>
-              <a:rPr lang="en-US" dirty="0"/>
-              <a:t>Fundamental Pattern - Aggregations</a:t>
-            </a:r>
-          </a:p>
-          <a:p>
-            <a:endParaRPr lang="en-US" dirty="0"/>
-          </a:p>
-          <a:p>
-            <a:endParaRPr lang="en-US" dirty="0"/>
-          </a:p>
-        </p:txBody>
-      </p:sp>
+            <p:extLst>
+              <p:ext uri="{D42A27DB-BD31-4B8C-83A1-F6EECF244321}">
+                <p14:modId xmlns:p14="http://schemas.microsoft.com/office/powerpoint/2010/main" val="1256496672"/>
+              </p:ext>
+            </p:extLst>
+          </p:nvPr>
+        </p:nvGraphicFramePr>
+        <p:xfrm>
+          <a:off x="5194300" y="470924"/>
+          <a:ext cx="6513604" cy="5885426"/>
+        </p:xfrm>
+        <a:graphic>
+          <a:graphicData uri="http://schemas.openxmlformats.org/drawingml/2006/diagram">
+            <dgm:relIds xmlns:dgm="http://schemas.openxmlformats.org/drawingml/2006/diagram" xmlns:r="http://schemas.openxmlformats.org/officeDocument/2006/relationships" r:dm="rId2" r:lo="rId3" r:qs="rId4" r:cs="rId5"/>
+          </a:graphicData>
+        </a:graphic>
+      </p:graphicFrame>
     </p:spTree>
     <p:extLst>
       <p:ext uri="{BB962C8B-B14F-4D97-AF65-F5344CB8AC3E}">
@@ -4042,9 +9124,17 @@
 </p:sld>
 </file>
 
-<file path=ppt/slides/slide6.xml><?xml version="1.0" encoding="utf-8"?>
+<file path=ppt/slides/slide8.xml><?xml version="1.0" encoding="utf-8"?>
 <p:sld xmlns:a="http://schemas.openxmlformats.org/drawingml/2006/main" xmlns:r="http://schemas.openxmlformats.org/officeDocument/2006/relationships" xmlns:p="http://schemas.openxmlformats.org/presentationml/2006/main">
   <p:cSld>
+    <p:bg>
+      <p:bgPr>
+        <a:solidFill>
+          <a:schemeClr val="bg1"/>
+        </a:solidFill>
+        <a:effectLst/>
+      </p:bgPr>
+    </p:bg>
     <p:spTree>
       <p:nvGrpSpPr>
         <p:cNvPr id="1" name=""/>
@@ -4061,90 +9151,201 @@
       </p:grpSpPr>
       <p:sp>
         <p:nvSpPr>
-          <p:cNvPr id="2" name="Title 1">
+          <p:cNvPr id="8" name="Rectangle 7">
             <a:extLst>
               <a:ext uri="{FF2B5EF4-FFF2-40B4-BE49-F238E27FC236}">
-                <a16:creationId xmlns:a16="http://schemas.microsoft.com/office/drawing/2014/main" id="{59E664D5-BE50-A649-A915-BDA3632A64AF}"/>
+                <a16:creationId xmlns:a16="http://schemas.microsoft.com/office/drawing/2014/main" id="{B9FF99BD-075F-4761-A995-6FC574BD25EA}"/>
+              </a:ext>
+              <a:ext uri="{C183D7F6-B498-43B3-948B-1728B52AA6E4}">
+                <adec:decorative xmlns:adec="http://schemas.microsoft.com/office/drawing/2017/decorative" val="1"/>
               </a:ext>
             </a:extLst>
           </p:cNvPr>
           <p:cNvSpPr>
-            <a:spLocks noGrp="1"/>
+            <a:spLocks noGrp="1" noRot="1" noChangeAspect="1" noMove="1" noResize="1" noEditPoints="1" noAdjustHandles="1" noChangeArrowheads="1" noChangeShapeType="1" noTextEdit="1"/>
           </p:cNvSpPr>
           <p:nvPr>
-            <p:ph type="title"/>
+            <p:extLst>
+              <p:ext uri="{386F3935-93C4-4BCD-93E2-E3B085C9AB24}">
+                <p16:designElem xmlns:p16="http://schemas.microsoft.com/office/powerpoint/2015/main" val="1"/>
+              </p:ext>
+            </p:extLst>
           </p:nvPr>
         </p:nvSpPr>
-        <p:spPr/>
+        <p:spPr>
+          <a:xfrm>
+            <a:off x="0" y="0"/>
+            <a:ext cx="12192000" cy="6858000"/>
+          </a:xfrm>
+          <a:prstGeom prst="rect">
+            <a:avLst/>
+          </a:prstGeom>
+          <a:solidFill>
+            <a:schemeClr val="bg1">
+              <a:lumMod val="65000"/>
+            </a:schemeClr>
+          </a:solidFill>
+          <a:ln>
+            <a:noFill/>
+          </a:ln>
+        </p:spPr>
+        <p:style>
+          <a:lnRef idx="2">
+            <a:schemeClr val="accent1">
+              <a:shade val="50000"/>
+            </a:schemeClr>
+          </a:lnRef>
+          <a:fillRef idx="1">
+            <a:schemeClr val="accent1"/>
+          </a:fillRef>
+          <a:effectRef idx="0">
+            <a:schemeClr val="accent1"/>
+          </a:effectRef>
+          <a:fontRef idx="minor">
+            <a:schemeClr val="lt1"/>
+          </a:fontRef>
+        </p:style>
         <p:txBody>
-          <a:bodyPr/>
+          <a:bodyPr rtlCol="0" anchor="ctr"/>
           <a:lstStyle/>
           <a:p>
-            <a:r>
-              <a:rPr lang="en-US" dirty="0"/>
-              <a:t>Aggregation Statistics</a:t>
-            </a:r>
+            <a:pPr algn="ctr"/>
+            <a:endParaRPr lang="en-US"/>
           </a:p>
         </p:txBody>
       </p:sp>
       <p:sp>
         <p:nvSpPr>
-          <p:cNvPr id="3" name="Content Placeholder 2">
+          <p:cNvPr id="10" name="Rectangle 9">
             <a:extLst>
               <a:ext uri="{FF2B5EF4-FFF2-40B4-BE49-F238E27FC236}">
-                <a16:creationId xmlns:a16="http://schemas.microsoft.com/office/drawing/2014/main" id="{7CD11B8D-1640-E24E-82B9-467C3135CF5F}"/>
+                <a16:creationId xmlns:a16="http://schemas.microsoft.com/office/drawing/2014/main" id="{A7B21A54-9BA3-4EA9-B460-5A829ADD9051}"/>
+              </a:ext>
+              <a:ext uri="{C183D7F6-B498-43B3-948B-1728B52AA6E4}">
+                <adec:decorative xmlns:adec="http://schemas.microsoft.com/office/drawing/2017/decorative" val="1"/>
               </a:ext>
             </a:extLst>
           </p:cNvPr>
           <p:cNvSpPr>
-            <a:spLocks noGrp="1"/>
+            <a:spLocks noGrp="1" noRot="1" noChangeAspect="1" noMove="1" noResize="1" noEditPoints="1" noAdjustHandles="1" noChangeArrowheads="1" noChangeShapeType="1" noTextEdit="1"/>
           </p:cNvSpPr>
           <p:nvPr>
-            <p:ph idx="1"/>
+            <p:extLst>
+              <p:ext uri="{386F3935-93C4-4BCD-93E2-E3B085C9AB24}">
+                <p16:designElem xmlns:p16="http://schemas.microsoft.com/office/powerpoint/2015/main" val="1"/>
+              </p:ext>
+            </p:extLst>
           </p:nvPr>
         </p:nvSpPr>
-        <p:spPr/>
+        <p:spPr>
+          <a:xfrm>
+            <a:off x="477012" y="480060"/>
+            <a:ext cx="11237976" cy="5897880"/>
+          </a:xfrm>
+          <a:prstGeom prst="rect">
+            <a:avLst/>
+          </a:prstGeom>
+          <a:noFill/>
+          <a:ln>
+            <a:solidFill>
+              <a:schemeClr val="bg1"/>
+            </a:solidFill>
+          </a:ln>
+        </p:spPr>
+        <p:style>
+          <a:lnRef idx="2">
+            <a:schemeClr val="accent1">
+              <a:shade val="50000"/>
+            </a:schemeClr>
+          </a:lnRef>
+          <a:fillRef idx="1">
+            <a:schemeClr val="accent1"/>
+          </a:fillRef>
+          <a:effectRef idx="0">
+            <a:schemeClr val="accent1"/>
+          </a:effectRef>
+          <a:fontRef idx="minor">
+            <a:schemeClr val="lt1"/>
+          </a:fontRef>
+        </p:style>
         <p:txBody>
-          <a:bodyPr/>
+          <a:bodyPr rtlCol="0" anchor="ctr"/>
           <a:lstStyle/>
           <a:p>
-            <a:r>
-              <a:rPr lang="en-US" sz="1800" dirty="0" err="1"/>
-              <a:t>GroupBy</a:t>
-            </a:r>
-            <a:r>
-              <a:rPr lang="en-US" sz="1800" dirty="0"/>
-              <a:t> – Scatter/Gather</a:t>
-            </a:r>
-          </a:p>
-          <a:p>
-            <a:r>
-              <a:rPr lang="en-US" sz="1600" dirty="0"/>
-              <a:t>Sum, Mean, Count, </a:t>
-            </a:r>
-            <a:r>
-              <a:rPr lang="en-US" sz="1600" dirty="0" err="1"/>
-              <a:t>StdDev</a:t>
-            </a:r>
-            <a:endParaRPr lang="en-US" sz="1600" dirty="0"/>
-          </a:p>
-          <a:p>
-            <a:pPr marL="0" indent="0">
-              <a:buNone/>
-            </a:pPr>
-            <a:r>
-              <a:rPr lang="en-US" dirty="0"/>
-              <a:t> </a:t>
-            </a:r>
+            <a:pPr algn="ctr"/>
+            <a:endParaRPr lang="en-US"/>
+          </a:p>
+        </p:txBody>
+      </p:sp>
+      <p:sp>
+        <p:nvSpPr>
+          <p:cNvPr id="12" name="Rectangle 11">
+            <a:extLst>
+              <a:ext uri="{FF2B5EF4-FFF2-40B4-BE49-F238E27FC236}">
+                <a16:creationId xmlns:a16="http://schemas.microsoft.com/office/drawing/2014/main" id="{6FA8F714-B9D8-488A-8CCA-E9948FF913A9}"/>
+              </a:ext>
+              <a:ext uri="{C183D7F6-B498-43B3-948B-1728B52AA6E4}">
+                <adec:decorative xmlns:adec="http://schemas.microsoft.com/office/drawing/2017/decorative" val="1"/>
+              </a:ext>
+            </a:extLst>
+          </p:cNvPr>
+          <p:cNvSpPr>
+            <a:spLocks noGrp="1" noRot="1" noChangeAspect="1" noMove="1" noResize="1" noEditPoints="1" noAdjustHandles="1" noChangeArrowheads="1" noChangeShapeType="1" noTextEdit="1"/>
+          </p:cNvSpPr>
+          <p:nvPr>
+            <p:extLst>
+              <p:ext uri="{386F3935-93C4-4BCD-93E2-E3B085C9AB24}">
+                <p16:designElem xmlns:p16="http://schemas.microsoft.com/office/powerpoint/2015/main" val="1"/>
+              </p:ext>
+            </p:extLst>
+          </p:nvPr>
+        </p:nvSpPr>
+        <p:spPr>
+          <a:xfrm>
+            <a:off x="643466" y="643468"/>
+            <a:ext cx="10905067" cy="5571066"/>
+          </a:xfrm>
+          <a:prstGeom prst="rect">
+            <a:avLst/>
+          </a:prstGeom>
+          <a:solidFill>
+            <a:srgbClr val="FFFFFF"/>
+          </a:solidFill>
+          <a:ln>
+            <a:noFill/>
+          </a:ln>
+        </p:spPr>
+        <p:style>
+          <a:lnRef idx="2">
+            <a:schemeClr val="accent1">
+              <a:shade val="50000"/>
+            </a:schemeClr>
+          </a:lnRef>
+          <a:fillRef idx="1">
+            <a:schemeClr val="accent1"/>
+          </a:fillRef>
+          <a:effectRef idx="0">
+            <a:schemeClr val="accent1"/>
+          </a:effectRef>
+          <a:fontRef idx="minor">
+            <a:schemeClr val="lt1"/>
+          </a:fontRef>
+        </p:style>
+        <p:txBody>
+          <a:bodyPr rtlCol="0" anchor="ctr"/>
+          <a:lstStyle/>
+          <a:p>
+            <a:pPr algn="ctr"/>
+            <a:endParaRPr lang="en-US"/>
           </a:p>
         </p:txBody>
       </p:sp>
       <p:pic>
         <p:nvPicPr>
-          <p:cNvPr id="5" name="Picture 4" descr="A picture containing iPod, vector graphics&#13;&#10;&#13;&#10;Description automatically generated">
+          <p:cNvPr id="3" name="Picture 2" descr="A picture containing iPod, vector graphics&#10;&#10;Description automatically generated">
             <a:extLst>
               <a:ext uri="{FF2B5EF4-FFF2-40B4-BE49-F238E27FC236}">
-                <a16:creationId xmlns:a16="http://schemas.microsoft.com/office/drawing/2014/main" id="{19C19734-98CD-D048-8EB1-6A87BD1C58CF}"/>
+                <a16:creationId xmlns:a16="http://schemas.microsoft.com/office/drawing/2014/main" id="{436BF36D-5BAA-A84D-BE31-600E31CDD593}"/>
               </a:ext>
             </a:extLst>
           </p:cNvPr>
@@ -4161,38 +9362,8 @@
         </p:blipFill>
         <p:spPr>
           <a:xfrm>
-            <a:off x="2027582" y="2724772"/>
-            <a:ext cx="6069966" cy="3452191"/>
-          </a:xfrm>
-          <a:prstGeom prst="rect">
-            <a:avLst/>
-          </a:prstGeom>
-        </p:spPr>
-      </p:pic>
-      <p:pic>
-        <p:nvPicPr>
-          <p:cNvPr id="7" name="Picture 6">
-            <a:extLst>
-              <a:ext uri="{FF2B5EF4-FFF2-40B4-BE49-F238E27FC236}">
-                <a16:creationId xmlns:a16="http://schemas.microsoft.com/office/drawing/2014/main" id="{A2029995-B484-B746-9094-B714079F7729}"/>
-              </a:ext>
-            </a:extLst>
-          </p:cNvPr>
-          <p:cNvPicPr>
-            <a:picLocks noChangeAspect="1"/>
-          </p:cNvPicPr>
-          <p:nvPr/>
-        </p:nvPicPr>
-        <p:blipFill>
-          <a:blip r:embed="rId3"/>
-          <a:stretch>
-            <a:fillRect/>
-          </a:stretch>
-        </p:blipFill>
-        <p:spPr>
-          <a:xfrm>
-            <a:off x="92766" y="365125"/>
-            <a:ext cx="12192000" cy="6858000"/>
+            <a:off x="2143379" y="1123527"/>
+            <a:ext cx="7905237" cy="4604800"/>
           </a:xfrm>
           <a:prstGeom prst="rect">
             <a:avLst/>
@@ -4202,7 +9373,7 @@
     </p:spTree>
     <p:extLst>
       <p:ext uri="{BB962C8B-B14F-4D97-AF65-F5344CB8AC3E}">
-        <p14:creationId xmlns:p14="http://schemas.microsoft.com/office/powerpoint/2010/main" val="2961945113"/>
+        <p14:creationId xmlns:p14="http://schemas.microsoft.com/office/powerpoint/2010/main" val="3870664915"/>
       </p:ext>
     </p:extLst>
   </p:cSld>
@@ -4212,9 +9383,17 @@
 </p:sld>
 </file>
 
-<file path=ppt/slides/slide7.xml><?xml version="1.0" encoding="utf-8"?>
+<file path=ppt/slides/slide9.xml><?xml version="1.0" encoding="utf-8"?>
 <p:sld xmlns:a="http://schemas.openxmlformats.org/drawingml/2006/main" xmlns:r="http://schemas.openxmlformats.org/officeDocument/2006/relationships" xmlns:p="http://schemas.openxmlformats.org/presentationml/2006/main">
   <p:cSld>
+    <p:bg>
+      <p:bgPr>
+        <a:solidFill>
+          <a:schemeClr val="bg1"/>
+        </a:solidFill>
+        <a:effectLst/>
+      </p:bgPr>
+    </p:bg>
     <p:spTree>
       <p:nvGrpSpPr>
         <p:cNvPr id="1" name=""/>
@@ -4229,106 +9408,196 @@
           <a:chExt cx="0" cy="0"/>
         </a:xfrm>
       </p:grpSpPr>
-      <p:sp>
+      <p:sp useBgFill="1">
         <p:nvSpPr>
-          <p:cNvPr id="2" name="Title 1">
+          <p:cNvPr id="8" name="Rectangle 7">
             <a:extLst>
               <a:ext uri="{FF2B5EF4-FFF2-40B4-BE49-F238E27FC236}">
-                <a16:creationId xmlns:a16="http://schemas.microsoft.com/office/drawing/2014/main" id="{63ED3A02-9568-DC49-830A-F54D2702FAE9}"/>
+                <a16:creationId xmlns:a16="http://schemas.microsoft.com/office/drawing/2014/main" id="{3B854194-185D-494D-905C-7C7CB2E30F6E}"/>
+              </a:ext>
+              <a:ext uri="{C183D7F6-B498-43B3-948B-1728B52AA6E4}">
+                <adec:decorative xmlns:adec="http://schemas.microsoft.com/office/drawing/2017/decorative" val="1"/>
               </a:ext>
             </a:extLst>
           </p:cNvPr>
           <p:cNvSpPr>
-            <a:spLocks noGrp="1"/>
+            <a:spLocks noGrp="1" noRot="1" noChangeAspect="1" noMove="1" noResize="1" noEditPoints="1" noAdjustHandles="1" noChangeArrowheads="1" noChangeShapeType="1" noTextEdit="1"/>
           </p:cNvSpPr>
           <p:nvPr>
-            <p:ph type="title"/>
+            <p:extLst>
+              <p:ext uri="{386F3935-93C4-4BCD-93E2-E3B085C9AB24}">
+                <p16:designElem xmlns:p16="http://schemas.microsoft.com/office/powerpoint/2015/main" val="1"/>
+              </p:ext>
+            </p:extLst>
           </p:nvPr>
         </p:nvSpPr>
-        <p:spPr/>
+        <p:spPr>
+          <a:xfrm>
+            <a:off x="1" y="0"/>
+            <a:ext cx="6082110" cy="6858000"/>
+          </a:xfrm>
+          <a:prstGeom prst="rect">
+            <a:avLst/>
+          </a:prstGeom>
+          <a:ln>
+            <a:noFill/>
+          </a:ln>
+        </p:spPr>
+        <p:style>
+          <a:lnRef idx="2">
+            <a:schemeClr val="accent1">
+              <a:shade val="50000"/>
+            </a:schemeClr>
+          </a:lnRef>
+          <a:fillRef idx="1">
+            <a:schemeClr val="accent1"/>
+          </a:fillRef>
+          <a:effectRef idx="0">
+            <a:schemeClr val="accent1"/>
+          </a:effectRef>
+          <a:fontRef idx="minor">
+            <a:schemeClr val="lt1"/>
+          </a:fontRef>
+        </p:style>
         <p:txBody>
-          <a:bodyPr>
-            <a:normAutofit/>
-          </a:bodyPr>
+          <a:bodyPr rtlCol="0" anchor="ctr"/>
           <a:lstStyle/>
           <a:p>
-            <a:r>
-              <a:rPr lang="en-US" dirty="0"/>
-              <a:t>MapReduce Abstraction [</a:t>
-            </a:r>
-            <a:r>
-              <a:rPr lang="en-US" sz="2800" dirty="0">
-                <a:hlinkClick r:id="rId2"/>
-              </a:rPr>
-              <a:t>Diana -MacLean</a:t>
-            </a:r>
-            <a:r>
-              <a:rPr lang="en-US" dirty="0"/>
-              <a:t>]</a:t>
-            </a:r>
+            <a:pPr algn="ctr"/>
+            <a:endParaRPr lang="en-US"/>
+          </a:p>
+        </p:txBody>
+      </p:sp>
+      <p:sp>
+        <p:nvSpPr>
+          <p:cNvPr id="10" name="Rectangle 9">
+            <a:extLst>
+              <a:ext uri="{FF2B5EF4-FFF2-40B4-BE49-F238E27FC236}">
+                <a16:creationId xmlns:a16="http://schemas.microsoft.com/office/drawing/2014/main" id="{B4F5FA0D-0104-4987-8241-EFF7C85B88DE}"/>
+              </a:ext>
+              <a:ext uri="{C183D7F6-B498-43B3-948B-1728B52AA6E4}">
+                <adec:decorative xmlns:adec="http://schemas.microsoft.com/office/drawing/2017/decorative" val="1"/>
+              </a:ext>
+            </a:extLst>
+          </p:cNvPr>
+          <p:cNvSpPr>
+            <a:spLocks noGrp="1" noRot="1" noChangeAspect="1" noMove="1" noResize="1" noEditPoints="1" noAdjustHandles="1" noChangeArrowheads="1" noChangeShapeType="1" noTextEdit="1"/>
+          </p:cNvSpPr>
+          <p:nvPr>
+            <p:extLst>
+              <p:ext uri="{386F3935-93C4-4BCD-93E2-E3B085C9AB24}">
+                <p16:designElem xmlns:p16="http://schemas.microsoft.com/office/powerpoint/2015/main" val="1"/>
+              </p:ext>
+            </p:extLst>
+          </p:nvPr>
+        </p:nvSpPr>
+        <p:spPr>
+          <a:xfrm>
+            <a:off x="1" y="0"/>
+            <a:ext cx="12191998" cy="6858000"/>
+          </a:xfrm>
+          <a:prstGeom prst="rect">
+            <a:avLst/>
+          </a:prstGeom>
+          <a:gradFill>
+            <a:gsLst>
+              <a:gs pos="0">
+                <a:schemeClr val="accent1">
+                  <a:lumMod val="90000"/>
+                </a:schemeClr>
+              </a:gs>
+              <a:gs pos="25000">
+                <a:schemeClr val="accent1">
+                  <a:lumMod val="90000"/>
+                </a:schemeClr>
+              </a:gs>
+              <a:gs pos="94000">
+                <a:schemeClr val="bg2">
+                  <a:lumMod val="25000"/>
+                </a:schemeClr>
+              </a:gs>
+              <a:gs pos="100000">
+                <a:schemeClr val="bg2">
+                  <a:lumMod val="25000"/>
+                </a:schemeClr>
+              </a:gs>
+            </a:gsLst>
+            <a:lin ang="4200000" scaled="0"/>
+          </a:gradFill>
+          <a:ln>
+            <a:noFill/>
+          </a:ln>
+        </p:spPr>
+        <p:style>
+          <a:lnRef idx="2">
+            <a:schemeClr val="accent1">
+              <a:shade val="50000"/>
+            </a:schemeClr>
+          </a:lnRef>
+          <a:fillRef idx="1">
+            <a:schemeClr val="accent1"/>
+          </a:fillRef>
+          <a:effectRef idx="0">
+            <a:schemeClr val="accent1"/>
+          </a:effectRef>
+          <a:fontRef idx="minor">
+            <a:schemeClr val="lt1"/>
+          </a:fontRef>
+        </p:style>
+        <p:txBody>
+          <a:bodyPr rtlCol="0" anchor="ctr"/>
+          <a:lstStyle/>
+          <a:p>
+            <a:pPr algn="ctr"/>
+            <a:endParaRPr lang="en-US"/>
           </a:p>
         </p:txBody>
       </p:sp>
       <p:pic>
         <p:nvPicPr>
-          <p:cNvPr id="5" name="Content Placeholder 4" descr="A picture containing screenshot&#13;&#10;&#13;&#10;Description automatically generated">
+          <p:cNvPr id="12" name="Picture 11">
             <a:extLst>
               <a:ext uri="{FF2B5EF4-FFF2-40B4-BE49-F238E27FC236}">
-                <a16:creationId xmlns:a16="http://schemas.microsoft.com/office/drawing/2014/main" id="{07CDE2EC-43A9-4841-8D0D-305C7190AA99}"/>
+                <a16:creationId xmlns:a16="http://schemas.microsoft.com/office/drawing/2014/main" id="{2897127E-6CEF-446C-BE87-93B7C46E49D1}"/>
+              </a:ext>
+              <a:ext uri="{C183D7F6-B498-43B3-948B-1728B52AA6E4}">
+                <adec:decorative xmlns:adec="http://schemas.microsoft.com/office/drawing/2017/decorative" val="1"/>
               </a:ext>
             </a:extLst>
           </p:cNvPr>
           <p:cNvPicPr>
-            <a:picLocks noGrp="1" noChangeAspect="1"/>
+            <a:picLocks noGrp="1" noRot="1" noChangeAspect="1" noMove="1" noResize="1" noEditPoints="1" noAdjustHandles="1" noChangeArrowheads="1" noChangeShapeType="1" noCrop="1"/>
           </p:cNvPicPr>
           <p:nvPr>
-            <p:ph idx="1"/>
+            <p:extLst>
+              <p:ext uri="{386F3935-93C4-4BCD-93E2-E3B085C9AB24}">
+                <p16:designElem xmlns:p16="http://schemas.microsoft.com/office/powerpoint/2015/main" val="1"/>
+              </p:ext>
+            </p:extLst>
           </p:nvPr>
         </p:nvPicPr>
         <p:blipFill>
-          <a:blip r:embed="rId3"/>
+          <a:blip r:embed="rId2">
+            <a:extLst>
+              <a:ext uri="{28A0092B-C50C-407E-A947-70E740481C1C}">
+                <a14:useLocalDpi xmlns:a14="http://schemas.microsoft.com/office/drawing/2010/main" val="0"/>
+              </a:ext>
+            </a:extLst>
+          </a:blip>
           <a:stretch>
             <a:fillRect/>
           </a:stretch>
         </p:blipFill>
         <p:spPr>
           <a:xfrm>
-            <a:off x="0" y="1510749"/>
-            <a:ext cx="9876704" cy="4598677"/>
+            <a:off x="0" y="0"/>
+            <a:ext cx="12192000" cy="6858000"/>
           </a:xfrm>
+          <a:prstGeom prst="rect">
+            <a:avLst/>
+          </a:prstGeom>
         </p:spPr>
       </p:pic>
-    </p:spTree>
-    <p:extLst>
-      <p:ext uri="{BB962C8B-B14F-4D97-AF65-F5344CB8AC3E}">
-        <p14:creationId xmlns:p14="http://schemas.microsoft.com/office/powerpoint/2010/main" val="1961282692"/>
-      </p:ext>
-    </p:extLst>
-  </p:cSld>
-  <p:clrMapOvr>
-    <a:masterClrMapping/>
-  </p:clrMapOvr>
-</p:sld>
-</file>
-
-<file path=ppt/slides/slide8.xml><?xml version="1.0" encoding="utf-8"?>
-<p:sld xmlns:a="http://schemas.openxmlformats.org/drawingml/2006/main" xmlns:r="http://schemas.openxmlformats.org/officeDocument/2006/relationships" xmlns:p="http://schemas.openxmlformats.org/presentationml/2006/main">
-  <p:cSld>
-    <p:spTree>
-      <p:nvGrpSpPr>
-        <p:cNvPr id="1" name=""/>
-        <p:cNvGrpSpPr/>
-        <p:nvPr/>
-      </p:nvGrpSpPr>
-      <p:grpSpPr>
-        <a:xfrm>
-          <a:off x="0" y="0"/>
-          <a:ext cx="0" cy="0"/>
-          <a:chOff x="0" y="0"/>
-          <a:chExt cx="0" cy="0"/>
-        </a:xfrm>
-      </p:grpSpPr>
       <p:sp>
         <p:nvSpPr>
           <p:cNvPr id="2" name="Title 1">
@@ -4345,13 +9614,24 @@
             <p:ph type="title"/>
           </p:nvPr>
         </p:nvSpPr>
-        <p:spPr/>
+        <p:spPr>
+          <a:xfrm>
+            <a:off x="640079" y="2053641"/>
+            <a:ext cx="3669161" cy="2760098"/>
+          </a:xfrm>
+        </p:spPr>
         <p:txBody>
-          <a:bodyPr/>
+          <a:bodyPr>
+            <a:normAutofit/>
+          </a:bodyPr>
           <a:lstStyle/>
           <a:p>
             <a:r>
-              <a:rPr lang="en-US" dirty="0"/>
+              <a:rPr lang="en-US">
+                <a:solidFill>
+                  <a:srgbClr val="FFFFFF"/>
+                </a:solidFill>
+              </a:rPr>
               <a:t>Importance of Key Value Abstraction</a:t>
             </a:r>
           </a:p>
@@ -4373,32 +9653,123 @@
             <p:ph idx="1"/>
           </p:nvPr>
         </p:nvSpPr>
-        <p:spPr/>
+        <p:spPr>
+          <a:xfrm>
+            <a:off x="6090574" y="801866"/>
+            <a:ext cx="5306084" cy="5230634"/>
+          </a:xfrm>
+        </p:spPr>
         <p:txBody>
-          <a:bodyPr/>
+          <a:bodyPr anchor="ctr">
+            <a:normAutofit/>
+          </a:bodyPr>
           <a:lstStyle/>
           <a:p>
             <a:r>
-              <a:rPr lang="en-US" dirty="0"/>
-              <a:t>Groups based on Key Values</a:t>
-            </a:r>
-          </a:p>
-          <a:p>
-            <a:r>
-              <a:rPr lang="en-US" dirty="0"/>
-              <a:t>Bucket determined by a hashing function:</a:t>
-            </a:r>
-          </a:p>
-          <a:p>
-            <a:endParaRPr lang="en-US" dirty="0"/>
+              <a:rPr lang="en-US" sz="2400" dirty="0">
+                <a:solidFill>
+                  <a:srgbClr val="000000"/>
+                </a:solidFill>
+              </a:rPr>
+              <a:t>Groups based </a:t>
+            </a:r>
+            <a:r>
+              <a:rPr lang="en-US" sz="2400" b="1" i="1" dirty="0">
+                <a:solidFill>
+                  <a:srgbClr val="000000"/>
+                </a:solidFill>
+              </a:rPr>
+              <a:t>on </a:t>
+            </a:r>
+            <a:r>
+              <a:rPr lang="en-US" sz="2400" b="1" i="1" dirty="0">
+                <a:solidFill>
+                  <a:srgbClr val="7030A0"/>
+                </a:solidFill>
+              </a:rPr>
+              <a:t>key values</a:t>
+            </a:r>
+          </a:p>
+          <a:p>
+            <a:r>
+              <a:rPr lang="en-US" sz="2400" dirty="0">
+                <a:solidFill>
+                  <a:srgbClr val="000000"/>
+                </a:solidFill>
+              </a:rPr>
+              <a:t>Bucket determined by a </a:t>
+            </a:r>
+            <a:r>
+              <a:rPr lang="en-US" sz="2400" b="1" i="1" dirty="0">
+                <a:solidFill>
+                  <a:srgbClr val="7030A0"/>
+                </a:solidFill>
+              </a:rPr>
+              <a:t>hash</a:t>
+            </a:r>
+            <a:r>
+              <a:rPr lang="en-US" sz="2400" dirty="0">
+                <a:solidFill>
+                  <a:srgbClr val="000000"/>
+                </a:solidFill>
+              </a:rPr>
+              <a:t> function:</a:t>
+            </a:r>
+          </a:p>
+          <a:p>
+            <a:endParaRPr lang="en-US" sz="2400" dirty="0">
+              <a:solidFill>
+                <a:srgbClr val="000000"/>
+              </a:solidFill>
+            </a:endParaRPr>
           </a:p>
           <a:p>
             <a:pPr marL="0" indent="0">
               <a:buNone/>
             </a:pPr>
             <a:r>
-              <a:rPr lang="en-US" dirty="0"/>
-              <a:t>      hash = f(key)  - determines bucket for the shuffle</a:t>
+              <a:rPr lang="en-US" sz="2400" dirty="0">
+                <a:solidFill>
+                  <a:srgbClr val="000000"/>
+                </a:solidFill>
+              </a:rPr>
+              <a:t>      hash = f(key)  - determines bucket for the shuffle, what to aggregate with, etc.</a:t>
+            </a:r>
+          </a:p>
+          <a:p>
+            <a:pPr marL="0" indent="0">
+              <a:buNone/>
+            </a:pPr>
+            <a:endParaRPr lang="en-US" sz="2400" dirty="0">
+              <a:solidFill>
+                <a:srgbClr val="000000"/>
+              </a:solidFill>
+            </a:endParaRPr>
+          </a:p>
+          <a:p>
+            <a:pPr marL="0" indent="0">
+              <a:buNone/>
+            </a:pPr>
+            <a:r>
+              <a:rPr lang="en-US" sz="2400" dirty="0">
+                <a:solidFill>
+                  <a:srgbClr val="000000"/>
+                </a:solidFill>
+              </a:rPr>
+              <a:t>      previous slide, word is the key of the hash function:</a:t>
+            </a:r>
+          </a:p>
+          <a:p>
+            <a:pPr marL="0" indent="0">
+              <a:buNone/>
+            </a:pPr>
+            <a:r>
+              <a:rPr lang="en-US" sz="2400" dirty="0">
+                <a:solidFill>
+                  <a:srgbClr val="000000"/>
+                </a:solidFill>
+              </a:rPr>
+              <a:t>                  hash = f(word)</a:t>
             </a:r>
           </a:p>
         </p:txBody>
@@ -4416,97 +9787,10 @@
 </p:sld>
 </file>
 
-<file path=ppt/slides/slide9.xml><?xml version="1.0" encoding="utf-8"?>
-<p:sld xmlns:a="http://schemas.openxmlformats.org/drawingml/2006/main" xmlns:r="http://schemas.openxmlformats.org/officeDocument/2006/relationships" xmlns:p="http://schemas.openxmlformats.org/presentationml/2006/main">
-  <p:cSld>
-    <p:spTree>
-      <p:nvGrpSpPr>
-        <p:cNvPr id="1" name=""/>
-        <p:cNvGrpSpPr/>
-        <p:nvPr/>
-      </p:nvGrpSpPr>
-      <p:grpSpPr>
-        <a:xfrm>
-          <a:off x="0" y="0"/>
-          <a:ext cx="0" cy="0"/>
-          <a:chOff x="0" y="0"/>
-          <a:chExt cx="0" cy="0"/>
-        </a:xfrm>
-      </p:grpSpPr>
-      <p:sp>
-        <p:nvSpPr>
-          <p:cNvPr id="2" name="Title 1">
-            <a:extLst>
-              <a:ext uri="{FF2B5EF4-FFF2-40B4-BE49-F238E27FC236}">
-                <a16:creationId xmlns:a16="http://schemas.microsoft.com/office/drawing/2014/main" id="{3CF19D2E-4181-8B4F-9250-8CCD41F093EA}"/>
-              </a:ext>
-            </a:extLst>
-          </p:cNvPr>
-          <p:cNvSpPr>
-            <a:spLocks noGrp="1"/>
-          </p:cNvSpPr>
-          <p:nvPr>
-            <p:ph type="title"/>
-          </p:nvPr>
-        </p:nvSpPr>
-        <p:spPr/>
-        <p:txBody>
-          <a:bodyPr/>
-          <a:lstStyle/>
-          <a:p>
-            <a:r>
-              <a:rPr lang="en-US" dirty="0"/>
-              <a:t>Mappers and Reducers</a:t>
-            </a:r>
-          </a:p>
-        </p:txBody>
-      </p:sp>
-      <p:pic>
-        <p:nvPicPr>
-          <p:cNvPr id="13" name="Content Placeholder 12" descr="A screenshot of a cell phone&#13;&#10;&#13;&#10;Description automatically generated">
-            <a:extLst>
-              <a:ext uri="{FF2B5EF4-FFF2-40B4-BE49-F238E27FC236}">
-                <a16:creationId xmlns:a16="http://schemas.microsoft.com/office/drawing/2014/main" id="{2B60AB98-63D8-CC4C-BDFB-8A78EDB76DEF}"/>
-              </a:ext>
-            </a:extLst>
-          </p:cNvPr>
-          <p:cNvPicPr>
-            <a:picLocks noGrp="1" noChangeAspect="1"/>
-          </p:cNvPicPr>
-          <p:nvPr>
-            <p:ph idx="1"/>
-          </p:nvPr>
-        </p:nvPicPr>
-        <p:blipFill>
-          <a:blip r:embed="rId2"/>
-          <a:stretch>
-            <a:fillRect/>
-          </a:stretch>
-        </p:blipFill>
-        <p:spPr>
-          <a:xfrm>
-            <a:off x="2107095" y="1690688"/>
-            <a:ext cx="5698435" cy="4910114"/>
-          </a:xfrm>
-        </p:spPr>
-      </p:pic>
-    </p:spTree>
-    <p:extLst>
-      <p:ext uri="{BB962C8B-B14F-4D97-AF65-F5344CB8AC3E}">
-        <p14:creationId xmlns:p14="http://schemas.microsoft.com/office/powerpoint/2010/main" val="2583813161"/>
-      </p:ext>
-    </p:extLst>
-  </p:cSld>
-  <p:clrMapOvr>
-    <a:masterClrMapping/>
-  </p:clrMapOvr>
-</p:sld>
-</file>
-
 <file path=ppt/theme/theme1.xml><?xml version="1.0" encoding="utf-8"?>
 <a:theme xmlns:a="http://schemas.openxmlformats.org/drawingml/2006/main" name="Office Theme">
   <a:themeElements>
-    <a:clrScheme name="Office">
+    <a:clrScheme name="Office Theme">
       <a:dk1>
         <a:sysClr val="windowText" lastClr="000000"/>
       </a:dk1>
@@ -4544,7 +9828,7 @@
         <a:srgbClr val="954F72"/>
       </a:folHlink>
     </a:clrScheme>
-    <a:fontScheme name="Office">
+    <a:fontScheme name="Office Theme">
       <a:majorFont>
         <a:latin typeface="Calibri Light" panose="020F0302020204030204"/>
         <a:ea typeface=""/>
@@ -4579,23 +9863,6 @@
         <a:font script="Viet" typeface="Times New Roman"/>
         <a:font script="Uigh" typeface="Microsoft Uighur"/>
         <a:font script="Geor" typeface="Sylfaen"/>
-        <a:font script="Armn" typeface="Arial"/>
-        <a:font script="Bugi" typeface="Leelawadee UI"/>
-        <a:font script="Bopo" typeface="Microsoft JhengHei"/>
-        <a:font script="Java" typeface="Javanese Text"/>
-        <a:font script="Lisu" typeface="Segoe UI"/>
-        <a:font script="Mymr" typeface="Myanmar Text"/>
-        <a:font script="Nkoo" typeface="Ebrima"/>
-        <a:font script="Olck" typeface="Nirmala UI"/>
-        <a:font script="Osma" typeface="Ebrima"/>
-        <a:font script="Phag" typeface="Phagspa"/>
-        <a:font script="Syrn" typeface="Estrangelo Edessa"/>
-        <a:font script="Syrj" typeface="Estrangelo Edessa"/>
-        <a:font script="Syre" typeface="Estrangelo Edessa"/>
-        <a:font script="Sora" typeface="Nirmala UI"/>
-        <a:font script="Tale" typeface="Microsoft Tai Le"/>
-        <a:font script="Talu" typeface="Microsoft New Tai Lue"/>
-        <a:font script="Tfng" typeface="Ebrima"/>
       </a:majorFont>
       <a:minorFont>
         <a:latin typeface="Calibri" panose="020F0502020204030204"/>
@@ -4631,26 +9898,9 @@
         <a:font script="Viet" typeface="Arial"/>
         <a:font script="Uigh" typeface="Microsoft Uighur"/>
         <a:font script="Geor" typeface="Sylfaen"/>
-        <a:font script="Armn" typeface="Arial"/>
-        <a:font script="Bugi" typeface="Leelawadee UI"/>
-        <a:font script="Bopo" typeface="Microsoft JhengHei"/>
-        <a:font script="Java" typeface="Javanese Text"/>
-        <a:font script="Lisu" typeface="Segoe UI"/>
-        <a:font script="Mymr" typeface="Myanmar Text"/>
-        <a:font script="Nkoo" typeface="Ebrima"/>
-        <a:font script="Olck" typeface="Nirmala UI"/>
-        <a:font script="Osma" typeface="Ebrima"/>
-        <a:font script="Phag" typeface="Phagspa"/>
-        <a:font script="Syrn" typeface="Estrangelo Edessa"/>
-        <a:font script="Syrj" typeface="Estrangelo Edessa"/>
-        <a:font script="Syre" typeface="Estrangelo Edessa"/>
-        <a:font script="Sora" typeface="Nirmala UI"/>
-        <a:font script="Tale" typeface="Microsoft Tai Le"/>
-        <a:font script="Talu" typeface="Microsoft New Tai Lue"/>
-        <a:font script="Tfng" typeface="Ebrima"/>
       </a:minorFont>
     </a:fontScheme>
-    <a:fmtScheme name="Office">
+    <a:fmtScheme name="Office Theme">
       <a:fillStyleLst>
         <a:solidFill>
           <a:schemeClr val="phClr"/>
